--- a/final_upload_ring_retrieve_simulator/presentation/Ring_retrieve_simulator.pptx
+++ b/final_upload_ring_retrieve_simulator/presentation/Ring_retrieve_simulator.pptx
@@ -7,9 +7,12 @@
   <p:sldIdLst>
     <p:sldId id="256" r:id="rId2"/>
     <p:sldId id="257" r:id="rId3"/>
-    <p:sldId id="258" r:id="rId4"/>
-    <p:sldId id="259" r:id="rId5"/>
-    <p:sldId id="260" r:id="rId6"/>
+    <p:sldId id="259" r:id="rId4"/>
+    <p:sldId id="262" r:id="rId5"/>
+    <p:sldId id="258" r:id="rId6"/>
+    <p:sldId id="263" r:id="rId7"/>
+    <p:sldId id="264" r:id="rId8"/>
+    <p:sldId id="265" r:id="rId9"/>
   </p:sldIdLst>
   <p:sldSz cx="12192000" cy="6858000"/>
   <p:notesSz cx="6858000" cy="9144000"/>
@@ -108,6 +111,11 @@
       </a:defRPr>
     </a:lvl9pPr>
   </p:defaultTextStyle>
+  <p:extLst>
+    <p:ext uri="{EFAFB233-063F-42B5-8137-9DF3F51BA10A}">
+      <p15:sldGuideLst xmlns:p15="http://schemas.microsoft.com/office/powerpoint/2012/main"/>
+    </p:ext>
+  </p:extLst>
 </p:presentation>
 </file>
 
@@ -3332,6 +3340,14 @@
 <file path=ppt/slides/slide1.xml><?xml version="1.0" encoding="utf-8"?>
 <p:sld xmlns:a="http://schemas.openxmlformats.org/drawingml/2006/main" xmlns:r="http://schemas.openxmlformats.org/officeDocument/2006/relationships" xmlns:p="http://schemas.openxmlformats.org/presentationml/2006/main">
   <p:cSld>
+    <p:bg>
+      <p:bgPr>
+        <a:solidFill>
+          <a:srgbClr val="45657B"/>
+        </a:solidFill>
+        <a:effectLst/>
+      </p:bgPr>
+    </p:bg>
     <p:spTree>
       <p:nvGrpSpPr>
         <p:cNvPr id="1" name=""/>
@@ -3555,6 +3571,14 @@
 <file path=ppt/slides/slide2.xml><?xml version="1.0" encoding="utf-8"?>
 <p:sld xmlns:a="http://schemas.openxmlformats.org/drawingml/2006/main" xmlns:r="http://schemas.openxmlformats.org/officeDocument/2006/relationships" xmlns:p="http://schemas.openxmlformats.org/presentationml/2006/main">
   <p:cSld>
+    <p:bg>
+      <p:bgPr>
+        <a:solidFill>
+          <a:srgbClr val="45657B"/>
+        </a:solidFill>
+        <a:effectLst/>
+      </p:bgPr>
+    </p:bg>
     <p:spTree>
       <p:nvGrpSpPr>
         <p:cNvPr id="1" name=""/>
@@ -3591,10 +3615,18 @@
           <a:lstStyle/>
           <a:p>
             <a:r>
-              <a:rPr lang="de-AT" dirty="0" err="1"/>
+              <a:rPr lang="de-AT" dirty="0" err="1">
+                <a:solidFill>
+                  <a:schemeClr val="bg1"/>
+                </a:solidFill>
+              </a:rPr>
               <a:t>Idea</a:t>
             </a:r>
-            <a:endParaRPr lang="de-AT" dirty="0"/>
+            <a:endParaRPr lang="de-AT" dirty="0">
+              <a:solidFill>
+                <a:schemeClr val="bg1"/>
+              </a:solidFill>
+            </a:endParaRPr>
           </a:p>
         </p:txBody>
       </p:sp>
@@ -3616,10 +3648,229 @@
         </p:nvSpPr>
         <p:spPr/>
         <p:txBody>
-          <a:bodyPr/>
+          <a:bodyPr>
+            <a:normAutofit lnSpcReduction="10000"/>
+          </a:bodyPr>
           <a:lstStyle/>
           <a:p>
-            <a:endParaRPr lang="de-AT" dirty="0"/>
+            <a:r>
+              <a:rPr lang="en-US" sz="1800" dirty="0">
+                <a:solidFill>
+                  <a:schemeClr val="bg1"/>
+                </a:solidFill>
+                <a:effectLst/>
+                <a:latin typeface="Verdana" panose="020B0604030504040204" pitchFamily="34" charset="0"/>
+                <a:ea typeface="Times New Roman" panose="02020603050405020304" pitchFamily="18" charset="0"/>
+                <a:cs typeface="Times New Roman" panose="02020603050405020304" pitchFamily="18" charset="0"/>
+              </a:rPr>
+              <a:t>single-player 2D RPG game with separate world exploration and battle modes</a:t>
+            </a:r>
+          </a:p>
+          <a:p>
+            <a:r>
+              <a:rPr lang="en-US" sz="1800" dirty="0">
+                <a:solidFill>
+                  <a:schemeClr val="bg1"/>
+                </a:solidFill>
+                <a:latin typeface="Verdana" panose="020B0604030504040204" pitchFamily="34" charset="0"/>
+                <a:ea typeface="Times New Roman" panose="02020603050405020304" pitchFamily="18" charset="0"/>
+                <a:cs typeface="Times New Roman" panose="02020603050405020304" pitchFamily="18" charset="0"/>
+              </a:rPr>
+              <a:t>w</a:t>
+            </a:r>
+            <a:r>
+              <a:rPr lang="en-US" sz="1800" dirty="0">
+                <a:solidFill>
+                  <a:schemeClr val="bg1"/>
+                </a:solidFill>
+                <a:effectLst/>
+                <a:latin typeface="Verdana" panose="020B0604030504040204" pitchFamily="34" charset="0"/>
+                <a:ea typeface="Times New Roman" panose="02020603050405020304" pitchFamily="18" charset="0"/>
+                <a:cs typeface="Times New Roman" panose="02020603050405020304" pitchFamily="18" charset="0"/>
+              </a:rPr>
+              <a:t>orld exploration in the style of a 2D side-scroll adventure</a:t>
+            </a:r>
+          </a:p>
+          <a:p>
+            <a:r>
+              <a:rPr lang="en-US" sz="1800" dirty="0">
+                <a:solidFill>
+                  <a:schemeClr val="bg1"/>
+                </a:solidFill>
+                <a:effectLst/>
+                <a:latin typeface="Verdana" panose="020B0604030504040204" pitchFamily="34" charset="0"/>
+                <a:ea typeface="Times New Roman" panose="02020603050405020304" pitchFamily="18" charset="0"/>
+                <a:cs typeface="Times New Roman" panose="02020603050405020304" pitchFamily="18" charset="0"/>
+              </a:rPr>
+              <a:t>turn-based battles, that can involve a party of several characters and one or multiple enemies</a:t>
+            </a:r>
+          </a:p>
+          <a:p>
+            <a:r>
+              <a:rPr lang="en-US" sz="1800" dirty="0">
+                <a:solidFill>
+                  <a:schemeClr val="bg1"/>
+                </a:solidFill>
+                <a:latin typeface="Verdana" panose="020B0604030504040204" pitchFamily="34" charset="0"/>
+                <a:ea typeface="Times New Roman" panose="02020603050405020304" pitchFamily="18" charset="0"/>
+                <a:cs typeface="Times New Roman" panose="02020603050405020304" pitchFamily="18" charset="0"/>
+              </a:rPr>
+              <a:t>c</a:t>
+            </a:r>
+            <a:r>
+              <a:rPr lang="en-US" sz="1800" dirty="0">
+                <a:solidFill>
+                  <a:schemeClr val="bg1"/>
+                </a:solidFill>
+                <a:effectLst/>
+                <a:latin typeface="Verdana" panose="020B0604030504040204" pitchFamily="34" charset="0"/>
+                <a:ea typeface="Times New Roman" panose="02020603050405020304" pitchFamily="18" charset="0"/>
+                <a:cs typeface="Times New Roman" panose="02020603050405020304" pitchFamily="18" charset="0"/>
+              </a:rPr>
+              <a:t>haracters can be equipped with different items (weapons, armor, utility items) and have different base-properties that can be modified through character advancement</a:t>
+            </a:r>
+            <a:endParaRPr lang="de-AT" sz="1800" dirty="0">
+              <a:solidFill>
+                <a:schemeClr val="bg1"/>
+              </a:solidFill>
+              <a:effectLst/>
+              <a:latin typeface="Verdana" panose="020B0604030504040204" pitchFamily="34" charset="0"/>
+              <a:ea typeface="Times New Roman" panose="02020603050405020304" pitchFamily="18" charset="0"/>
+              <a:cs typeface="Times New Roman" panose="02020603050405020304" pitchFamily="18" charset="0"/>
+            </a:endParaRPr>
+          </a:p>
+          <a:p>
+            <a:r>
+              <a:rPr lang="en-US" sz="1800" dirty="0">
+                <a:solidFill>
+                  <a:schemeClr val="bg1"/>
+                </a:solidFill>
+                <a:latin typeface="Verdana" panose="020B0604030504040204" pitchFamily="34" charset="0"/>
+                <a:ea typeface="Times New Roman" panose="02020603050405020304" pitchFamily="18" charset="0"/>
+                <a:cs typeface="Times New Roman" panose="02020603050405020304" pitchFamily="18" charset="0"/>
+              </a:rPr>
+              <a:t>we </a:t>
+            </a:r>
+            <a:r>
+              <a:rPr lang="en-US" sz="1800" dirty="0">
+                <a:solidFill>
+                  <a:schemeClr val="bg1"/>
+                </a:solidFill>
+                <a:effectLst/>
+                <a:latin typeface="Verdana" panose="020B0604030504040204" pitchFamily="34" charset="0"/>
+                <a:ea typeface="Times New Roman" panose="02020603050405020304" pitchFamily="18" charset="0"/>
+                <a:cs typeface="Times New Roman" panose="02020603050405020304" pitchFamily="18" charset="0"/>
+              </a:rPr>
+              <a:t>create the game using the Unity engine</a:t>
+            </a:r>
+          </a:p>
+          <a:p>
+            <a:r>
+              <a:rPr lang="en-US" sz="1800" dirty="0">
+                <a:solidFill>
+                  <a:schemeClr val="bg1"/>
+                </a:solidFill>
+                <a:latin typeface="Verdana" panose="020B0604030504040204" pitchFamily="34" charset="0"/>
+                <a:ea typeface="Times New Roman" panose="02020603050405020304" pitchFamily="18" charset="0"/>
+                <a:cs typeface="Times New Roman" panose="02020603050405020304" pitchFamily="18" charset="0"/>
+              </a:rPr>
+              <a:t>w</a:t>
+            </a:r>
+            <a:r>
+              <a:rPr lang="en-US" sz="1800" dirty="0">
+                <a:solidFill>
+                  <a:schemeClr val="bg1"/>
+                </a:solidFill>
+                <a:effectLst/>
+                <a:latin typeface="Verdana" panose="020B0604030504040204" pitchFamily="34" charset="0"/>
+                <a:ea typeface="Times New Roman" panose="02020603050405020304" pitchFamily="18" charset="0"/>
+                <a:cs typeface="Times New Roman" panose="02020603050405020304" pitchFamily="18" charset="0"/>
+              </a:rPr>
+              <a:t>e design and implement a system for character and enemy attributes and their interactions in combat</a:t>
+            </a:r>
+          </a:p>
+          <a:p>
+            <a:r>
+              <a:rPr lang="en-US" sz="1800" dirty="0">
+                <a:solidFill>
+                  <a:schemeClr val="bg1"/>
+                </a:solidFill>
+                <a:effectLst/>
+                <a:latin typeface="Verdana" panose="020B0604030504040204" pitchFamily="34" charset="0"/>
+                <a:ea typeface="Times New Roman" panose="02020603050405020304" pitchFamily="18" charset="0"/>
+                <a:cs typeface="Times New Roman" panose="02020603050405020304" pitchFamily="18" charset="0"/>
+              </a:rPr>
+              <a:t>create a challenging decision-making system for enemy behavior</a:t>
+            </a:r>
+          </a:p>
+          <a:p>
+            <a:r>
+              <a:rPr lang="en-US" sz="1800" dirty="0">
+                <a:solidFill>
+                  <a:schemeClr val="bg1"/>
+                </a:solidFill>
+                <a:effectLst/>
+                <a:latin typeface="Verdana" panose="020B0604030504040204" pitchFamily="34" charset="0"/>
+                <a:ea typeface="Times New Roman" panose="02020603050405020304" pitchFamily="18" charset="0"/>
+                <a:cs typeface="Times New Roman" panose="02020603050405020304" pitchFamily="18" charset="0"/>
+              </a:rPr>
+              <a:t>create basic sprites and/or adapt existing ones</a:t>
+            </a:r>
+          </a:p>
+          <a:p>
+            <a:r>
+              <a:rPr lang="en-US" sz="1800" dirty="0">
+                <a:solidFill>
+                  <a:schemeClr val="bg1"/>
+                </a:solidFill>
+                <a:effectLst/>
+                <a:latin typeface="Verdana" panose="020B0604030504040204" pitchFamily="34" charset="0"/>
+                <a:ea typeface="Times New Roman" panose="02020603050405020304" pitchFamily="18" charset="0"/>
+                <a:cs typeface="Times New Roman" panose="02020603050405020304" pitchFamily="18" charset="0"/>
+              </a:rPr>
+              <a:t>basic physics will be implemented for world exploration</a:t>
+            </a:r>
+          </a:p>
+          <a:p>
+            <a:r>
+              <a:rPr lang="en-US" sz="1800" dirty="0">
+                <a:solidFill>
+                  <a:schemeClr val="bg1"/>
+                </a:solidFill>
+                <a:latin typeface="Verdana" panose="020B0604030504040204" pitchFamily="34" charset="0"/>
+                <a:ea typeface="Times New Roman" panose="02020603050405020304" pitchFamily="18" charset="0"/>
+                <a:cs typeface="Times New Roman" panose="02020603050405020304" pitchFamily="18" charset="0"/>
+              </a:rPr>
+              <a:t>goal: </a:t>
+            </a:r>
+            <a:r>
+              <a:rPr lang="en-US" sz="1800" dirty="0">
+                <a:solidFill>
+                  <a:schemeClr val="bg1"/>
+                </a:solidFill>
+                <a:effectLst/>
+                <a:latin typeface="Verdana" panose="020B0604030504040204" pitchFamily="34" charset="0"/>
+                <a:ea typeface="Times New Roman" panose="02020603050405020304" pitchFamily="18" charset="0"/>
+                <a:cs typeface="Times New Roman" panose="02020603050405020304" pitchFamily="18" charset="0"/>
+              </a:rPr>
+              <a:t>playable Demo version that includes at least one map or dungeon to explore, with at least one boss fight and at least one step of character advancement.</a:t>
+            </a:r>
+            <a:endParaRPr lang="de-AT" sz="1800" dirty="0">
+              <a:solidFill>
+                <a:schemeClr val="bg1"/>
+              </a:solidFill>
+              <a:effectLst/>
+              <a:latin typeface="Verdana" panose="020B0604030504040204" pitchFamily="34" charset="0"/>
+              <a:ea typeface="Times New Roman" panose="02020603050405020304" pitchFamily="18" charset="0"/>
+              <a:cs typeface="Times New Roman" panose="02020603050405020304" pitchFamily="18" charset="0"/>
+            </a:endParaRPr>
+          </a:p>
+          <a:p>
+            <a:endParaRPr lang="de-AT" dirty="0">
+              <a:solidFill>
+                <a:schemeClr val="bg1"/>
+              </a:solidFill>
+            </a:endParaRPr>
           </a:p>
         </p:txBody>
       </p:sp>
@@ -3639,6 +3890,14 @@
 <file path=ppt/slides/slide3.xml><?xml version="1.0" encoding="utf-8"?>
 <p:sld xmlns:a="http://schemas.openxmlformats.org/drawingml/2006/main" xmlns:r="http://schemas.openxmlformats.org/officeDocument/2006/relationships" xmlns:p="http://schemas.openxmlformats.org/presentationml/2006/main">
   <p:cSld>
+    <p:bg>
+      <p:bgPr>
+        <a:solidFill>
+          <a:srgbClr val="45657B"/>
+        </a:solidFill>
+        <a:effectLst/>
+      </p:bgPr>
+    </p:bg>
     <p:spTree>
       <p:nvGrpSpPr>
         <p:cNvPr id="1" name=""/>
@@ -3658,7 +3917,7 @@
           <p:cNvPr id="2" name="Titel 1">
             <a:extLst>
               <a:ext uri="{FF2B5EF4-FFF2-40B4-BE49-F238E27FC236}">
-                <a16:creationId xmlns:a16="http://schemas.microsoft.com/office/drawing/2014/main" id="{18FD9D51-36AB-44B3-8008-289662C90BAF}"/>
+                <a16:creationId xmlns:a16="http://schemas.microsoft.com/office/drawing/2014/main" id="{923B1A2E-B8C8-44D9-A79B-28E57DC3D1E5}"/>
               </a:ext>
             </a:extLst>
           </p:cNvPr>
@@ -3675,8 +3934,12 @@
           <a:lstStyle/>
           <a:p>
             <a:r>
-              <a:rPr lang="de-AT" dirty="0"/>
-              <a:t>Implementation</a:t>
+              <a:rPr lang="de-AT" dirty="0">
+                <a:solidFill>
+                  <a:schemeClr val="bg1"/>
+                </a:solidFill>
+              </a:rPr>
+              <a:t>Tools</a:t>
             </a:r>
           </a:p>
         </p:txBody>
@@ -3686,7 +3949,7 @@
           <p:cNvPr id="3" name="Inhaltsplatzhalter 2">
             <a:extLst>
               <a:ext uri="{FF2B5EF4-FFF2-40B4-BE49-F238E27FC236}">
-                <a16:creationId xmlns:a16="http://schemas.microsoft.com/office/drawing/2014/main" id="{254A6069-4FDE-48D1-8777-CDEEE942B3BF}"/>
+                <a16:creationId xmlns:a16="http://schemas.microsoft.com/office/drawing/2014/main" id="{B6B240DA-CED9-416E-AC69-5175B216E84C}"/>
               </a:ext>
             </a:extLst>
           </p:cNvPr>
@@ -3699,17 +3962,250 @@
         </p:nvSpPr>
         <p:spPr/>
         <p:txBody>
-          <a:bodyPr/>
+          <a:bodyPr>
+            <a:normAutofit lnSpcReduction="10000"/>
+          </a:bodyPr>
           <a:lstStyle/>
           <a:p>
-            <a:endParaRPr lang="de-AT"/>
+            <a:pPr fontAlgn="base">
+              <a:lnSpc>
+                <a:spcPct val="150000"/>
+              </a:lnSpc>
+            </a:pPr>
+            <a:r>
+              <a:rPr lang="en-US" b="0" i="0" dirty="0">
+                <a:solidFill>
+                  <a:schemeClr val="bg1"/>
+                </a:solidFill>
+                <a:effectLst/>
+                <a:latin typeface="inherit"/>
+              </a:rPr>
+              <a:t>communication over discord</a:t>
+            </a:r>
+          </a:p>
+          <a:p>
+            <a:pPr algn="l" fontAlgn="base">
+              <a:lnSpc>
+                <a:spcPct val="150000"/>
+              </a:lnSpc>
+            </a:pPr>
+            <a:r>
+              <a:rPr lang="en-US" b="0" i="0" dirty="0">
+                <a:solidFill>
+                  <a:schemeClr val="bg1"/>
+                </a:solidFill>
+                <a:effectLst/>
+                <a:latin typeface="inherit"/>
+              </a:rPr>
+              <a:t>we used miro.com as our collaboration tool</a:t>
+            </a:r>
+          </a:p>
+          <a:p>
+            <a:pPr>
+              <a:lnSpc>
+                <a:spcPct val="150000"/>
+              </a:lnSpc>
+            </a:pPr>
+            <a:r>
+              <a:rPr lang="de-AT" b="0" i="0" dirty="0" err="1">
+                <a:solidFill>
+                  <a:schemeClr val="bg1"/>
+                </a:solidFill>
+                <a:effectLst/>
+                <a:latin typeface="Whitney"/>
+              </a:rPr>
+              <a:t>version</a:t>
+            </a:r>
+            <a:r>
+              <a:rPr lang="de-AT" b="0" i="0" dirty="0">
+                <a:solidFill>
+                  <a:schemeClr val="bg1"/>
+                </a:solidFill>
+                <a:effectLst/>
+                <a:latin typeface="Whitney"/>
+              </a:rPr>
+              <a:t> </a:t>
+            </a:r>
+            <a:r>
+              <a:rPr lang="de-AT" b="0" i="0" dirty="0" err="1">
+                <a:solidFill>
+                  <a:schemeClr val="bg1"/>
+                </a:solidFill>
+                <a:effectLst/>
+                <a:latin typeface="Whitney"/>
+              </a:rPr>
+              <a:t>control</a:t>
+            </a:r>
+            <a:r>
+              <a:rPr lang="de-AT" b="0" i="0" dirty="0">
+                <a:solidFill>
+                  <a:schemeClr val="bg1"/>
+                </a:solidFill>
+                <a:effectLst/>
+                <a:latin typeface="Whitney"/>
+              </a:rPr>
+              <a:t> </a:t>
+            </a:r>
+            <a:r>
+              <a:rPr lang="de-AT" b="0" i="0" dirty="0" err="1">
+                <a:solidFill>
+                  <a:schemeClr val="bg1"/>
+                </a:solidFill>
+                <a:effectLst/>
+                <a:latin typeface="Whitney"/>
+              </a:rPr>
+              <a:t>with</a:t>
+            </a:r>
+            <a:r>
+              <a:rPr lang="de-AT" b="0" i="0" dirty="0">
+                <a:solidFill>
+                  <a:schemeClr val="bg1"/>
+                </a:solidFill>
+                <a:effectLst/>
+                <a:latin typeface="Whitney"/>
+              </a:rPr>
+              <a:t> github.com/GitHub Desktop (</a:t>
+            </a:r>
+            <a:r>
+              <a:rPr lang="de-AT" b="0" i="0" dirty="0" err="1">
+                <a:solidFill>
+                  <a:schemeClr val="bg1"/>
+                </a:solidFill>
+                <a:effectLst/>
+                <a:latin typeface="Whitney"/>
+              </a:rPr>
+              <a:t>unity</a:t>
+            </a:r>
+            <a:r>
+              <a:rPr lang="de-AT" b="0" i="0" dirty="0">
+                <a:solidFill>
+                  <a:schemeClr val="bg1"/>
+                </a:solidFill>
+                <a:effectLst/>
+                <a:latin typeface="Whitney"/>
+              </a:rPr>
+              <a:t>-template </a:t>
+            </a:r>
+            <a:r>
+              <a:rPr lang="de-AT" b="0" i="0" dirty="0" err="1">
+                <a:solidFill>
+                  <a:schemeClr val="bg1"/>
+                </a:solidFill>
+                <a:effectLst/>
+                <a:latin typeface="Whitney"/>
+              </a:rPr>
+              <a:t>for</a:t>
+            </a:r>
+            <a:r>
+              <a:rPr lang="de-AT" b="0" i="0" dirty="0">
+                <a:solidFill>
+                  <a:schemeClr val="bg1"/>
+                </a:solidFill>
+                <a:effectLst/>
+                <a:latin typeface="Whitney"/>
+              </a:rPr>
+              <a:t> .</a:t>
+            </a:r>
+            <a:r>
+              <a:rPr lang="de-AT" b="0" i="0" dirty="0" err="1">
+                <a:solidFill>
+                  <a:schemeClr val="bg1"/>
+                </a:solidFill>
+                <a:effectLst/>
+                <a:latin typeface="Whitney"/>
+              </a:rPr>
+              <a:t>gitignore</a:t>
+            </a:r>
+            <a:r>
+              <a:rPr lang="de-AT" b="0" i="0" dirty="0">
+                <a:solidFill>
+                  <a:schemeClr val="bg1"/>
+                </a:solidFill>
+                <a:effectLst/>
+                <a:latin typeface="Whitney"/>
+              </a:rPr>
+              <a:t>)</a:t>
+            </a:r>
+          </a:p>
+          <a:p>
+            <a:pPr>
+              <a:lnSpc>
+                <a:spcPct val="150000"/>
+              </a:lnSpc>
+            </a:pPr>
+            <a:r>
+              <a:rPr lang="de-AT" b="0" i="0" dirty="0">
+                <a:solidFill>
+                  <a:schemeClr val="bg1"/>
+                </a:solidFill>
+                <a:effectLst/>
+                <a:latin typeface="Whitney"/>
+              </a:rPr>
+              <a:t>Unity </a:t>
+            </a:r>
+            <a:r>
+              <a:rPr lang="de-AT" b="0" i="0" dirty="0" err="1">
+                <a:solidFill>
+                  <a:schemeClr val="bg1"/>
+                </a:solidFill>
+                <a:effectLst/>
+                <a:latin typeface="Whitney"/>
+              </a:rPr>
+              <a:t>editor</a:t>
+            </a:r>
+            <a:r>
+              <a:rPr lang="de-AT" b="0" i="0" dirty="0">
+                <a:solidFill>
+                  <a:schemeClr val="bg1"/>
+                </a:solidFill>
+                <a:effectLst/>
+                <a:latin typeface="Whitney"/>
+              </a:rPr>
+              <a:t> v. 2021.1.1f1</a:t>
+            </a:r>
+          </a:p>
+          <a:p>
+            <a:pPr>
+              <a:lnSpc>
+                <a:spcPct val="150000"/>
+              </a:lnSpc>
+            </a:pPr>
+            <a:r>
+              <a:rPr lang="en-US" b="0" i="0" dirty="0">
+                <a:solidFill>
+                  <a:schemeClr val="bg1"/>
+                </a:solidFill>
+                <a:effectLst/>
+                <a:latin typeface="Whitney"/>
+              </a:rPr>
+              <a:t>visual studio 2019 with unity extension</a:t>
+            </a:r>
+            <a:endParaRPr lang="de-AT" b="0" i="0" dirty="0">
+              <a:solidFill>
+                <a:schemeClr val="bg1"/>
+              </a:solidFill>
+              <a:effectLst/>
+              <a:latin typeface="Whitney"/>
+            </a:endParaRPr>
+          </a:p>
+          <a:p>
+            <a:pPr>
+              <a:lnSpc>
+                <a:spcPct val="150000"/>
+              </a:lnSpc>
+            </a:pPr>
+            <a:endParaRPr lang="de-AT" dirty="0">
+              <a:solidFill>
+                <a:schemeClr val="bg1"/>
+              </a:solidFill>
+            </a:endParaRPr>
           </a:p>
         </p:txBody>
       </p:sp>
     </p:spTree>
     <p:extLst>
       <p:ext uri="{BB962C8B-B14F-4D97-AF65-F5344CB8AC3E}">
-        <p14:creationId xmlns:p14="http://schemas.microsoft.com/office/powerpoint/2010/main" val="3313490944"/>
+        <p14:creationId xmlns:p14="http://schemas.microsoft.com/office/powerpoint/2010/main" val="2364974715"/>
       </p:ext>
     </p:extLst>
   </p:cSld>
@@ -3722,6 +4218,14 @@
 <file path=ppt/slides/slide4.xml><?xml version="1.0" encoding="utf-8"?>
 <p:sld xmlns:a="http://schemas.openxmlformats.org/drawingml/2006/main" xmlns:r="http://schemas.openxmlformats.org/officeDocument/2006/relationships" xmlns:p="http://schemas.openxmlformats.org/presentationml/2006/main">
   <p:cSld>
+    <p:bg>
+      <p:bgPr>
+        <a:solidFill>
+          <a:srgbClr val="45657B"/>
+        </a:solidFill>
+        <a:effectLst/>
+      </p:bgPr>
+    </p:bg>
     <p:spTree>
       <p:nvGrpSpPr>
         <p:cNvPr id="1" name=""/>
@@ -3741,7 +4245,7 @@
           <p:cNvPr id="2" name="Titel 1">
             <a:extLst>
               <a:ext uri="{FF2B5EF4-FFF2-40B4-BE49-F238E27FC236}">
-                <a16:creationId xmlns:a16="http://schemas.microsoft.com/office/drawing/2014/main" id="{D09C8D3F-7DC2-4A19-BF07-ABF9266498AF}"/>
+                <a16:creationId xmlns:a16="http://schemas.microsoft.com/office/drawing/2014/main" id="{923B1A2E-B8C8-44D9-A79B-28E57DC3D1E5}"/>
               </a:ext>
             </a:extLst>
           </p:cNvPr>
@@ -3758,10 +4262,26 @@
           <a:lstStyle/>
           <a:p>
             <a:r>
-              <a:rPr lang="de-AT" dirty="0" err="1"/>
-              <a:t>Planning</a:t>
-            </a:r>
-            <a:endParaRPr lang="de-AT" dirty="0"/>
+              <a:rPr lang="de-AT" dirty="0">
+                <a:solidFill>
+                  <a:schemeClr val="bg1"/>
+                </a:solidFill>
+              </a:rPr>
+              <a:t>Agile </a:t>
+            </a:r>
+            <a:r>
+              <a:rPr lang="de-AT" dirty="0" err="1">
+                <a:solidFill>
+                  <a:schemeClr val="bg1"/>
+                </a:solidFill>
+              </a:rPr>
+              <a:t>development</a:t>
+            </a:r>
+            <a:endParaRPr lang="de-AT" dirty="0">
+              <a:solidFill>
+                <a:schemeClr val="bg1"/>
+              </a:solidFill>
+            </a:endParaRPr>
           </a:p>
         </p:txBody>
       </p:sp>
@@ -3770,7 +4290,7 @@
           <p:cNvPr id="3" name="Inhaltsplatzhalter 2">
             <a:extLst>
               <a:ext uri="{FF2B5EF4-FFF2-40B4-BE49-F238E27FC236}">
-                <a16:creationId xmlns:a16="http://schemas.microsoft.com/office/drawing/2014/main" id="{318C9C85-1B03-4883-8CCE-58DB6147ECCA}"/>
+                <a16:creationId xmlns:a16="http://schemas.microsoft.com/office/drawing/2014/main" id="{B6B240DA-CED9-416E-AC69-5175B216E84C}"/>
               </a:ext>
             </a:extLst>
           </p:cNvPr>
@@ -3783,17 +4303,196 @@
         </p:nvSpPr>
         <p:spPr/>
         <p:txBody>
-          <a:bodyPr/>
+          <a:bodyPr>
+            <a:normAutofit fontScale="92500" lnSpcReduction="10000"/>
+          </a:bodyPr>
           <a:lstStyle/>
           <a:p>
-            <a:endParaRPr lang="de-AT"/>
+            <a:pPr fontAlgn="base"/>
+            <a:r>
+              <a:rPr lang="en-US" dirty="0">
+                <a:solidFill>
+                  <a:schemeClr val="bg1"/>
+                </a:solidFill>
+                <a:latin typeface="inherit"/>
+              </a:rPr>
+              <a:t>modus: </a:t>
+            </a:r>
+            <a:r>
+              <a:rPr lang="en-US" dirty="0" err="1">
+                <a:solidFill>
+                  <a:schemeClr val="bg1"/>
+                </a:solidFill>
+                <a:latin typeface="inherit"/>
+              </a:rPr>
+              <a:t>Scrumban</a:t>
+            </a:r>
+            <a:endParaRPr lang="en-US" dirty="0">
+              <a:solidFill>
+                <a:schemeClr val="bg1"/>
+              </a:solidFill>
+              <a:latin typeface="inherit"/>
+            </a:endParaRPr>
+          </a:p>
+          <a:p>
+            <a:pPr algn="l" fontAlgn="base"/>
+            <a:r>
+              <a:rPr lang="en-US" b="0" i="0" dirty="0" err="1">
+                <a:solidFill>
+                  <a:schemeClr val="bg1"/>
+                </a:solidFill>
+                <a:effectLst/>
+                <a:latin typeface="inherit"/>
+              </a:rPr>
+              <a:t>DoR</a:t>
+            </a:r>
+            <a:r>
+              <a:rPr lang="en-US" b="0" i="0" dirty="0">
+                <a:solidFill>
+                  <a:schemeClr val="bg1"/>
+                </a:solidFill>
+                <a:effectLst/>
+                <a:latin typeface="inherit"/>
+              </a:rPr>
+              <a:t> </a:t>
+            </a:r>
+            <a:r>
+              <a:rPr lang="en-US" dirty="0">
+                <a:solidFill>
+                  <a:schemeClr val="bg1"/>
+                </a:solidFill>
+                <a:latin typeface="inherit"/>
+              </a:rPr>
+              <a:t>an</a:t>
+            </a:r>
+            <a:r>
+              <a:rPr lang="en-US" b="0" i="0" dirty="0">
+                <a:solidFill>
+                  <a:schemeClr val="bg1"/>
+                </a:solidFill>
+                <a:effectLst/>
+                <a:latin typeface="inherit"/>
+              </a:rPr>
+              <a:t>d DoD on the board, visible for everyone</a:t>
+            </a:r>
+          </a:p>
+          <a:p>
+            <a:pPr fontAlgn="base"/>
+            <a:r>
+              <a:rPr lang="en-US" dirty="0">
+                <a:solidFill>
+                  <a:schemeClr val="bg1"/>
+                </a:solidFill>
+                <a:latin typeface="inherit"/>
+              </a:rPr>
+              <a:t>requirements engineering based on user stories</a:t>
+            </a:r>
+          </a:p>
+          <a:p>
+            <a:pPr algn="l" fontAlgn="base"/>
+            <a:r>
+              <a:rPr lang="en-US" b="0" i="0" dirty="0">
+                <a:solidFill>
+                  <a:schemeClr val="bg1"/>
+                </a:solidFill>
+                <a:effectLst/>
+                <a:latin typeface="inherit"/>
+              </a:rPr>
+              <a:t>items on the board are a combination of well defined user stories and simple post-it notes (for quick fixes etc.)</a:t>
+            </a:r>
+          </a:p>
+          <a:p>
+            <a:pPr fontAlgn="base"/>
+            <a:r>
+              <a:rPr lang="en-US" dirty="0">
+                <a:solidFill>
+                  <a:schemeClr val="bg1"/>
+                </a:solidFill>
+                <a:latin typeface="inherit"/>
+              </a:rPr>
+              <a:t>user stories/requirements from the product backlog are sorted by categories and importance</a:t>
+            </a:r>
+          </a:p>
+          <a:p>
+            <a:pPr fontAlgn="base"/>
+            <a:r>
+              <a:rPr lang="en-US" dirty="0">
+                <a:solidFill>
+                  <a:schemeClr val="bg1"/>
+                </a:solidFill>
+                <a:latin typeface="inherit"/>
+              </a:rPr>
+              <a:t>effort estimation: Fibonacci-numbers</a:t>
+            </a:r>
+          </a:p>
+          <a:p>
+            <a:pPr algn="l" fontAlgn="base"/>
+            <a:r>
+              <a:rPr lang="en-US" b="0" i="0" dirty="0">
+                <a:solidFill>
+                  <a:schemeClr val="bg1"/>
+                </a:solidFill>
+                <a:effectLst/>
+                <a:latin typeface="inherit"/>
+              </a:rPr>
+              <a:t>WIP-limit </a:t>
+            </a:r>
+            <a:r>
+              <a:rPr lang="en-US" i="0" dirty="0">
+                <a:solidFill>
+                  <a:schemeClr val="bg1"/>
+                </a:solidFill>
+                <a:effectLst/>
+                <a:latin typeface="inherit"/>
+              </a:rPr>
+              <a:t>of</a:t>
+            </a:r>
+            <a:r>
+              <a:rPr lang="en-US" b="0" i="0" dirty="0">
+                <a:solidFill>
+                  <a:schemeClr val="bg1"/>
+                </a:solidFill>
+                <a:effectLst/>
+                <a:latin typeface="inherit"/>
+              </a:rPr>
+              <a:t> 2 items per person</a:t>
+            </a:r>
+          </a:p>
+          <a:p>
+            <a:pPr fontAlgn="base"/>
+            <a:r>
+              <a:rPr lang="en-US" dirty="0">
+                <a:solidFill>
+                  <a:schemeClr val="bg1"/>
+                </a:solidFill>
+                <a:latin typeface="inherit"/>
+              </a:rPr>
+              <a:t>sprint review protocols are visible for everyone on the board</a:t>
+            </a:r>
+          </a:p>
+          <a:p>
+            <a:pPr algn="l" fontAlgn="base"/>
+            <a:endParaRPr lang="en-US" b="0" i="0" dirty="0">
+              <a:solidFill>
+                <a:schemeClr val="bg1"/>
+              </a:solidFill>
+              <a:effectLst/>
+              <a:latin typeface="inherit"/>
+            </a:endParaRPr>
+          </a:p>
+          <a:p>
+            <a:endParaRPr lang="en-US" dirty="0">
+              <a:solidFill>
+                <a:schemeClr val="bg1"/>
+              </a:solidFill>
+            </a:endParaRPr>
           </a:p>
         </p:txBody>
       </p:sp>
     </p:spTree>
     <p:extLst>
       <p:ext uri="{BB962C8B-B14F-4D97-AF65-F5344CB8AC3E}">
-        <p14:creationId xmlns:p14="http://schemas.microsoft.com/office/powerpoint/2010/main" val="4038119970"/>
+        <p14:creationId xmlns:p14="http://schemas.microsoft.com/office/powerpoint/2010/main" val="3633578430"/>
       </p:ext>
     </p:extLst>
   </p:cSld>
@@ -3806,6 +4505,14 @@
 <file path=ppt/slides/slide5.xml><?xml version="1.0" encoding="utf-8"?>
 <p:sld xmlns:a="http://schemas.openxmlformats.org/drawingml/2006/main" xmlns:r="http://schemas.openxmlformats.org/officeDocument/2006/relationships" xmlns:p="http://schemas.openxmlformats.org/presentationml/2006/main">
   <p:cSld>
+    <p:bg>
+      <p:bgPr>
+        <a:solidFill>
+          <a:srgbClr val="45657B"/>
+        </a:solidFill>
+        <a:effectLst/>
+      </p:bgPr>
+    </p:bg>
     <p:spTree>
       <p:nvGrpSpPr>
         <p:cNvPr id="1" name=""/>
@@ -3825,7 +4532,7 @@
           <p:cNvPr id="2" name="Titel 1">
             <a:extLst>
               <a:ext uri="{FF2B5EF4-FFF2-40B4-BE49-F238E27FC236}">
-                <a16:creationId xmlns:a16="http://schemas.microsoft.com/office/drawing/2014/main" id="{F1E7E852-EF8E-4E3E-868B-F4847E078A32}"/>
+                <a16:creationId xmlns:a16="http://schemas.microsoft.com/office/drawing/2014/main" id="{923B1A2E-B8C8-44D9-A79B-28E57DC3D1E5}"/>
               </a:ext>
             </a:extLst>
           </p:cNvPr>
@@ -3842,16 +4549,28 @@
           <a:lstStyle/>
           <a:p>
             <a:r>
-              <a:rPr lang="de-AT" dirty="0" err="1"/>
-              <a:t>Current</a:t>
-            </a:r>
-            <a:r>
-              <a:rPr lang="de-AT" dirty="0"/>
-              <a:t> </a:t>
-            </a:r>
-            <a:r>
-              <a:rPr lang="de-AT"/>
-              <a:t>status</a:t>
+              <a:rPr lang="de-AT" dirty="0">
+                <a:solidFill>
+                  <a:schemeClr val="bg1"/>
+                </a:solidFill>
+              </a:rPr>
+              <a:t>Implementation – World &amp; </a:t>
+            </a:r>
+            <a:r>
+              <a:rPr lang="de-AT" dirty="0" err="1">
+                <a:solidFill>
+                  <a:schemeClr val="bg1"/>
+                </a:solidFill>
+              </a:rPr>
+              <a:t>menu</a:t>
+            </a:r>
+            <a:r>
+              <a:rPr lang="de-AT" dirty="0">
+                <a:solidFill>
+                  <a:schemeClr val="bg1"/>
+                </a:solidFill>
+              </a:rPr>
+              <a:t> design</a:t>
             </a:r>
           </a:p>
         </p:txBody>
@@ -3861,7 +4580,7 @@
           <p:cNvPr id="3" name="Inhaltsplatzhalter 2">
             <a:extLst>
               <a:ext uri="{FF2B5EF4-FFF2-40B4-BE49-F238E27FC236}">
-                <a16:creationId xmlns:a16="http://schemas.microsoft.com/office/drawing/2014/main" id="{9C15541C-094C-4318-9638-E2FF8125745E}"/>
+                <a16:creationId xmlns:a16="http://schemas.microsoft.com/office/drawing/2014/main" id="{B6B240DA-CED9-416E-AC69-5175B216E84C}"/>
               </a:ext>
             </a:extLst>
           </p:cNvPr>
@@ -3877,14 +4596,2247 @@
           <a:bodyPr/>
           <a:lstStyle/>
           <a:p>
-            <a:endParaRPr lang="de-AT"/>
+            <a:r>
+              <a:rPr lang="de-AT" dirty="0">
+                <a:solidFill>
+                  <a:schemeClr val="bg1"/>
+                </a:solidFill>
+              </a:rPr>
+              <a:t>Unity Editor v. 2021.1.1f1</a:t>
+            </a:r>
+          </a:p>
+          <a:p>
+            <a:r>
+              <a:rPr lang="de-AT" dirty="0" err="1">
+                <a:solidFill>
+                  <a:schemeClr val="bg1"/>
+                </a:solidFill>
+              </a:rPr>
+              <a:t>created</a:t>
+            </a:r>
+            <a:r>
+              <a:rPr lang="de-AT" dirty="0">
+                <a:solidFill>
+                  <a:schemeClr val="bg1"/>
+                </a:solidFill>
+              </a:rPr>
+              <a:t> </a:t>
+            </a:r>
+            <a:r>
+              <a:rPr lang="de-AT" dirty="0" err="1">
+                <a:solidFill>
+                  <a:schemeClr val="bg1"/>
+                </a:solidFill>
+              </a:rPr>
+              <a:t>world</a:t>
+            </a:r>
+            <a:r>
+              <a:rPr lang="de-AT" dirty="0">
+                <a:solidFill>
+                  <a:schemeClr val="bg1"/>
+                </a:solidFill>
+              </a:rPr>
+              <a:t> </a:t>
+            </a:r>
+            <a:r>
+              <a:rPr lang="de-AT" dirty="0" err="1">
+                <a:solidFill>
+                  <a:schemeClr val="bg1"/>
+                </a:solidFill>
+              </a:rPr>
+              <a:t>with</a:t>
+            </a:r>
+            <a:r>
+              <a:rPr lang="de-AT" dirty="0">
+                <a:solidFill>
+                  <a:schemeClr val="bg1"/>
+                </a:solidFill>
+              </a:rPr>
+              <a:t> </a:t>
+            </a:r>
+            <a:r>
+              <a:rPr lang="de-AT" dirty="0" err="1">
+                <a:solidFill>
+                  <a:schemeClr val="bg1"/>
+                </a:solidFill>
+              </a:rPr>
+              <a:t>built</a:t>
+            </a:r>
+            <a:r>
+              <a:rPr lang="de-AT" dirty="0">
+                <a:solidFill>
+                  <a:schemeClr val="bg1"/>
+                </a:solidFill>
+              </a:rPr>
+              <a:t>-in </a:t>
+            </a:r>
+            <a:r>
+              <a:rPr lang="de-AT" dirty="0" err="1">
+                <a:solidFill>
+                  <a:schemeClr val="bg1"/>
+                </a:solidFill>
+              </a:rPr>
+              <a:t>tilemap</a:t>
+            </a:r>
+            <a:r>
+              <a:rPr lang="de-AT" dirty="0">
+                <a:solidFill>
+                  <a:schemeClr val="bg1"/>
+                </a:solidFill>
+              </a:rPr>
+              <a:t> </a:t>
+            </a:r>
+            <a:r>
+              <a:rPr lang="de-AT" dirty="0" err="1">
+                <a:solidFill>
+                  <a:schemeClr val="bg1"/>
+                </a:solidFill>
+              </a:rPr>
+              <a:t>editor</a:t>
+            </a:r>
+            <a:r>
+              <a:rPr lang="de-AT" dirty="0">
+                <a:solidFill>
+                  <a:schemeClr val="bg1"/>
+                </a:solidFill>
+              </a:rPr>
+              <a:t> </a:t>
+            </a:r>
+            <a:r>
+              <a:rPr lang="de-AT" dirty="0" err="1">
+                <a:solidFill>
+                  <a:schemeClr val="bg1"/>
+                </a:solidFill>
+              </a:rPr>
+              <a:t>with</a:t>
+            </a:r>
+            <a:r>
+              <a:rPr lang="de-AT" dirty="0">
+                <a:solidFill>
+                  <a:schemeClr val="bg1"/>
+                </a:solidFill>
+              </a:rPr>
+              <a:t> </a:t>
+            </a:r>
+            <a:r>
+              <a:rPr lang="de-AT" dirty="0" err="1">
+                <a:solidFill>
+                  <a:schemeClr val="bg1"/>
+                </a:solidFill>
+              </a:rPr>
+              <a:t>asset</a:t>
+            </a:r>
+            <a:r>
+              <a:rPr lang="de-AT" dirty="0">
+                <a:solidFill>
+                  <a:schemeClr val="bg1"/>
+                </a:solidFill>
+              </a:rPr>
+              <a:t> pack </a:t>
+            </a:r>
+            <a:r>
+              <a:rPr lang="de-AT" dirty="0" err="1">
+                <a:solidFill>
+                  <a:schemeClr val="bg1"/>
+                </a:solidFill>
+              </a:rPr>
+              <a:t>from</a:t>
+            </a:r>
+            <a:r>
+              <a:rPr lang="de-AT" dirty="0">
+                <a:solidFill>
+                  <a:schemeClr val="bg1"/>
+                </a:solidFill>
+              </a:rPr>
+              <a:t> </a:t>
+            </a:r>
+            <a:r>
+              <a:rPr lang="de-AT" dirty="0" err="1">
+                <a:solidFill>
+                  <a:schemeClr val="bg1"/>
+                </a:solidFill>
+              </a:rPr>
+              <a:t>unity</a:t>
+            </a:r>
+            <a:r>
+              <a:rPr lang="de-AT" dirty="0">
+                <a:solidFill>
+                  <a:schemeClr val="bg1"/>
+                </a:solidFill>
+              </a:rPr>
+              <a:t> </a:t>
+            </a:r>
+            <a:r>
+              <a:rPr lang="de-AT" dirty="0" err="1">
+                <a:solidFill>
+                  <a:schemeClr val="bg1"/>
+                </a:solidFill>
+              </a:rPr>
+              <a:t>asset</a:t>
+            </a:r>
+            <a:r>
+              <a:rPr lang="de-AT" dirty="0">
+                <a:solidFill>
+                  <a:schemeClr val="bg1"/>
+                </a:solidFill>
+              </a:rPr>
+              <a:t> </a:t>
+            </a:r>
+            <a:r>
+              <a:rPr lang="de-AT" dirty="0" err="1">
+                <a:solidFill>
+                  <a:schemeClr val="bg1"/>
+                </a:solidFill>
+              </a:rPr>
+              <a:t>store</a:t>
+            </a:r>
+            <a:endParaRPr lang="de-AT" dirty="0">
+              <a:solidFill>
+                <a:schemeClr val="bg1"/>
+              </a:solidFill>
+            </a:endParaRPr>
+          </a:p>
+          <a:p>
+            <a:r>
+              <a:rPr lang="de-AT" dirty="0">
+                <a:solidFill>
+                  <a:schemeClr val="bg1"/>
+                </a:solidFill>
+              </a:rPr>
+              <a:t>additional </a:t>
+            </a:r>
+            <a:r>
+              <a:rPr lang="de-AT" dirty="0" err="1">
+                <a:solidFill>
+                  <a:schemeClr val="bg1"/>
+                </a:solidFill>
+              </a:rPr>
+              <a:t>tilemap</a:t>
+            </a:r>
+            <a:r>
+              <a:rPr lang="de-AT" dirty="0">
+                <a:solidFill>
+                  <a:schemeClr val="bg1"/>
+                </a:solidFill>
+              </a:rPr>
+              <a:t> </a:t>
+            </a:r>
+            <a:r>
+              <a:rPr lang="de-AT" dirty="0" err="1">
+                <a:solidFill>
+                  <a:schemeClr val="bg1"/>
+                </a:solidFill>
+              </a:rPr>
+              <a:t>layer</a:t>
+            </a:r>
+            <a:r>
+              <a:rPr lang="de-AT" dirty="0">
+                <a:solidFill>
+                  <a:schemeClr val="bg1"/>
+                </a:solidFill>
+              </a:rPr>
+              <a:t> </a:t>
+            </a:r>
+            <a:r>
+              <a:rPr lang="de-AT" dirty="0" err="1">
+                <a:solidFill>
+                  <a:schemeClr val="bg1"/>
+                </a:solidFill>
+              </a:rPr>
+              <a:t>with</a:t>
+            </a:r>
+            <a:r>
+              <a:rPr lang="de-AT" dirty="0">
+                <a:solidFill>
+                  <a:schemeClr val="bg1"/>
+                </a:solidFill>
+              </a:rPr>
+              <a:t> </a:t>
+            </a:r>
+            <a:r>
+              <a:rPr lang="de-AT" dirty="0" err="1">
+                <a:solidFill>
+                  <a:schemeClr val="bg1"/>
+                </a:solidFill>
+              </a:rPr>
+              <a:t>background</a:t>
+            </a:r>
+            <a:r>
+              <a:rPr lang="de-AT" dirty="0">
+                <a:solidFill>
+                  <a:schemeClr val="bg1"/>
+                </a:solidFill>
+              </a:rPr>
+              <a:t> </a:t>
+            </a:r>
+            <a:r>
+              <a:rPr lang="de-AT" dirty="0" err="1">
+                <a:solidFill>
+                  <a:schemeClr val="bg1"/>
+                </a:solidFill>
+              </a:rPr>
+              <a:t>decorations</a:t>
+            </a:r>
+            <a:endParaRPr lang="de-AT" dirty="0">
+              <a:solidFill>
+                <a:schemeClr val="bg1"/>
+              </a:solidFill>
+            </a:endParaRPr>
+          </a:p>
+          <a:p>
+            <a:r>
+              <a:rPr lang="de-AT" dirty="0" err="1">
+                <a:solidFill>
+                  <a:schemeClr val="bg1"/>
+                </a:solidFill>
+              </a:rPr>
+              <a:t>perspective</a:t>
+            </a:r>
+            <a:r>
+              <a:rPr lang="de-AT" dirty="0">
+                <a:solidFill>
+                  <a:schemeClr val="bg1"/>
+                </a:solidFill>
+              </a:rPr>
+              <a:t> </a:t>
+            </a:r>
+            <a:r>
+              <a:rPr lang="de-AT" dirty="0" err="1">
+                <a:solidFill>
+                  <a:schemeClr val="bg1"/>
+                </a:solidFill>
+              </a:rPr>
+              <a:t>camera</a:t>
+            </a:r>
+            <a:r>
+              <a:rPr lang="de-AT" dirty="0">
+                <a:solidFill>
+                  <a:schemeClr val="bg1"/>
+                </a:solidFill>
+              </a:rPr>
+              <a:t> </a:t>
+            </a:r>
+            <a:r>
+              <a:rPr lang="de-AT" dirty="0" err="1">
+                <a:solidFill>
+                  <a:schemeClr val="bg1"/>
+                </a:solidFill>
+              </a:rPr>
+              <a:t>with</a:t>
+            </a:r>
+            <a:r>
+              <a:rPr lang="de-AT" dirty="0">
+                <a:solidFill>
+                  <a:schemeClr val="bg1"/>
+                </a:solidFill>
+              </a:rPr>
+              <a:t> </a:t>
+            </a:r>
+            <a:r>
+              <a:rPr lang="de-AT" dirty="0" err="1">
+                <a:solidFill>
+                  <a:schemeClr val="bg1"/>
+                </a:solidFill>
+              </a:rPr>
+              <a:t>several</a:t>
+            </a:r>
+            <a:r>
+              <a:rPr lang="de-AT" dirty="0">
+                <a:solidFill>
+                  <a:schemeClr val="bg1"/>
+                </a:solidFill>
+              </a:rPr>
+              <a:t> </a:t>
+            </a:r>
+            <a:r>
+              <a:rPr lang="de-AT" dirty="0" err="1">
+                <a:solidFill>
+                  <a:schemeClr val="bg1"/>
+                </a:solidFill>
+              </a:rPr>
+              <a:t>background</a:t>
+            </a:r>
+            <a:r>
+              <a:rPr lang="de-AT" dirty="0">
+                <a:solidFill>
+                  <a:schemeClr val="bg1"/>
+                </a:solidFill>
+              </a:rPr>
+              <a:t> </a:t>
+            </a:r>
+            <a:r>
+              <a:rPr lang="de-AT" dirty="0" err="1">
+                <a:solidFill>
+                  <a:schemeClr val="bg1"/>
+                </a:solidFill>
+              </a:rPr>
+              <a:t>layers</a:t>
+            </a:r>
+            <a:r>
+              <a:rPr lang="de-AT" dirty="0">
+                <a:solidFill>
+                  <a:schemeClr val="bg1"/>
+                </a:solidFill>
+              </a:rPr>
+              <a:t> </a:t>
+            </a:r>
+            <a:r>
+              <a:rPr lang="de-AT" dirty="0" err="1">
+                <a:solidFill>
+                  <a:schemeClr val="bg1"/>
+                </a:solidFill>
+              </a:rPr>
+              <a:t>for</a:t>
+            </a:r>
+            <a:r>
+              <a:rPr lang="de-AT" dirty="0">
+                <a:solidFill>
+                  <a:schemeClr val="bg1"/>
+                </a:solidFill>
+              </a:rPr>
+              <a:t> </a:t>
+            </a:r>
+            <a:r>
+              <a:rPr lang="de-AT" dirty="0" err="1">
+                <a:solidFill>
+                  <a:schemeClr val="bg1"/>
+                </a:solidFill>
+              </a:rPr>
+              <a:t>parallax</a:t>
+            </a:r>
+            <a:r>
+              <a:rPr lang="de-AT" dirty="0">
+                <a:solidFill>
+                  <a:schemeClr val="bg1"/>
+                </a:solidFill>
+              </a:rPr>
+              <a:t> </a:t>
+            </a:r>
+            <a:r>
+              <a:rPr lang="de-AT" dirty="0" err="1">
+                <a:solidFill>
+                  <a:schemeClr val="bg1"/>
+                </a:solidFill>
+              </a:rPr>
+              <a:t>effect</a:t>
+            </a:r>
+            <a:endParaRPr lang="de-AT" dirty="0">
+              <a:solidFill>
+                <a:schemeClr val="bg1"/>
+              </a:solidFill>
+            </a:endParaRPr>
+          </a:p>
+          <a:p>
+            <a:r>
+              <a:rPr lang="de-AT" dirty="0">
+                <a:solidFill>
+                  <a:schemeClr val="bg1"/>
+                </a:solidFill>
+              </a:rPr>
+              <a:t>UIs (</a:t>
+            </a:r>
+            <a:r>
+              <a:rPr lang="de-AT" dirty="0" err="1">
+                <a:solidFill>
+                  <a:schemeClr val="bg1"/>
+                </a:solidFill>
+              </a:rPr>
+              <a:t>menus</a:t>
+            </a:r>
+            <a:r>
+              <a:rPr lang="de-AT" dirty="0">
+                <a:solidFill>
+                  <a:schemeClr val="bg1"/>
+                </a:solidFill>
+              </a:rPr>
+              <a:t>, battle UI) </a:t>
+            </a:r>
+            <a:r>
+              <a:rPr lang="de-AT" dirty="0" err="1">
+                <a:solidFill>
+                  <a:schemeClr val="bg1"/>
+                </a:solidFill>
+              </a:rPr>
+              <a:t>made</a:t>
+            </a:r>
+            <a:r>
+              <a:rPr lang="de-AT" dirty="0">
+                <a:solidFill>
+                  <a:schemeClr val="bg1"/>
+                </a:solidFill>
+              </a:rPr>
+              <a:t> </a:t>
+            </a:r>
+            <a:r>
+              <a:rPr lang="de-AT" dirty="0" err="1">
+                <a:solidFill>
+                  <a:schemeClr val="bg1"/>
+                </a:solidFill>
+              </a:rPr>
+              <a:t>with</a:t>
+            </a:r>
+            <a:r>
+              <a:rPr lang="de-AT" dirty="0">
+                <a:solidFill>
+                  <a:schemeClr val="bg1"/>
+                </a:solidFill>
+              </a:rPr>
+              <a:t> Unity UI </a:t>
+            </a:r>
+            <a:r>
+              <a:rPr lang="de-AT" dirty="0" err="1">
+                <a:solidFill>
+                  <a:schemeClr val="bg1"/>
+                </a:solidFill>
+              </a:rPr>
+              <a:t>canvas</a:t>
+            </a:r>
+            <a:endParaRPr lang="de-AT" dirty="0">
+              <a:solidFill>
+                <a:schemeClr val="bg1"/>
+              </a:solidFill>
+            </a:endParaRPr>
+          </a:p>
+          <a:p>
+            <a:r>
+              <a:rPr lang="de-AT" dirty="0" err="1">
+                <a:solidFill>
+                  <a:schemeClr val="bg1"/>
+                </a:solidFill>
+              </a:rPr>
+              <a:t>generated</a:t>
+            </a:r>
+            <a:r>
+              <a:rPr lang="de-AT" dirty="0">
+                <a:solidFill>
+                  <a:schemeClr val="bg1"/>
+                </a:solidFill>
+              </a:rPr>
+              <a:t> </a:t>
+            </a:r>
+            <a:r>
+              <a:rPr lang="de-AT" dirty="0" err="1">
+                <a:solidFill>
+                  <a:schemeClr val="bg1"/>
+                </a:solidFill>
+              </a:rPr>
+              <a:t>prefabs</a:t>
+            </a:r>
+            <a:r>
+              <a:rPr lang="de-AT" dirty="0">
+                <a:solidFill>
+                  <a:schemeClr val="bg1"/>
+                </a:solidFill>
+              </a:rPr>
+              <a:t> </a:t>
+            </a:r>
+            <a:r>
+              <a:rPr lang="de-AT" dirty="0" err="1">
+                <a:solidFill>
+                  <a:schemeClr val="bg1"/>
+                </a:solidFill>
+              </a:rPr>
+              <a:t>for</a:t>
+            </a:r>
+            <a:r>
+              <a:rPr lang="de-AT" dirty="0">
+                <a:solidFill>
+                  <a:schemeClr val="bg1"/>
+                </a:solidFill>
+              </a:rPr>
+              <a:t> </a:t>
+            </a:r>
+            <a:r>
+              <a:rPr lang="de-AT" dirty="0" err="1">
+                <a:solidFill>
+                  <a:schemeClr val="bg1"/>
+                </a:solidFill>
+              </a:rPr>
+              <a:t>reusable</a:t>
+            </a:r>
+            <a:r>
+              <a:rPr lang="de-AT" dirty="0">
+                <a:solidFill>
+                  <a:schemeClr val="bg1"/>
+                </a:solidFill>
+              </a:rPr>
+              <a:t> </a:t>
+            </a:r>
+            <a:r>
+              <a:rPr lang="de-AT" dirty="0" err="1">
+                <a:solidFill>
+                  <a:schemeClr val="bg1"/>
+                </a:solidFill>
+              </a:rPr>
+              <a:t>character</a:t>
+            </a:r>
+            <a:r>
+              <a:rPr lang="de-AT" dirty="0">
+                <a:solidFill>
+                  <a:schemeClr val="bg1"/>
+                </a:solidFill>
+              </a:rPr>
+              <a:t>, </a:t>
+            </a:r>
+            <a:r>
+              <a:rPr lang="de-AT" dirty="0" err="1">
+                <a:solidFill>
+                  <a:schemeClr val="bg1"/>
+                </a:solidFill>
+              </a:rPr>
+              <a:t>monsters</a:t>
+            </a:r>
+            <a:r>
+              <a:rPr lang="de-AT" dirty="0">
+                <a:solidFill>
+                  <a:schemeClr val="bg1"/>
+                </a:solidFill>
+              </a:rPr>
+              <a:t> and </a:t>
+            </a:r>
+            <a:r>
+              <a:rPr lang="de-AT" dirty="0" err="1">
+                <a:solidFill>
+                  <a:schemeClr val="bg1"/>
+                </a:solidFill>
+              </a:rPr>
+              <a:t>items</a:t>
+            </a:r>
+            <a:endParaRPr lang="de-AT" dirty="0">
+              <a:solidFill>
+                <a:schemeClr val="bg1"/>
+              </a:solidFill>
+            </a:endParaRPr>
           </a:p>
         </p:txBody>
       </p:sp>
     </p:spTree>
     <p:extLst>
       <p:ext uri="{BB962C8B-B14F-4D97-AF65-F5344CB8AC3E}">
-        <p14:creationId xmlns:p14="http://schemas.microsoft.com/office/powerpoint/2010/main" val="4030870465"/>
+        <p14:creationId xmlns:p14="http://schemas.microsoft.com/office/powerpoint/2010/main" val="1492620438"/>
+      </p:ext>
+    </p:extLst>
+  </p:cSld>
+  <p:clrMapOvr>
+    <a:masterClrMapping/>
+  </p:clrMapOvr>
+</p:sld>
+</file>
+
+<file path=ppt/slides/slide6.xml><?xml version="1.0" encoding="utf-8"?>
+<p:sld xmlns:a="http://schemas.openxmlformats.org/drawingml/2006/main" xmlns:r="http://schemas.openxmlformats.org/officeDocument/2006/relationships" xmlns:p="http://schemas.openxmlformats.org/presentationml/2006/main">
+  <p:cSld>
+    <p:bg>
+      <p:bgPr>
+        <a:solidFill>
+          <a:srgbClr val="45657B"/>
+        </a:solidFill>
+        <a:effectLst/>
+      </p:bgPr>
+    </p:bg>
+    <p:spTree>
+      <p:nvGrpSpPr>
+        <p:cNvPr id="1" name=""/>
+        <p:cNvGrpSpPr/>
+        <p:nvPr/>
+      </p:nvGrpSpPr>
+      <p:grpSpPr>
+        <a:xfrm>
+          <a:off x="0" y="0"/>
+          <a:ext cx="0" cy="0"/>
+          <a:chOff x="0" y="0"/>
+          <a:chExt cx="0" cy="0"/>
+        </a:xfrm>
+      </p:grpSpPr>
+      <p:sp>
+        <p:nvSpPr>
+          <p:cNvPr id="2" name="Titel 1">
+            <a:extLst>
+              <a:ext uri="{FF2B5EF4-FFF2-40B4-BE49-F238E27FC236}">
+                <a16:creationId xmlns:a16="http://schemas.microsoft.com/office/drawing/2014/main" id="{923B1A2E-B8C8-44D9-A79B-28E57DC3D1E5}"/>
+              </a:ext>
+            </a:extLst>
+          </p:cNvPr>
+          <p:cNvSpPr>
+            <a:spLocks noGrp="1"/>
+          </p:cNvSpPr>
+          <p:nvPr>
+            <p:ph type="title"/>
+          </p:nvPr>
+        </p:nvSpPr>
+        <p:spPr/>
+        <p:txBody>
+          <a:bodyPr/>
+          <a:lstStyle/>
+          <a:p>
+            <a:r>
+              <a:rPr lang="de-AT" dirty="0">
+                <a:solidFill>
+                  <a:schemeClr val="bg1"/>
+                </a:solidFill>
+              </a:rPr>
+              <a:t>Implementation – Game </a:t>
+            </a:r>
+            <a:r>
+              <a:rPr lang="de-AT" dirty="0" err="1">
+                <a:solidFill>
+                  <a:schemeClr val="bg1"/>
+                </a:solidFill>
+              </a:rPr>
+              <a:t>logic</a:t>
+            </a:r>
+            <a:endParaRPr lang="de-AT" dirty="0">
+              <a:solidFill>
+                <a:schemeClr val="bg1"/>
+              </a:solidFill>
+            </a:endParaRPr>
+          </a:p>
+        </p:txBody>
+      </p:sp>
+      <p:sp>
+        <p:nvSpPr>
+          <p:cNvPr id="3" name="Inhaltsplatzhalter 2">
+            <a:extLst>
+              <a:ext uri="{FF2B5EF4-FFF2-40B4-BE49-F238E27FC236}">
+                <a16:creationId xmlns:a16="http://schemas.microsoft.com/office/drawing/2014/main" id="{B6B240DA-CED9-416E-AC69-5175B216E84C}"/>
+              </a:ext>
+            </a:extLst>
+          </p:cNvPr>
+          <p:cNvSpPr>
+            <a:spLocks noGrp="1"/>
+          </p:cNvSpPr>
+          <p:nvPr>
+            <p:ph idx="1"/>
+          </p:nvPr>
+        </p:nvSpPr>
+        <p:spPr/>
+        <p:txBody>
+          <a:bodyPr/>
+          <a:lstStyle/>
+          <a:p>
+            <a:r>
+              <a:rPr lang="en-US" dirty="0">
+                <a:solidFill>
+                  <a:schemeClr val="bg1"/>
+                </a:solidFill>
+              </a:rPr>
+              <a:t>written in C# using Visual Studio 2019</a:t>
+            </a:r>
+          </a:p>
+          <a:p>
+            <a:r>
+              <a:rPr lang="en-US" dirty="0">
+                <a:solidFill>
+                  <a:schemeClr val="bg1"/>
+                </a:solidFill>
+              </a:rPr>
+              <a:t>turn based battle system utilizing </a:t>
+            </a:r>
+            <a:r>
+              <a:rPr lang="en-US" dirty="0" err="1">
+                <a:solidFill>
+                  <a:schemeClr val="bg1"/>
+                </a:solidFill>
+              </a:rPr>
+              <a:t>System.Collections.Generic.Queue</a:t>
+            </a:r>
+            <a:r>
+              <a:rPr lang="en-US" dirty="0">
+                <a:solidFill>
+                  <a:schemeClr val="bg1"/>
+                </a:solidFill>
+              </a:rPr>
+              <a:t>&lt;T&gt; for combat order</a:t>
+            </a:r>
+          </a:p>
+          <a:p>
+            <a:r>
+              <a:rPr lang="en-US" dirty="0">
+                <a:solidFill>
+                  <a:schemeClr val="bg1"/>
+                </a:solidFill>
+              </a:rPr>
+              <a:t>OOP: all character classes, monsters, items and abilities inherit from base classes for code reusability</a:t>
+            </a:r>
+          </a:p>
+          <a:p>
+            <a:r>
+              <a:rPr lang="en-US" dirty="0" err="1">
+                <a:solidFill>
+                  <a:schemeClr val="bg1"/>
+                </a:solidFill>
+              </a:rPr>
+              <a:t>WorldComponents</a:t>
+            </a:r>
+            <a:r>
+              <a:rPr lang="en-US" dirty="0">
+                <a:solidFill>
+                  <a:schemeClr val="bg1"/>
+                </a:solidFill>
+              </a:rPr>
+              <a:t> script with static variables that have to be available throughout all levels and the battle scene</a:t>
+            </a:r>
+          </a:p>
+          <a:p>
+            <a:r>
+              <a:rPr lang="en-US" dirty="0" err="1">
+                <a:solidFill>
+                  <a:schemeClr val="bg1"/>
+                </a:solidFill>
+              </a:rPr>
+              <a:t>CharacterController</a:t>
+            </a:r>
+            <a:r>
+              <a:rPr lang="en-US" dirty="0">
+                <a:solidFill>
+                  <a:schemeClr val="bg1"/>
+                </a:solidFill>
+              </a:rPr>
+              <a:t> and </a:t>
+            </a:r>
+            <a:r>
+              <a:rPr lang="en-US" dirty="0" err="1">
+                <a:solidFill>
+                  <a:schemeClr val="bg1"/>
+                </a:solidFill>
+              </a:rPr>
+              <a:t>PatrolController</a:t>
+            </a:r>
+            <a:r>
+              <a:rPr lang="en-US" dirty="0">
+                <a:solidFill>
+                  <a:schemeClr val="bg1"/>
+                </a:solidFill>
+              </a:rPr>
+              <a:t> scripts for movement of player and monsters in world</a:t>
+            </a:r>
+          </a:p>
+          <a:p>
+            <a:endParaRPr lang="en-US" dirty="0">
+              <a:solidFill>
+                <a:schemeClr val="bg1"/>
+              </a:solidFill>
+            </a:endParaRPr>
+          </a:p>
+        </p:txBody>
+      </p:sp>
+    </p:spTree>
+    <p:extLst>
+      <p:ext uri="{BB962C8B-B14F-4D97-AF65-F5344CB8AC3E}">
+        <p14:creationId xmlns:p14="http://schemas.microsoft.com/office/powerpoint/2010/main" val="3400018415"/>
+      </p:ext>
+    </p:extLst>
+  </p:cSld>
+  <p:clrMapOvr>
+    <a:masterClrMapping/>
+  </p:clrMapOvr>
+</p:sld>
+</file>
+
+<file path=ppt/slides/slide7.xml><?xml version="1.0" encoding="utf-8"?>
+<p:sld xmlns:a="http://schemas.openxmlformats.org/drawingml/2006/main" xmlns:r="http://schemas.openxmlformats.org/officeDocument/2006/relationships" xmlns:p="http://schemas.openxmlformats.org/presentationml/2006/main">
+  <p:cSld>
+    <p:bg>
+      <p:bgPr>
+        <a:solidFill>
+          <a:srgbClr val="45657B"/>
+        </a:solidFill>
+        <a:effectLst/>
+      </p:bgPr>
+    </p:bg>
+    <p:spTree>
+      <p:nvGrpSpPr>
+        <p:cNvPr id="1" name=""/>
+        <p:cNvGrpSpPr/>
+        <p:nvPr/>
+      </p:nvGrpSpPr>
+      <p:grpSpPr>
+        <a:xfrm>
+          <a:off x="0" y="0"/>
+          <a:ext cx="0" cy="0"/>
+          <a:chOff x="0" y="0"/>
+          <a:chExt cx="0" cy="0"/>
+        </a:xfrm>
+      </p:grpSpPr>
+      <p:sp>
+        <p:nvSpPr>
+          <p:cNvPr id="2" name="Titel 1">
+            <a:extLst>
+              <a:ext uri="{FF2B5EF4-FFF2-40B4-BE49-F238E27FC236}">
+                <a16:creationId xmlns:a16="http://schemas.microsoft.com/office/drawing/2014/main" id="{923B1A2E-B8C8-44D9-A79B-28E57DC3D1E5}"/>
+              </a:ext>
+            </a:extLst>
+          </p:cNvPr>
+          <p:cNvSpPr>
+            <a:spLocks noGrp="1"/>
+          </p:cNvSpPr>
+          <p:nvPr>
+            <p:ph type="title"/>
+          </p:nvPr>
+        </p:nvSpPr>
+        <p:spPr/>
+        <p:txBody>
+          <a:bodyPr/>
+          <a:lstStyle/>
+          <a:p>
+            <a:r>
+              <a:rPr lang="de-AT" dirty="0">
+                <a:solidFill>
+                  <a:schemeClr val="bg1"/>
+                </a:solidFill>
+              </a:rPr>
+              <a:t>Implementation – </a:t>
+            </a:r>
+            <a:r>
+              <a:rPr lang="de-AT" dirty="0" err="1">
+                <a:solidFill>
+                  <a:schemeClr val="bg1"/>
+                </a:solidFill>
+              </a:rPr>
+              <a:t>Animations</a:t>
+            </a:r>
+            <a:r>
+              <a:rPr lang="de-AT" dirty="0">
+                <a:solidFill>
+                  <a:schemeClr val="bg1"/>
+                </a:solidFill>
+              </a:rPr>
+              <a:t> &amp; Sound</a:t>
+            </a:r>
+          </a:p>
+        </p:txBody>
+      </p:sp>
+      <p:sp>
+        <p:nvSpPr>
+          <p:cNvPr id="3" name="Inhaltsplatzhalter 2">
+            <a:extLst>
+              <a:ext uri="{FF2B5EF4-FFF2-40B4-BE49-F238E27FC236}">
+                <a16:creationId xmlns:a16="http://schemas.microsoft.com/office/drawing/2014/main" id="{B6B240DA-CED9-416E-AC69-5175B216E84C}"/>
+              </a:ext>
+            </a:extLst>
+          </p:cNvPr>
+          <p:cNvSpPr>
+            <a:spLocks noGrp="1"/>
+          </p:cNvSpPr>
+          <p:nvPr>
+            <p:ph idx="1"/>
+          </p:nvPr>
+        </p:nvSpPr>
+        <p:spPr/>
+        <p:txBody>
+          <a:bodyPr/>
+          <a:lstStyle/>
+          <a:p>
+            <a:r>
+              <a:rPr lang="de-AT" dirty="0" err="1">
+                <a:solidFill>
+                  <a:schemeClr val="bg1"/>
+                </a:solidFill>
+              </a:rPr>
+              <a:t>character</a:t>
+            </a:r>
+            <a:r>
+              <a:rPr lang="de-AT" dirty="0">
+                <a:solidFill>
+                  <a:schemeClr val="bg1"/>
+                </a:solidFill>
+              </a:rPr>
+              <a:t> and </a:t>
+            </a:r>
+            <a:r>
+              <a:rPr lang="de-AT" dirty="0" err="1">
+                <a:solidFill>
+                  <a:schemeClr val="bg1"/>
+                </a:solidFill>
+              </a:rPr>
+              <a:t>monster</a:t>
+            </a:r>
+            <a:r>
+              <a:rPr lang="de-AT" dirty="0">
+                <a:solidFill>
+                  <a:schemeClr val="bg1"/>
+                </a:solidFill>
+              </a:rPr>
+              <a:t> </a:t>
+            </a:r>
+            <a:r>
+              <a:rPr lang="de-AT" dirty="0" err="1">
+                <a:solidFill>
+                  <a:schemeClr val="bg1"/>
+                </a:solidFill>
+              </a:rPr>
+              <a:t>sprites</a:t>
+            </a:r>
+            <a:r>
+              <a:rPr lang="de-AT" dirty="0">
+                <a:solidFill>
+                  <a:schemeClr val="bg1"/>
+                </a:solidFill>
+              </a:rPr>
+              <a:t> </a:t>
+            </a:r>
+            <a:r>
+              <a:rPr lang="de-AT" dirty="0" err="1">
+                <a:solidFill>
+                  <a:schemeClr val="bg1"/>
+                </a:solidFill>
+              </a:rPr>
+              <a:t>purchased</a:t>
+            </a:r>
+            <a:r>
+              <a:rPr lang="de-AT" dirty="0">
+                <a:solidFill>
+                  <a:schemeClr val="bg1"/>
+                </a:solidFill>
+              </a:rPr>
+              <a:t> on </a:t>
+            </a:r>
+            <a:r>
+              <a:rPr lang="de-AT" dirty="0">
+                <a:solidFill>
+                  <a:srgbClr val="00B050"/>
+                </a:solidFill>
+                <a:hlinkClick r:id="rId2">
+                  <a:extLst>
+                    <a:ext uri="{A12FA001-AC4F-418D-AE19-62706E023703}">
+                      <ahyp:hlinkClr xmlns:ahyp="http://schemas.microsoft.com/office/drawing/2018/hyperlinkcolor" val="tx"/>
+                    </a:ext>
+                  </a:extLst>
+                </a:hlinkClick>
+              </a:rPr>
+              <a:t>https://oco.itch.io/</a:t>
+            </a:r>
+            <a:r>
+              <a:rPr lang="de-AT" dirty="0">
+                <a:solidFill>
+                  <a:srgbClr val="00B050"/>
+                </a:solidFill>
+              </a:rPr>
+              <a:t> </a:t>
+            </a:r>
+            <a:r>
+              <a:rPr lang="de-AT" dirty="0" err="1">
+                <a:solidFill>
+                  <a:schemeClr val="bg1"/>
+                </a:solidFill>
+              </a:rPr>
+              <a:t>for</a:t>
+            </a:r>
+            <a:r>
+              <a:rPr lang="de-AT" dirty="0">
+                <a:solidFill>
+                  <a:schemeClr val="bg1"/>
+                </a:solidFill>
+              </a:rPr>
+              <a:t> a </a:t>
+            </a:r>
+            <a:r>
+              <a:rPr lang="de-AT" dirty="0" err="1">
+                <a:solidFill>
+                  <a:schemeClr val="bg1"/>
+                </a:solidFill>
+              </a:rPr>
+              <a:t>small</a:t>
+            </a:r>
+            <a:r>
+              <a:rPr lang="de-AT" dirty="0">
+                <a:solidFill>
+                  <a:schemeClr val="bg1"/>
+                </a:solidFill>
+              </a:rPr>
+              <a:t> </a:t>
+            </a:r>
+            <a:r>
+              <a:rPr lang="de-AT" dirty="0" err="1">
+                <a:solidFill>
+                  <a:schemeClr val="bg1"/>
+                </a:solidFill>
+              </a:rPr>
+              <a:t>fee</a:t>
+            </a:r>
+            <a:endParaRPr lang="de-AT" dirty="0">
+              <a:solidFill>
+                <a:schemeClr val="bg1"/>
+              </a:solidFill>
+            </a:endParaRPr>
+          </a:p>
+          <a:p>
+            <a:r>
+              <a:rPr lang="de-AT" dirty="0" err="1">
+                <a:solidFill>
+                  <a:schemeClr val="bg1"/>
+                </a:solidFill>
+              </a:rPr>
+              <a:t>separated</a:t>
+            </a:r>
+            <a:r>
+              <a:rPr lang="de-AT" dirty="0">
+                <a:solidFill>
+                  <a:schemeClr val="bg1"/>
+                </a:solidFill>
+              </a:rPr>
+              <a:t> different </a:t>
+            </a:r>
+            <a:r>
+              <a:rPr lang="de-AT" dirty="0" err="1">
+                <a:solidFill>
+                  <a:schemeClr val="bg1"/>
+                </a:solidFill>
+              </a:rPr>
+              <a:t>frames</a:t>
+            </a:r>
+            <a:r>
+              <a:rPr lang="de-AT" dirty="0">
+                <a:solidFill>
+                  <a:schemeClr val="bg1"/>
+                </a:solidFill>
+              </a:rPr>
+              <a:t> </a:t>
+            </a:r>
+            <a:r>
+              <a:rPr lang="de-AT" dirty="0" err="1">
+                <a:solidFill>
+                  <a:schemeClr val="bg1"/>
+                </a:solidFill>
+              </a:rPr>
+              <a:t>with</a:t>
+            </a:r>
+            <a:r>
+              <a:rPr lang="de-AT" dirty="0">
+                <a:solidFill>
+                  <a:schemeClr val="bg1"/>
+                </a:solidFill>
+              </a:rPr>
+              <a:t> Unity Sprite </a:t>
+            </a:r>
+            <a:r>
+              <a:rPr lang="de-AT" dirty="0" err="1">
+                <a:solidFill>
+                  <a:schemeClr val="bg1"/>
+                </a:solidFill>
+              </a:rPr>
+              <a:t>editor</a:t>
+            </a:r>
+            <a:r>
+              <a:rPr lang="de-AT" dirty="0">
+                <a:solidFill>
+                  <a:schemeClr val="bg1"/>
+                </a:solidFill>
+              </a:rPr>
+              <a:t> </a:t>
+            </a:r>
+            <a:r>
+              <a:rPr lang="de-AT" dirty="0" err="1">
+                <a:solidFill>
+                  <a:schemeClr val="bg1"/>
+                </a:solidFill>
+              </a:rPr>
+              <a:t>for</a:t>
+            </a:r>
+            <a:r>
+              <a:rPr lang="de-AT" dirty="0">
+                <a:solidFill>
+                  <a:schemeClr val="bg1"/>
+                </a:solidFill>
+              </a:rPr>
+              <a:t> </a:t>
+            </a:r>
+            <a:r>
+              <a:rPr lang="de-AT" dirty="0" err="1">
+                <a:solidFill>
+                  <a:schemeClr val="bg1"/>
+                </a:solidFill>
+              </a:rPr>
+              <a:t>animation</a:t>
+            </a:r>
+            <a:endParaRPr lang="de-AT" dirty="0">
+              <a:solidFill>
+                <a:schemeClr val="bg1"/>
+              </a:solidFill>
+            </a:endParaRPr>
+          </a:p>
+          <a:p>
+            <a:r>
+              <a:rPr lang="de-AT" dirty="0" err="1">
+                <a:solidFill>
+                  <a:schemeClr val="bg1"/>
+                </a:solidFill>
+              </a:rPr>
+              <a:t>animated</a:t>
+            </a:r>
+            <a:r>
+              <a:rPr lang="de-AT" dirty="0">
+                <a:solidFill>
+                  <a:schemeClr val="bg1"/>
+                </a:solidFill>
+              </a:rPr>
+              <a:t> </a:t>
+            </a:r>
+            <a:r>
+              <a:rPr lang="de-AT" dirty="0" err="1">
+                <a:solidFill>
+                  <a:schemeClr val="bg1"/>
+                </a:solidFill>
+              </a:rPr>
+              <a:t>with</a:t>
+            </a:r>
+            <a:r>
+              <a:rPr lang="de-AT" dirty="0">
+                <a:solidFill>
+                  <a:schemeClr val="bg1"/>
+                </a:solidFill>
+              </a:rPr>
+              <a:t> Unity </a:t>
+            </a:r>
+            <a:r>
+              <a:rPr lang="de-AT" dirty="0" err="1">
+                <a:solidFill>
+                  <a:schemeClr val="bg1"/>
+                </a:solidFill>
+              </a:rPr>
+              <a:t>animation</a:t>
+            </a:r>
+            <a:r>
+              <a:rPr lang="de-AT" dirty="0">
+                <a:solidFill>
+                  <a:schemeClr val="bg1"/>
+                </a:solidFill>
+              </a:rPr>
+              <a:t> </a:t>
+            </a:r>
+            <a:r>
+              <a:rPr lang="de-AT" dirty="0" err="1">
+                <a:solidFill>
+                  <a:schemeClr val="bg1"/>
+                </a:solidFill>
+              </a:rPr>
+              <a:t>tool</a:t>
+            </a:r>
+            <a:endParaRPr lang="de-AT" dirty="0">
+              <a:solidFill>
+                <a:schemeClr val="bg1"/>
+              </a:solidFill>
+            </a:endParaRPr>
+          </a:p>
+          <a:p>
+            <a:r>
+              <a:rPr lang="de-AT" dirty="0" err="1">
+                <a:solidFill>
+                  <a:schemeClr val="bg1"/>
+                </a:solidFill>
+              </a:rPr>
+              <a:t>controlled</a:t>
+            </a:r>
+            <a:r>
+              <a:rPr lang="de-AT" dirty="0">
+                <a:solidFill>
+                  <a:schemeClr val="bg1"/>
+                </a:solidFill>
+              </a:rPr>
+              <a:t> </a:t>
+            </a:r>
+            <a:r>
+              <a:rPr lang="de-AT" dirty="0" err="1">
+                <a:solidFill>
+                  <a:schemeClr val="bg1"/>
+                </a:solidFill>
+              </a:rPr>
+              <a:t>by</a:t>
+            </a:r>
+            <a:r>
+              <a:rPr lang="de-AT" dirty="0">
+                <a:solidFill>
+                  <a:schemeClr val="bg1"/>
+                </a:solidFill>
+              </a:rPr>
+              <a:t> Animator </a:t>
+            </a:r>
+            <a:r>
+              <a:rPr lang="de-AT" dirty="0" err="1">
+                <a:solidFill>
+                  <a:schemeClr val="bg1"/>
+                </a:solidFill>
+              </a:rPr>
+              <a:t>component</a:t>
+            </a:r>
+            <a:r>
+              <a:rPr lang="de-AT" dirty="0">
+                <a:solidFill>
+                  <a:schemeClr val="bg1"/>
+                </a:solidFill>
+              </a:rPr>
+              <a:t> and </a:t>
+            </a:r>
+            <a:r>
+              <a:rPr lang="de-AT" dirty="0" err="1">
+                <a:solidFill>
+                  <a:schemeClr val="bg1"/>
+                </a:solidFill>
+              </a:rPr>
+              <a:t>scripts</a:t>
+            </a:r>
+            <a:endParaRPr lang="de-AT" dirty="0">
+              <a:solidFill>
+                <a:schemeClr val="bg1"/>
+              </a:solidFill>
+            </a:endParaRPr>
+          </a:p>
+          <a:p>
+            <a:r>
+              <a:rPr lang="de-AT" dirty="0">
+                <a:solidFill>
+                  <a:schemeClr val="bg1"/>
+                </a:solidFill>
+              </a:rPr>
+              <a:t>different </a:t>
+            </a:r>
+            <a:r>
+              <a:rPr lang="de-AT" dirty="0" err="1">
+                <a:solidFill>
+                  <a:schemeClr val="bg1"/>
+                </a:solidFill>
+              </a:rPr>
+              <a:t>background</a:t>
+            </a:r>
+            <a:r>
+              <a:rPr lang="de-AT" dirty="0">
+                <a:solidFill>
+                  <a:schemeClr val="bg1"/>
+                </a:solidFill>
+              </a:rPr>
+              <a:t> </a:t>
+            </a:r>
+            <a:r>
+              <a:rPr lang="de-AT" dirty="0" err="1">
+                <a:solidFill>
+                  <a:schemeClr val="bg1"/>
+                </a:solidFill>
+              </a:rPr>
+              <a:t>music</a:t>
+            </a:r>
+            <a:r>
+              <a:rPr lang="de-AT" dirty="0">
+                <a:solidFill>
+                  <a:schemeClr val="bg1"/>
+                </a:solidFill>
+              </a:rPr>
+              <a:t> </a:t>
+            </a:r>
+            <a:r>
+              <a:rPr lang="de-AT" dirty="0" err="1">
+                <a:solidFill>
+                  <a:schemeClr val="bg1"/>
+                </a:solidFill>
+              </a:rPr>
+              <a:t>for</a:t>
+            </a:r>
+            <a:r>
+              <a:rPr lang="de-AT" dirty="0">
+                <a:solidFill>
+                  <a:schemeClr val="bg1"/>
+                </a:solidFill>
+              </a:rPr>
+              <a:t> </a:t>
+            </a:r>
+            <a:r>
+              <a:rPr lang="de-AT" dirty="0" err="1">
+                <a:solidFill>
+                  <a:schemeClr val="bg1"/>
+                </a:solidFill>
+              </a:rPr>
+              <a:t>world</a:t>
+            </a:r>
+            <a:r>
+              <a:rPr lang="de-AT" dirty="0">
+                <a:solidFill>
+                  <a:schemeClr val="bg1"/>
+                </a:solidFill>
+              </a:rPr>
+              <a:t> and battle</a:t>
+            </a:r>
+          </a:p>
+          <a:p>
+            <a:r>
+              <a:rPr lang="de-AT" dirty="0">
+                <a:solidFill>
+                  <a:schemeClr val="bg1"/>
+                </a:solidFill>
+              </a:rPr>
+              <a:t>jump </a:t>
+            </a:r>
+            <a:r>
+              <a:rPr lang="de-AT" dirty="0" err="1">
+                <a:solidFill>
+                  <a:schemeClr val="bg1"/>
+                </a:solidFill>
+              </a:rPr>
+              <a:t>sound</a:t>
+            </a:r>
+            <a:r>
+              <a:rPr lang="de-AT" dirty="0">
+                <a:solidFill>
+                  <a:schemeClr val="bg1"/>
+                </a:solidFill>
+              </a:rPr>
+              <a:t> </a:t>
+            </a:r>
+            <a:r>
+              <a:rPr lang="de-AT" dirty="0" err="1">
+                <a:solidFill>
+                  <a:schemeClr val="bg1"/>
+                </a:solidFill>
+              </a:rPr>
+              <a:t>during</a:t>
+            </a:r>
+            <a:r>
+              <a:rPr lang="de-AT" dirty="0">
+                <a:solidFill>
+                  <a:schemeClr val="bg1"/>
+                </a:solidFill>
+              </a:rPr>
+              <a:t> </a:t>
+            </a:r>
+            <a:r>
+              <a:rPr lang="de-AT" dirty="0" err="1">
+                <a:solidFill>
+                  <a:schemeClr val="bg1"/>
+                </a:solidFill>
+              </a:rPr>
+              <a:t>world</a:t>
+            </a:r>
+            <a:r>
+              <a:rPr lang="de-AT" dirty="0">
+                <a:solidFill>
+                  <a:schemeClr val="bg1"/>
+                </a:solidFill>
+              </a:rPr>
+              <a:t> </a:t>
+            </a:r>
+            <a:r>
+              <a:rPr lang="de-AT" dirty="0" err="1">
+                <a:solidFill>
+                  <a:schemeClr val="bg1"/>
+                </a:solidFill>
+              </a:rPr>
+              <a:t>exploration</a:t>
+            </a:r>
+            <a:endParaRPr lang="de-AT" dirty="0">
+              <a:solidFill>
+                <a:schemeClr val="bg1"/>
+              </a:solidFill>
+            </a:endParaRPr>
+          </a:p>
+        </p:txBody>
+      </p:sp>
+    </p:spTree>
+    <p:extLst>
+      <p:ext uri="{BB962C8B-B14F-4D97-AF65-F5344CB8AC3E}">
+        <p14:creationId xmlns:p14="http://schemas.microsoft.com/office/powerpoint/2010/main" val="3330885853"/>
+      </p:ext>
+    </p:extLst>
+  </p:cSld>
+  <p:clrMapOvr>
+    <a:masterClrMapping/>
+  </p:clrMapOvr>
+</p:sld>
+</file>
+
+<file path=ppt/slides/slide8.xml><?xml version="1.0" encoding="utf-8"?>
+<p:sld xmlns:a="http://schemas.openxmlformats.org/drawingml/2006/main" xmlns:r="http://schemas.openxmlformats.org/officeDocument/2006/relationships" xmlns:p="http://schemas.openxmlformats.org/presentationml/2006/main">
+  <p:cSld>
+    <p:bg>
+      <p:bgPr>
+        <a:solidFill>
+          <a:srgbClr val="45657B"/>
+        </a:solidFill>
+        <a:effectLst/>
+      </p:bgPr>
+    </p:bg>
+    <p:spTree>
+      <p:nvGrpSpPr>
+        <p:cNvPr id="1" name=""/>
+        <p:cNvGrpSpPr/>
+        <p:nvPr/>
+      </p:nvGrpSpPr>
+      <p:grpSpPr>
+        <a:xfrm>
+          <a:off x="0" y="0"/>
+          <a:ext cx="0" cy="0"/>
+          <a:chOff x="0" y="0"/>
+          <a:chExt cx="0" cy="0"/>
+        </a:xfrm>
+      </p:grpSpPr>
+      <p:sp>
+        <p:nvSpPr>
+          <p:cNvPr id="2" name="Titel 1">
+            <a:extLst>
+              <a:ext uri="{FF2B5EF4-FFF2-40B4-BE49-F238E27FC236}">
+                <a16:creationId xmlns:a16="http://schemas.microsoft.com/office/drawing/2014/main" id="{923B1A2E-B8C8-44D9-A79B-28E57DC3D1E5}"/>
+              </a:ext>
+            </a:extLst>
+          </p:cNvPr>
+          <p:cNvSpPr>
+            <a:spLocks noGrp="1"/>
+          </p:cNvSpPr>
+          <p:nvPr>
+            <p:ph type="title"/>
+          </p:nvPr>
+        </p:nvSpPr>
+        <p:spPr/>
+        <p:txBody>
+          <a:bodyPr/>
+          <a:lstStyle/>
+          <a:p>
+            <a:r>
+              <a:rPr lang="de-AT" dirty="0" err="1">
+                <a:solidFill>
+                  <a:schemeClr val="bg1"/>
+                </a:solidFill>
+              </a:rPr>
+              <a:t>Current</a:t>
+            </a:r>
+            <a:r>
+              <a:rPr lang="de-AT" dirty="0">
+                <a:solidFill>
+                  <a:schemeClr val="bg1"/>
+                </a:solidFill>
+              </a:rPr>
+              <a:t> </a:t>
+            </a:r>
+            <a:r>
+              <a:rPr lang="de-AT" dirty="0" err="1">
+                <a:solidFill>
+                  <a:schemeClr val="bg1"/>
+                </a:solidFill>
+              </a:rPr>
+              <a:t>status</a:t>
+            </a:r>
+            <a:endParaRPr lang="de-AT" dirty="0">
+              <a:solidFill>
+                <a:schemeClr val="bg1"/>
+              </a:solidFill>
+            </a:endParaRPr>
+          </a:p>
+        </p:txBody>
+      </p:sp>
+      <p:sp>
+        <p:nvSpPr>
+          <p:cNvPr id="3" name="Inhaltsplatzhalter 2">
+            <a:extLst>
+              <a:ext uri="{FF2B5EF4-FFF2-40B4-BE49-F238E27FC236}">
+                <a16:creationId xmlns:a16="http://schemas.microsoft.com/office/drawing/2014/main" id="{B6B240DA-CED9-416E-AC69-5175B216E84C}"/>
+              </a:ext>
+            </a:extLst>
+          </p:cNvPr>
+          <p:cNvSpPr>
+            <a:spLocks noGrp="1"/>
+          </p:cNvSpPr>
+          <p:nvPr>
+            <p:ph idx="1"/>
+          </p:nvPr>
+        </p:nvSpPr>
+        <p:spPr/>
+        <p:txBody>
+          <a:bodyPr>
+            <a:normAutofit lnSpcReduction="10000"/>
+          </a:bodyPr>
+          <a:lstStyle/>
+          <a:p>
+            <a:r>
+              <a:rPr lang="en-US" sz="1800" dirty="0">
+                <a:solidFill>
+                  <a:schemeClr val="bg1"/>
+                </a:solidFill>
+                <a:effectLst/>
+                <a:latin typeface="Verdana" panose="020B0604030504040204" pitchFamily="34" charset="0"/>
+                <a:ea typeface="Times New Roman" panose="02020603050405020304" pitchFamily="18" charset="0"/>
+                <a:cs typeface="Times New Roman" panose="02020603050405020304" pitchFamily="18" charset="0"/>
+              </a:rPr>
+              <a:t>single-player 2D RPG game with separate world exploration and battle modes</a:t>
+            </a:r>
+          </a:p>
+          <a:p>
+            <a:r>
+              <a:rPr lang="en-US" sz="1800" dirty="0">
+                <a:solidFill>
+                  <a:schemeClr val="bg1"/>
+                </a:solidFill>
+                <a:latin typeface="Verdana" panose="020B0604030504040204" pitchFamily="34" charset="0"/>
+                <a:ea typeface="Times New Roman" panose="02020603050405020304" pitchFamily="18" charset="0"/>
+                <a:cs typeface="Times New Roman" panose="02020603050405020304" pitchFamily="18" charset="0"/>
+              </a:rPr>
+              <a:t>w</a:t>
+            </a:r>
+            <a:r>
+              <a:rPr lang="en-US" sz="1800" dirty="0">
+                <a:solidFill>
+                  <a:schemeClr val="bg1"/>
+                </a:solidFill>
+                <a:effectLst/>
+                <a:latin typeface="Verdana" panose="020B0604030504040204" pitchFamily="34" charset="0"/>
+                <a:ea typeface="Times New Roman" panose="02020603050405020304" pitchFamily="18" charset="0"/>
+                <a:cs typeface="Times New Roman" panose="02020603050405020304" pitchFamily="18" charset="0"/>
+              </a:rPr>
+              <a:t>orld exploration in the style of a 2D side-scroll adventure</a:t>
+            </a:r>
+          </a:p>
+          <a:p>
+            <a:r>
+              <a:rPr lang="en-US" sz="1800" dirty="0">
+                <a:solidFill>
+                  <a:schemeClr val="bg1"/>
+                </a:solidFill>
+                <a:effectLst/>
+                <a:latin typeface="Verdana" panose="020B0604030504040204" pitchFamily="34" charset="0"/>
+                <a:ea typeface="Times New Roman" panose="02020603050405020304" pitchFamily="18" charset="0"/>
+                <a:cs typeface="Times New Roman" panose="02020603050405020304" pitchFamily="18" charset="0"/>
+              </a:rPr>
+              <a:t>turn-based battles, that can involve a party of several characters and one or multiple enemies</a:t>
+            </a:r>
+          </a:p>
+          <a:p>
+            <a:r>
+              <a:rPr lang="en-US" sz="1800" dirty="0">
+                <a:solidFill>
+                  <a:schemeClr val="bg1"/>
+                </a:solidFill>
+                <a:latin typeface="Verdana" panose="020B0604030504040204" pitchFamily="34" charset="0"/>
+                <a:ea typeface="Times New Roman" panose="02020603050405020304" pitchFamily="18" charset="0"/>
+                <a:cs typeface="Times New Roman" panose="02020603050405020304" pitchFamily="18" charset="0"/>
+              </a:rPr>
+              <a:t>c</a:t>
+            </a:r>
+            <a:r>
+              <a:rPr lang="en-US" sz="1800" dirty="0">
+                <a:solidFill>
+                  <a:schemeClr val="bg1"/>
+                </a:solidFill>
+                <a:effectLst/>
+                <a:latin typeface="Verdana" panose="020B0604030504040204" pitchFamily="34" charset="0"/>
+                <a:ea typeface="Times New Roman" panose="02020603050405020304" pitchFamily="18" charset="0"/>
+                <a:cs typeface="Times New Roman" panose="02020603050405020304" pitchFamily="18" charset="0"/>
+              </a:rPr>
+              <a:t>haracters can be equipped with different items (weapons, armor, utility items) and have different base-properties that can be modified through character advancement</a:t>
+            </a:r>
+            <a:endParaRPr lang="de-AT" sz="1800" dirty="0">
+              <a:solidFill>
+                <a:schemeClr val="bg1"/>
+              </a:solidFill>
+              <a:effectLst/>
+              <a:latin typeface="Verdana" panose="020B0604030504040204" pitchFamily="34" charset="0"/>
+              <a:ea typeface="Times New Roman" panose="02020603050405020304" pitchFamily="18" charset="0"/>
+              <a:cs typeface="Times New Roman" panose="02020603050405020304" pitchFamily="18" charset="0"/>
+            </a:endParaRPr>
+          </a:p>
+          <a:p>
+            <a:r>
+              <a:rPr lang="en-US" sz="1800" dirty="0">
+                <a:solidFill>
+                  <a:schemeClr val="bg1"/>
+                </a:solidFill>
+                <a:latin typeface="Verdana" panose="020B0604030504040204" pitchFamily="34" charset="0"/>
+                <a:ea typeface="Times New Roman" panose="02020603050405020304" pitchFamily="18" charset="0"/>
+                <a:cs typeface="Times New Roman" panose="02020603050405020304" pitchFamily="18" charset="0"/>
+              </a:rPr>
+              <a:t>we </a:t>
+            </a:r>
+            <a:r>
+              <a:rPr lang="en-US" sz="1800" dirty="0">
+                <a:solidFill>
+                  <a:schemeClr val="bg1"/>
+                </a:solidFill>
+                <a:effectLst/>
+                <a:latin typeface="Verdana" panose="020B0604030504040204" pitchFamily="34" charset="0"/>
+                <a:ea typeface="Times New Roman" panose="02020603050405020304" pitchFamily="18" charset="0"/>
+                <a:cs typeface="Times New Roman" panose="02020603050405020304" pitchFamily="18" charset="0"/>
+              </a:rPr>
+              <a:t>create the game using the Unity engine</a:t>
+            </a:r>
+          </a:p>
+          <a:p>
+            <a:r>
+              <a:rPr lang="en-US" sz="1800" dirty="0">
+                <a:solidFill>
+                  <a:schemeClr val="bg1"/>
+                </a:solidFill>
+                <a:latin typeface="Verdana" panose="020B0604030504040204" pitchFamily="34" charset="0"/>
+                <a:ea typeface="Times New Roman" panose="02020603050405020304" pitchFamily="18" charset="0"/>
+                <a:cs typeface="Times New Roman" panose="02020603050405020304" pitchFamily="18" charset="0"/>
+              </a:rPr>
+              <a:t>w</a:t>
+            </a:r>
+            <a:r>
+              <a:rPr lang="en-US" sz="1800" dirty="0">
+                <a:solidFill>
+                  <a:schemeClr val="bg1"/>
+                </a:solidFill>
+                <a:effectLst/>
+                <a:latin typeface="Verdana" panose="020B0604030504040204" pitchFamily="34" charset="0"/>
+                <a:ea typeface="Times New Roman" panose="02020603050405020304" pitchFamily="18" charset="0"/>
+                <a:cs typeface="Times New Roman" panose="02020603050405020304" pitchFamily="18" charset="0"/>
+              </a:rPr>
+              <a:t>e design and implement a system for character and enemy attributes and their interactions in combat</a:t>
+            </a:r>
+          </a:p>
+          <a:p>
+            <a:r>
+              <a:rPr lang="en-US" sz="1800" dirty="0">
+                <a:solidFill>
+                  <a:schemeClr val="bg1"/>
+                </a:solidFill>
+                <a:effectLst/>
+                <a:latin typeface="Verdana" panose="020B0604030504040204" pitchFamily="34" charset="0"/>
+                <a:ea typeface="Times New Roman" panose="02020603050405020304" pitchFamily="18" charset="0"/>
+                <a:cs typeface="Times New Roman" panose="02020603050405020304" pitchFamily="18" charset="0"/>
+              </a:rPr>
+              <a:t>create a challenging decision-making system for enemy behavior</a:t>
+            </a:r>
+          </a:p>
+          <a:p>
+            <a:r>
+              <a:rPr lang="en-US" sz="1800" dirty="0">
+                <a:solidFill>
+                  <a:schemeClr val="bg1"/>
+                </a:solidFill>
+                <a:effectLst/>
+                <a:latin typeface="Verdana" panose="020B0604030504040204" pitchFamily="34" charset="0"/>
+                <a:ea typeface="Times New Roman" panose="02020603050405020304" pitchFamily="18" charset="0"/>
+                <a:cs typeface="Times New Roman" panose="02020603050405020304" pitchFamily="18" charset="0"/>
+              </a:rPr>
+              <a:t>create basic sprites and/or adapt existing ones</a:t>
+            </a:r>
+          </a:p>
+          <a:p>
+            <a:r>
+              <a:rPr lang="en-US" sz="1800" dirty="0">
+                <a:solidFill>
+                  <a:schemeClr val="bg1"/>
+                </a:solidFill>
+                <a:effectLst/>
+                <a:latin typeface="Verdana" panose="020B0604030504040204" pitchFamily="34" charset="0"/>
+                <a:ea typeface="Times New Roman" panose="02020603050405020304" pitchFamily="18" charset="0"/>
+                <a:cs typeface="Times New Roman" panose="02020603050405020304" pitchFamily="18" charset="0"/>
+              </a:rPr>
+              <a:t>basic physics will be implemented for world exploration</a:t>
+            </a:r>
+          </a:p>
+          <a:p>
+            <a:r>
+              <a:rPr lang="en-US" sz="1800" dirty="0">
+                <a:solidFill>
+                  <a:schemeClr val="bg1"/>
+                </a:solidFill>
+                <a:latin typeface="Verdana" panose="020B0604030504040204" pitchFamily="34" charset="0"/>
+                <a:ea typeface="Times New Roman" panose="02020603050405020304" pitchFamily="18" charset="0"/>
+                <a:cs typeface="Times New Roman" panose="02020603050405020304" pitchFamily="18" charset="0"/>
+              </a:rPr>
+              <a:t>goal: </a:t>
+            </a:r>
+            <a:r>
+              <a:rPr lang="en-US" sz="1800" dirty="0">
+                <a:solidFill>
+                  <a:schemeClr val="bg1"/>
+                </a:solidFill>
+                <a:effectLst/>
+                <a:latin typeface="Verdana" panose="020B0604030504040204" pitchFamily="34" charset="0"/>
+                <a:ea typeface="Times New Roman" panose="02020603050405020304" pitchFamily="18" charset="0"/>
+                <a:cs typeface="Times New Roman" panose="02020603050405020304" pitchFamily="18" charset="0"/>
+              </a:rPr>
+              <a:t>playable Demo version that includes at least one map or dungeon to explore, with at least one boss fight and at least one step of character advancement.</a:t>
+            </a:r>
+          </a:p>
+          <a:p>
+            <a:endParaRPr lang="de-AT" sz="1800" dirty="0">
+              <a:solidFill>
+                <a:schemeClr val="bg1"/>
+              </a:solidFill>
+              <a:effectLst/>
+              <a:latin typeface="Verdana" panose="020B0604030504040204" pitchFamily="34" charset="0"/>
+              <a:ea typeface="Times New Roman" panose="02020603050405020304" pitchFamily="18" charset="0"/>
+              <a:cs typeface="Times New Roman" panose="02020603050405020304" pitchFamily="18" charset="0"/>
+            </a:endParaRPr>
+          </a:p>
+          <a:p>
+            <a:endParaRPr lang="de-AT" dirty="0">
+              <a:solidFill>
+                <a:schemeClr val="bg1"/>
+              </a:solidFill>
+            </a:endParaRPr>
+          </a:p>
+        </p:txBody>
+      </p:sp>
+      <p:pic>
+        <p:nvPicPr>
+          <p:cNvPr id="7" name="Grafik 6">
+            <a:extLst>
+              <a:ext uri="{FF2B5EF4-FFF2-40B4-BE49-F238E27FC236}">
+                <a16:creationId xmlns:a16="http://schemas.microsoft.com/office/drawing/2014/main" id="{636D4310-E61C-4AB0-B341-AA4B536F3672}"/>
+              </a:ext>
+            </a:extLst>
+          </p:cNvPr>
+          <p:cNvPicPr>
+            <a:picLocks noChangeAspect="1"/>
+          </p:cNvPicPr>
+          <p:nvPr/>
+        </p:nvPicPr>
+        <p:blipFill>
+          <a:blip r:embed="rId2">
+            <a:extLst>
+              <a:ext uri="{28A0092B-C50C-407E-A947-70E740481C1C}">
+                <a14:useLocalDpi xmlns:a14="http://schemas.microsoft.com/office/drawing/2010/main" val="0"/>
+              </a:ext>
+              <a:ext uri="{96DAC541-7B7A-43D3-8B79-37D633B846F1}">
+                <asvg:svgBlip xmlns:asvg="http://schemas.microsoft.com/office/drawing/2016/SVG/main" r:embed="rId3"/>
+              </a:ext>
+            </a:extLst>
+          </a:blip>
+          <a:stretch>
+            <a:fillRect/>
+          </a:stretch>
+        </p:blipFill>
+        <p:spPr>
+          <a:xfrm>
+            <a:off x="10277475" y="1690688"/>
+            <a:ext cx="506411" cy="506411"/>
+          </a:xfrm>
+          <a:prstGeom prst="rect">
+            <a:avLst/>
+          </a:prstGeom>
+        </p:spPr>
+      </p:pic>
+      <p:pic>
+        <p:nvPicPr>
+          <p:cNvPr id="8" name="Grafik 7">
+            <a:extLst>
+              <a:ext uri="{FF2B5EF4-FFF2-40B4-BE49-F238E27FC236}">
+                <a16:creationId xmlns:a16="http://schemas.microsoft.com/office/drawing/2014/main" id="{573748CA-63CE-41BF-BC72-A5DE7E10A3A8}"/>
+              </a:ext>
+            </a:extLst>
+          </p:cNvPr>
+          <p:cNvPicPr>
+            <a:picLocks noChangeAspect="1"/>
+          </p:cNvPicPr>
+          <p:nvPr/>
+        </p:nvPicPr>
+        <p:blipFill>
+          <a:blip r:embed="rId2">
+            <a:extLst>
+              <a:ext uri="{28A0092B-C50C-407E-A947-70E740481C1C}">
+                <a14:useLocalDpi xmlns:a14="http://schemas.microsoft.com/office/drawing/2010/main" val="0"/>
+              </a:ext>
+              <a:ext uri="{96DAC541-7B7A-43D3-8B79-37D633B846F1}">
+                <asvg:svgBlip xmlns:asvg="http://schemas.microsoft.com/office/drawing/2016/SVG/main" r:embed="rId3"/>
+              </a:ext>
+            </a:extLst>
+          </a:blip>
+          <a:stretch>
+            <a:fillRect/>
+          </a:stretch>
+        </p:blipFill>
+        <p:spPr>
+          <a:xfrm>
+            <a:off x="8039100" y="2052638"/>
+            <a:ext cx="506411" cy="506411"/>
+          </a:xfrm>
+          <a:prstGeom prst="rect">
+            <a:avLst/>
+          </a:prstGeom>
+        </p:spPr>
+      </p:pic>
+      <p:pic>
+        <p:nvPicPr>
+          <p:cNvPr id="10" name="Grafik 9">
+            <a:extLst>
+              <a:ext uri="{FF2B5EF4-FFF2-40B4-BE49-F238E27FC236}">
+                <a16:creationId xmlns:a16="http://schemas.microsoft.com/office/drawing/2014/main" id="{630B2829-F4B1-4463-9368-1FD1731C27CC}"/>
+              </a:ext>
+            </a:extLst>
+          </p:cNvPr>
+          <p:cNvPicPr>
+            <a:picLocks noChangeAspect="1"/>
+          </p:cNvPicPr>
+          <p:nvPr/>
+        </p:nvPicPr>
+        <p:blipFill>
+          <a:blip r:embed="rId4">
+            <a:extLst>
+              <a:ext uri="{28A0092B-C50C-407E-A947-70E740481C1C}">
+                <a14:useLocalDpi xmlns:a14="http://schemas.microsoft.com/office/drawing/2010/main" val="0"/>
+              </a:ext>
+              <a:ext uri="{96DAC541-7B7A-43D3-8B79-37D633B846F1}">
+                <asvg:svgBlip xmlns:asvg="http://schemas.microsoft.com/office/drawing/2016/SVG/main" r:embed="rId5"/>
+              </a:ext>
+            </a:extLst>
+          </a:blip>
+          <a:stretch>
+            <a:fillRect/>
+          </a:stretch>
+        </p:blipFill>
+        <p:spPr>
+          <a:xfrm>
+            <a:off x="10187780" y="2424112"/>
+            <a:ext cx="506411" cy="506411"/>
+          </a:xfrm>
+          <a:prstGeom prst="rect">
+            <a:avLst/>
+          </a:prstGeom>
+        </p:spPr>
+      </p:pic>
+      <p:pic>
+        <p:nvPicPr>
+          <p:cNvPr id="11" name="Grafik 10">
+            <a:extLst>
+              <a:ext uri="{FF2B5EF4-FFF2-40B4-BE49-F238E27FC236}">
+                <a16:creationId xmlns:a16="http://schemas.microsoft.com/office/drawing/2014/main" id="{4F007046-9510-4ED3-A194-43453670DA99}"/>
+              </a:ext>
+            </a:extLst>
+          </p:cNvPr>
+          <p:cNvPicPr>
+            <a:picLocks noChangeAspect="1"/>
+          </p:cNvPicPr>
+          <p:nvPr/>
+        </p:nvPicPr>
+        <p:blipFill>
+          <a:blip r:embed="rId2">
+            <a:extLst>
+              <a:ext uri="{28A0092B-C50C-407E-A947-70E740481C1C}">
+                <a14:useLocalDpi xmlns:a14="http://schemas.microsoft.com/office/drawing/2010/main" val="0"/>
+              </a:ext>
+              <a:ext uri="{96DAC541-7B7A-43D3-8B79-37D633B846F1}">
+                <asvg:svgBlip xmlns:asvg="http://schemas.microsoft.com/office/drawing/2016/SVG/main" r:embed="rId3"/>
+              </a:ext>
+            </a:extLst>
+          </a:blip>
+          <a:stretch>
+            <a:fillRect/>
+          </a:stretch>
+        </p:blipFill>
+        <p:spPr>
+          <a:xfrm>
+            <a:off x="9681369" y="2383281"/>
+            <a:ext cx="506411" cy="506411"/>
+          </a:xfrm>
+          <a:prstGeom prst="rect">
+            <a:avLst/>
+          </a:prstGeom>
+        </p:spPr>
+      </p:pic>
+      <p:pic>
+        <p:nvPicPr>
+          <p:cNvPr id="12" name="Grafik 11">
+            <a:extLst>
+              <a:ext uri="{FF2B5EF4-FFF2-40B4-BE49-F238E27FC236}">
+                <a16:creationId xmlns:a16="http://schemas.microsoft.com/office/drawing/2014/main" id="{11713C42-B67E-446B-9B4B-DC7A99AC65FD}"/>
+              </a:ext>
+            </a:extLst>
+          </p:cNvPr>
+          <p:cNvPicPr>
+            <a:picLocks noChangeAspect="1"/>
+          </p:cNvPicPr>
+          <p:nvPr/>
+        </p:nvPicPr>
+        <p:blipFill>
+          <a:blip r:embed="rId4">
+            <a:extLst>
+              <a:ext uri="{28A0092B-C50C-407E-A947-70E740481C1C}">
+                <a14:useLocalDpi xmlns:a14="http://schemas.microsoft.com/office/drawing/2010/main" val="0"/>
+              </a:ext>
+              <a:ext uri="{96DAC541-7B7A-43D3-8B79-37D633B846F1}">
+                <asvg:svgBlip xmlns:asvg="http://schemas.microsoft.com/office/drawing/2016/SVG/main" r:embed="rId5"/>
+              </a:ext>
+            </a:extLst>
+          </a:blip>
+          <a:stretch>
+            <a:fillRect/>
+          </a:stretch>
+        </p:blipFill>
+        <p:spPr>
+          <a:xfrm>
+            <a:off x="10847388" y="2930523"/>
+            <a:ext cx="506411" cy="506411"/>
+          </a:xfrm>
+          <a:prstGeom prst="rect">
+            <a:avLst/>
+          </a:prstGeom>
+        </p:spPr>
+      </p:pic>
+      <p:pic>
+        <p:nvPicPr>
+          <p:cNvPr id="15" name="Grafik 14">
+            <a:extLst>
+              <a:ext uri="{FF2B5EF4-FFF2-40B4-BE49-F238E27FC236}">
+                <a16:creationId xmlns:a16="http://schemas.microsoft.com/office/drawing/2014/main" id="{0642CF3F-A609-4E99-94BB-1CB06CE22942}"/>
+              </a:ext>
+            </a:extLst>
+          </p:cNvPr>
+          <p:cNvPicPr>
+            <a:picLocks noChangeAspect="1"/>
+          </p:cNvPicPr>
+          <p:nvPr/>
+        </p:nvPicPr>
+        <p:blipFill>
+          <a:blip r:embed="rId2">
+            <a:extLst>
+              <a:ext uri="{28A0092B-C50C-407E-A947-70E740481C1C}">
+                <a14:useLocalDpi xmlns:a14="http://schemas.microsoft.com/office/drawing/2010/main" val="0"/>
+              </a:ext>
+              <a:ext uri="{96DAC541-7B7A-43D3-8B79-37D633B846F1}">
+                <asvg:svgBlip xmlns:asvg="http://schemas.microsoft.com/office/drawing/2016/SVG/main" r:embed="rId3"/>
+              </a:ext>
+            </a:extLst>
+          </a:blip>
+          <a:stretch>
+            <a:fillRect/>
+          </a:stretch>
+        </p:blipFill>
+        <p:spPr>
+          <a:xfrm>
+            <a:off x="10847389" y="3310731"/>
+            <a:ext cx="506411" cy="506411"/>
+          </a:xfrm>
+          <a:prstGeom prst="rect">
+            <a:avLst/>
+          </a:prstGeom>
+        </p:spPr>
+      </p:pic>
+      <p:pic>
+        <p:nvPicPr>
+          <p:cNvPr id="16" name="Grafik 15">
+            <a:extLst>
+              <a:ext uri="{FF2B5EF4-FFF2-40B4-BE49-F238E27FC236}">
+                <a16:creationId xmlns:a16="http://schemas.microsoft.com/office/drawing/2014/main" id="{88FADF26-8C16-4548-B738-83F4BB5BCF21}"/>
+              </a:ext>
+            </a:extLst>
+          </p:cNvPr>
+          <p:cNvPicPr>
+            <a:picLocks noChangeAspect="1"/>
+          </p:cNvPicPr>
+          <p:nvPr/>
+        </p:nvPicPr>
+        <p:blipFill>
+          <a:blip r:embed="rId2">
+            <a:extLst>
+              <a:ext uri="{28A0092B-C50C-407E-A947-70E740481C1C}">
+                <a14:useLocalDpi xmlns:a14="http://schemas.microsoft.com/office/drawing/2010/main" val="0"/>
+              </a:ext>
+              <a:ext uri="{96DAC541-7B7A-43D3-8B79-37D633B846F1}">
+                <asvg:svgBlip xmlns:asvg="http://schemas.microsoft.com/office/drawing/2016/SVG/main" r:embed="rId3"/>
+              </a:ext>
+            </a:extLst>
+          </a:blip>
+          <a:stretch>
+            <a:fillRect/>
+          </a:stretch>
+        </p:blipFill>
+        <p:spPr>
+          <a:xfrm>
+            <a:off x="6199189" y="3494883"/>
+            <a:ext cx="506411" cy="506411"/>
+          </a:xfrm>
+          <a:prstGeom prst="rect">
+            <a:avLst/>
+          </a:prstGeom>
+        </p:spPr>
+      </p:pic>
+      <p:pic>
+        <p:nvPicPr>
+          <p:cNvPr id="19" name="Grafik 18">
+            <a:extLst>
+              <a:ext uri="{FF2B5EF4-FFF2-40B4-BE49-F238E27FC236}">
+                <a16:creationId xmlns:a16="http://schemas.microsoft.com/office/drawing/2014/main" id="{12A74A77-A67F-4C36-ABF1-81D7D1B0D740}"/>
+              </a:ext>
+            </a:extLst>
+          </p:cNvPr>
+          <p:cNvPicPr>
+            <a:picLocks noChangeAspect="1"/>
+          </p:cNvPicPr>
+          <p:nvPr/>
+        </p:nvPicPr>
+        <p:blipFill>
+          <a:blip r:embed="rId2">
+            <a:extLst>
+              <a:ext uri="{28A0092B-C50C-407E-A947-70E740481C1C}">
+                <a14:useLocalDpi xmlns:a14="http://schemas.microsoft.com/office/drawing/2010/main" val="0"/>
+              </a:ext>
+              <a:ext uri="{96DAC541-7B7A-43D3-8B79-37D633B846F1}">
+                <asvg:svgBlip xmlns:asvg="http://schemas.microsoft.com/office/drawing/2016/SVG/main" r:embed="rId3"/>
+              </a:ext>
+            </a:extLst>
+          </a:blip>
+          <a:stretch>
+            <a:fillRect/>
+          </a:stretch>
+        </p:blipFill>
+        <p:spPr>
+          <a:xfrm>
+            <a:off x="10530680" y="3857228"/>
+            <a:ext cx="506411" cy="506411"/>
+          </a:xfrm>
+          <a:prstGeom prst="rect">
+            <a:avLst/>
+          </a:prstGeom>
+        </p:spPr>
+      </p:pic>
+      <p:pic>
+        <p:nvPicPr>
+          <p:cNvPr id="21" name="Grafik 20">
+            <a:extLst>
+              <a:ext uri="{FF2B5EF4-FFF2-40B4-BE49-F238E27FC236}">
+                <a16:creationId xmlns:a16="http://schemas.microsoft.com/office/drawing/2014/main" id="{272FEA64-99B0-41DC-8800-8B5CC9B54A49}"/>
+              </a:ext>
+            </a:extLst>
+          </p:cNvPr>
+          <p:cNvPicPr>
+            <a:picLocks noChangeAspect="1"/>
+          </p:cNvPicPr>
+          <p:nvPr/>
+        </p:nvPicPr>
+        <p:blipFill>
+          <a:blip r:embed="rId2">
+            <a:extLst>
+              <a:ext uri="{28A0092B-C50C-407E-A947-70E740481C1C}">
+                <a14:useLocalDpi xmlns:a14="http://schemas.microsoft.com/office/drawing/2010/main" val="0"/>
+              </a:ext>
+              <a:ext uri="{96DAC541-7B7A-43D3-8B79-37D633B846F1}">
+                <asvg:svgBlip xmlns:asvg="http://schemas.microsoft.com/office/drawing/2016/SVG/main" r:embed="rId3"/>
+              </a:ext>
+            </a:extLst>
+          </a:blip>
+          <a:stretch>
+            <a:fillRect/>
+          </a:stretch>
+        </p:blipFill>
+        <p:spPr>
+          <a:xfrm>
+            <a:off x="6605581" y="4762895"/>
+            <a:ext cx="506411" cy="506411"/>
+          </a:xfrm>
+          <a:prstGeom prst="rect">
+            <a:avLst/>
+          </a:prstGeom>
+        </p:spPr>
+      </p:pic>
+      <p:pic>
+        <p:nvPicPr>
+          <p:cNvPr id="22" name="Grafik 21">
+            <a:extLst>
+              <a:ext uri="{FF2B5EF4-FFF2-40B4-BE49-F238E27FC236}">
+                <a16:creationId xmlns:a16="http://schemas.microsoft.com/office/drawing/2014/main" id="{2D7DC6FF-7934-4A60-AF21-9531772DDC27}"/>
+              </a:ext>
+            </a:extLst>
+          </p:cNvPr>
+          <p:cNvPicPr>
+            <a:picLocks noChangeAspect="1"/>
+          </p:cNvPicPr>
+          <p:nvPr/>
+        </p:nvPicPr>
+        <p:blipFill>
+          <a:blip r:embed="rId2">
+            <a:extLst>
+              <a:ext uri="{28A0092B-C50C-407E-A947-70E740481C1C}">
+                <a14:useLocalDpi xmlns:a14="http://schemas.microsoft.com/office/drawing/2010/main" val="0"/>
+              </a:ext>
+              <a:ext uri="{96DAC541-7B7A-43D3-8B79-37D633B846F1}">
+                <asvg:svgBlip xmlns:asvg="http://schemas.microsoft.com/office/drawing/2016/SVG/main" r:embed="rId3"/>
+              </a:ext>
+            </a:extLst>
+          </a:blip>
+          <a:stretch>
+            <a:fillRect/>
+          </a:stretch>
+        </p:blipFill>
+        <p:spPr>
+          <a:xfrm>
+            <a:off x="7648968" y="5143895"/>
+            <a:ext cx="506411" cy="506411"/>
+          </a:xfrm>
+          <a:prstGeom prst="rect">
+            <a:avLst/>
+          </a:prstGeom>
+        </p:spPr>
+      </p:pic>
+      <p:pic>
+        <p:nvPicPr>
+          <p:cNvPr id="23" name="Grafik 22">
+            <a:extLst>
+              <a:ext uri="{FF2B5EF4-FFF2-40B4-BE49-F238E27FC236}">
+                <a16:creationId xmlns:a16="http://schemas.microsoft.com/office/drawing/2014/main" id="{960487C1-5797-4F8F-AD42-8D9D086125B3}"/>
+              </a:ext>
+            </a:extLst>
+          </p:cNvPr>
+          <p:cNvPicPr>
+            <a:picLocks noChangeAspect="1"/>
+          </p:cNvPicPr>
+          <p:nvPr/>
+        </p:nvPicPr>
+        <p:blipFill>
+          <a:blip r:embed="rId2">
+            <a:extLst>
+              <a:ext uri="{28A0092B-C50C-407E-A947-70E740481C1C}">
+                <a14:useLocalDpi xmlns:a14="http://schemas.microsoft.com/office/drawing/2010/main" val="0"/>
+              </a:ext>
+              <a:ext uri="{96DAC541-7B7A-43D3-8B79-37D633B846F1}">
+                <asvg:svgBlip xmlns:asvg="http://schemas.microsoft.com/office/drawing/2016/SVG/main" r:embed="rId3"/>
+              </a:ext>
+            </a:extLst>
+          </a:blip>
+          <a:stretch>
+            <a:fillRect/>
+          </a:stretch>
+        </p:blipFill>
+        <p:spPr>
+          <a:xfrm>
+            <a:off x="10783885" y="5607451"/>
+            <a:ext cx="506411" cy="506411"/>
+          </a:xfrm>
+          <a:prstGeom prst="rect">
+            <a:avLst/>
+          </a:prstGeom>
+        </p:spPr>
+      </p:pic>
+      <p:pic>
+        <p:nvPicPr>
+          <p:cNvPr id="24" name="Grafik 23">
+            <a:extLst>
+              <a:ext uri="{FF2B5EF4-FFF2-40B4-BE49-F238E27FC236}">
+                <a16:creationId xmlns:a16="http://schemas.microsoft.com/office/drawing/2014/main" id="{D586C56A-5432-4F46-80D1-0E64D396144E}"/>
+              </a:ext>
+            </a:extLst>
+          </p:cNvPr>
+          <p:cNvPicPr>
+            <a:picLocks noChangeAspect="1"/>
+          </p:cNvPicPr>
+          <p:nvPr/>
+        </p:nvPicPr>
+        <p:blipFill>
+          <a:blip r:embed="rId4">
+            <a:extLst>
+              <a:ext uri="{28A0092B-C50C-407E-A947-70E740481C1C}">
+                <a14:useLocalDpi xmlns:a14="http://schemas.microsoft.com/office/drawing/2010/main" val="0"/>
+              </a:ext>
+              <a:ext uri="{96DAC541-7B7A-43D3-8B79-37D633B846F1}">
+                <asvg:svgBlip xmlns:asvg="http://schemas.microsoft.com/office/drawing/2016/SVG/main" r:embed="rId5"/>
+              </a:ext>
+            </a:extLst>
+          </a:blip>
+          <a:stretch>
+            <a:fillRect/>
+          </a:stretch>
+        </p:blipFill>
+        <p:spPr>
+          <a:xfrm>
+            <a:off x="8726484" y="4435473"/>
+            <a:ext cx="506411" cy="506411"/>
+          </a:xfrm>
+          <a:prstGeom prst="rect">
+            <a:avLst/>
+          </a:prstGeom>
+        </p:spPr>
+      </p:pic>
+    </p:spTree>
+    <p:extLst>
+      <p:ext uri="{BB962C8B-B14F-4D97-AF65-F5344CB8AC3E}">
+        <p14:creationId xmlns:p14="http://schemas.microsoft.com/office/powerpoint/2010/main" val="904186739"/>
       </p:ext>
     </p:extLst>
   </p:cSld>

--- a/final_upload_ring_retrieve_simulator/presentation/Ring_retrieve_simulator.pptx
+++ b/final_upload_ring_retrieve_simulator/presentation/Ring_retrieve_simulator.pptx
@@ -4,6 +4,9 @@
   <p:sldMasterIdLst>
     <p:sldMasterId id="2147483648" r:id="rId1"/>
   </p:sldMasterIdLst>
+  <p:notesMasterIdLst>
+    <p:notesMasterId r:id="rId10"/>
+  </p:notesMasterIdLst>
   <p:sldIdLst>
     <p:sldId id="256" r:id="rId2"/>
     <p:sldId id="257" r:id="rId3"/>
@@ -119,6 +122,356 @@
 </p:presentation>
 </file>
 
+<file path=ppt/notesMasters/notesMaster1.xml><?xml version="1.0" encoding="utf-8"?>
+<p:notesMaster xmlns:a="http://schemas.openxmlformats.org/drawingml/2006/main" xmlns:r="http://schemas.openxmlformats.org/officeDocument/2006/relationships" xmlns:p="http://schemas.openxmlformats.org/presentationml/2006/main">
+  <p:cSld>
+    <p:bg>
+      <p:bgRef idx="1001">
+        <a:schemeClr val="bg1"/>
+      </p:bgRef>
+    </p:bg>
+    <p:spTree>
+      <p:nvGrpSpPr>
+        <p:cNvPr id="1" name=""/>
+        <p:cNvGrpSpPr/>
+        <p:nvPr/>
+      </p:nvGrpSpPr>
+      <p:grpSpPr>
+        <a:xfrm>
+          <a:off x="0" y="0"/>
+          <a:ext cx="0" cy="0"/>
+          <a:chOff x="0" y="0"/>
+          <a:chExt cx="0" cy="0"/>
+        </a:xfrm>
+      </p:grpSpPr>
+      <p:sp>
+        <p:nvSpPr>
+          <p:cNvPr id="2" name="Header Placeholder 1"/>
+          <p:cNvSpPr>
+            <a:spLocks noGrp="1"/>
+          </p:cNvSpPr>
+          <p:nvPr>
+            <p:ph type="hdr" sz="quarter"/>
+          </p:nvPr>
+        </p:nvSpPr>
+        <p:spPr>
+          <a:xfrm>
+            <a:off x="0" y="0"/>
+            <a:ext cx="2971800" cy="458788"/>
+          </a:xfrm>
+          <a:prstGeom prst="rect">
+            <a:avLst/>
+          </a:prstGeom>
+        </p:spPr>
+        <p:txBody>
+          <a:bodyPr vert="horz" lIns="91440" tIns="45720" rIns="91440" bIns="45720" rtlCol="0"/>
+          <a:lstStyle>
+            <a:lvl1pPr algn="l">
+              <a:defRPr sz="1200"/>
+            </a:lvl1pPr>
+          </a:lstStyle>
+          <a:p>
+            <a:endParaRPr lang="de-DE"/>
+          </a:p>
+        </p:txBody>
+      </p:sp>
+      <p:sp>
+        <p:nvSpPr>
+          <p:cNvPr id="3" name="Date Placeholder 2"/>
+          <p:cNvSpPr>
+            <a:spLocks noGrp="1"/>
+          </p:cNvSpPr>
+          <p:nvPr>
+            <p:ph type="dt" idx="1"/>
+          </p:nvPr>
+        </p:nvSpPr>
+        <p:spPr>
+          <a:xfrm>
+            <a:off x="3884613" y="0"/>
+            <a:ext cx="2971800" cy="458788"/>
+          </a:xfrm>
+          <a:prstGeom prst="rect">
+            <a:avLst/>
+          </a:prstGeom>
+        </p:spPr>
+        <p:txBody>
+          <a:bodyPr vert="horz" lIns="91440" tIns="45720" rIns="91440" bIns="45720" rtlCol="0"/>
+          <a:lstStyle>
+            <a:lvl1pPr algn="r">
+              <a:defRPr sz="1200"/>
+            </a:lvl1pPr>
+          </a:lstStyle>
+          <a:p>
+            <a:fld id="{C6556AB7-382D-48FA-860D-1901023F90FD}" type="datetimeFigureOut">
+              <a:rPr lang="de-DE" smtClean="0"/>
+              <a:t>05.07.2021</a:t>
+            </a:fld>
+            <a:endParaRPr lang="de-DE"/>
+          </a:p>
+        </p:txBody>
+      </p:sp>
+      <p:sp>
+        <p:nvSpPr>
+          <p:cNvPr id="4" name="Slide Image Placeholder 3"/>
+          <p:cNvSpPr>
+            <a:spLocks noGrp="1" noRot="1" noChangeAspect="1"/>
+          </p:cNvSpPr>
+          <p:nvPr>
+            <p:ph type="sldImg" idx="2"/>
+          </p:nvPr>
+        </p:nvSpPr>
+        <p:spPr>
+          <a:xfrm>
+            <a:off x="685800" y="1143000"/>
+            <a:ext cx="5486400" cy="3086100"/>
+          </a:xfrm>
+          <a:prstGeom prst="rect">
+            <a:avLst/>
+          </a:prstGeom>
+          <a:noFill/>
+          <a:ln w="12700">
+            <a:solidFill>
+              <a:prstClr val="black"/>
+            </a:solidFill>
+          </a:ln>
+        </p:spPr>
+        <p:txBody>
+          <a:bodyPr vert="horz" lIns="91440" tIns="45720" rIns="91440" bIns="45720" rtlCol="0" anchor="ctr"/>
+          <a:lstStyle/>
+          <a:p>
+            <a:endParaRPr lang="de-DE"/>
+          </a:p>
+        </p:txBody>
+      </p:sp>
+      <p:sp>
+        <p:nvSpPr>
+          <p:cNvPr id="5" name="Notes Placeholder 4"/>
+          <p:cNvSpPr>
+            <a:spLocks noGrp="1"/>
+          </p:cNvSpPr>
+          <p:nvPr>
+            <p:ph type="body" sz="quarter" idx="3"/>
+          </p:nvPr>
+        </p:nvSpPr>
+        <p:spPr>
+          <a:xfrm>
+            <a:off x="685800" y="4400550"/>
+            <a:ext cx="5486400" cy="3600450"/>
+          </a:xfrm>
+          <a:prstGeom prst="rect">
+            <a:avLst/>
+          </a:prstGeom>
+        </p:spPr>
+        <p:txBody>
+          <a:bodyPr vert="horz" lIns="91440" tIns="45720" rIns="91440" bIns="45720" rtlCol="0"/>
+          <a:lstStyle/>
+          <a:p>
+            <a:pPr lvl="0"/>
+            <a:r>
+              <a:rPr lang="en-US"/>
+              <a:t>Click to edit Master text styles</a:t>
+            </a:r>
+          </a:p>
+          <a:p>
+            <a:pPr lvl="1"/>
+            <a:r>
+              <a:rPr lang="en-US"/>
+              <a:t>Second level</a:t>
+            </a:r>
+          </a:p>
+          <a:p>
+            <a:pPr lvl="2"/>
+            <a:r>
+              <a:rPr lang="en-US"/>
+              <a:t>Third level</a:t>
+            </a:r>
+          </a:p>
+          <a:p>
+            <a:pPr lvl="3"/>
+            <a:r>
+              <a:rPr lang="en-US"/>
+              <a:t>Fourth level</a:t>
+            </a:r>
+          </a:p>
+          <a:p>
+            <a:pPr lvl="4"/>
+            <a:r>
+              <a:rPr lang="en-US"/>
+              <a:t>Fifth level</a:t>
+            </a:r>
+            <a:endParaRPr lang="de-DE"/>
+          </a:p>
+        </p:txBody>
+      </p:sp>
+      <p:sp>
+        <p:nvSpPr>
+          <p:cNvPr id="6" name="Footer Placeholder 5"/>
+          <p:cNvSpPr>
+            <a:spLocks noGrp="1"/>
+          </p:cNvSpPr>
+          <p:nvPr>
+            <p:ph type="ftr" sz="quarter" idx="4"/>
+          </p:nvPr>
+        </p:nvSpPr>
+        <p:spPr>
+          <a:xfrm>
+            <a:off x="0" y="8685213"/>
+            <a:ext cx="2971800" cy="458787"/>
+          </a:xfrm>
+          <a:prstGeom prst="rect">
+            <a:avLst/>
+          </a:prstGeom>
+        </p:spPr>
+        <p:txBody>
+          <a:bodyPr vert="horz" lIns="91440" tIns="45720" rIns="91440" bIns="45720" rtlCol="0" anchor="b"/>
+          <a:lstStyle>
+            <a:lvl1pPr algn="l">
+              <a:defRPr sz="1200"/>
+            </a:lvl1pPr>
+          </a:lstStyle>
+          <a:p>
+            <a:endParaRPr lang="de-DE"/>
+          </a:p>
+        </p:txBody>
+      </p:sp>
+      <p:sp>
+        <p:nvSpPr>
+          <p:cNvPr id="7" name="Slide Number Placeholder 6"/>
+          <p:cNvSpPr>
+            <a:spLocks noGrp="1"/>
+          </p:cNvSpPr>
+          <p:nvPr>
+            <p:ph type="sldNum" sz="quarter" idx="5"/>
+          </p:nvPr>
+        </p:nvSpPr>
+        <p:spPr>
+          <a:xfrm>
+            <a:off x="3884613" y="8685213"/>
+            <a:ext cx="2971800" cy="458787"/>
+          </a:xfrm>
+          <a:prstGeom prst="rect">
+            <a:avLst/>
+          </a:prstGeom>
+        </p:spPr>
+        <p:txBody>
+          <a:bodyPr vert="horz" lIns="91440" tIns="45720" rIns="91440" bIns="45720" rtlCol="0" anchor="b"/>
+          <a:lstStyle>
+            <a:lvl1pPr algn="r">
+              <a:defRPr sz="1200"/>
+            </a:lvl1pPr>
+          </a:lstStyle>
+          <a:p>
+            <a:fld id="{8C219DA4-1CBC-4EBB-9D51-9561E2C9AB59}" type="slidenum">
+              <a:rPr lang="de-DE" smtClean="0"/>
+              <a:t>‹#›</a:t>
+            </a:fld>
+            <a:endParaRPr lang="de-DE"/>
+          </a:p>
+        </p:txBody>
+      </p:sp>
+    </p:spTree>
+    <p:extLst>
+      <p:ext uri="{BB962C8B-B14F-4D97-AF65-F5344CB8AC3E}">
+        <p14:creationId xmlns:p14="http://schemas.microsoft.com/office/powerpoint/2010/main" val="3847157822"/>
+      </p:ext>
+    </p:extLst>
+  </p:cSld>
+  <p:clrMap bg1="lt1" tx1="dk1" bg2="lt2" tx2="dk2" accent1="accent1" accent2="accent2" accent3="accent3" accent4="accent4" accent5="accent5" accent6="accent6" hlink="hlink" folHlink="folHlink"/>
+  <p:notesStyle>
+    <a:lvl1pPr marL="0" algn="l" defTabSz="914400" rtl="0" eaLnBrk="1" latinLnBrk="0" hangingPunct="1">
+      <a:defRPr sz="1200" kern="1200">
+        <a:solidFill>
+          <a:schemeClr val="tx1"/>
+        </a:solidFill>
+        <a:latin typeface="+mn-lt"/>
+        <a:ea typeface="+mn-ea"/>
+        <a:cs typeface="+mn-cs"/>
+      </a:defRPr>
+    </a:lvl1pPr>
+    <a:lvl2pPr marL="457200" algn="l" defTabSz="914400" rtl="0" eaLnBrk="1" latinLnBrk="0" hangingPunct="1">
+      <a:defRPr sz="1200" kern="1200">
+        <a:solidFill>
+          <a:schemeClr val="tx1"/>
+        </a:solidFill>
+        <a:latin typeface="+mn-lt"/>
+        <a:ea typeface="+mn-ea"/>
+        <a:cs typeface="+mn-cs"/>
+      </a:defRPr>
+    </a:lvl2pPr>
+    <a:lvl3pPr marL="914400" algn="l" defTabSz="914400" rtl="0" eaLnBrk="1" latinLnBrk="0" hangingPunct="1">
+      <a:defRPr sz="1200" kern="1200">
+        <a:solidFill>
+          <a:schemeClr val="tx1"/>
+        </a:solidFill>
+        <a:latin typeface="+mn-lt"/>
+        <a:ea typeface="+mn-ea"/>
+        <a:cs typeface="+mn-cs"/>
+      </a:defRPr>
+    </a:lvl3pPr>
+    <a:lvl4pPr marL="1371600" algn="l" defTabSz="914400" rtl="0" eaLnBrk="1" latinLnBrk="0" hangingPunct="1">
+      <a:defRPr sz="1200" kern="1200">
+        <a:solidFill>
+          <a:schemeClr val="tx1"/>
+        </a:solidFill>
+        <a:latin typeface="+mn-lt"/>
+        <a:ea typeface="+mn-ea"/>
+        <a:cs typeface="+mn-cs"/>
+      </a:defRPr>
+    </a:lvl4pPr>
+    <a:lvl5pPr marL="1828800" algn="l" defTabSz="914400" rtl="0" eaLnBrk="1" latinLnBrk="0" hangingPunct="1">
+      <a:defRPr sz="1200" kern="1200">
+        <a:solidFill>
+          <a:schemeClr val="tx1"/>
+        </a:solidFill>
+        <a:latin typeface="+mn-lt"/>
+        <a:ea typeface="+mn-ea"/>
+        <a:cs typeface="+mn-cs"/>
+      </a:defRPr>
+    </a:lvl5pPr>
+    <a:lvl6pPr marL="2286000" algn="l" defTabSz="914400" rtl="0" eaLnBrk="1" latinLnBrk="0" hangingPunct="1">
+      <a:defRPr sz="1200" kern="1200">
+        <a:solidFill>
+          <a:schemeClr val="tx1"/>
+        </a:solidFill>
+        <a:latin typeface="+mn-lt"/>
+        <a:ea typeface="+mn-ea"/>
+        <a:cs typeface="+mn-cs"/>
+      </a:defRPr>
+    </a:lvl6pPr>
+    <a:lvl7pPr marL="2743200" algn="l" defTabSz="914400" rtl="0" eaLnBrk="1" latinLnBrk="0" hangingPunct="1">
+      <a:defRPr sz="1200" kern="1200">
+        <a:solidFill>
+          <a:schemeClr val="tx1"/>
+        </a:solidFill>
+        <a:latin typeface="+mn-lt"/>
+        <a:ea typeface="+mn-ea"/>
+        <a:cs typeface="+mn-cs"/>
+      </a:defRPr>
+    </a:lvl7pPr>
+    <a:lvl8pPr marL="3200400" algn="l" defTabSz="914400" rtl="0" eaLnBrk="1" latinLnBrk="0" hangingPunct="1">
+      <a:defRPr sz="1200" kern="1200">
+        <a:solidFill>
+          <a:schemeClr val="tx1"/>
+        </a:solidFill>
+        <a:latin typeface="+mn-lt"/>
+        <a:ea typeface="+mn-ea"/>
+        <a:cs typeface="+mn-cs"/>
+      </a:defRPr>
+    </a:lvl8pPr>
+    <a:lvl9pPr marL="3657600" algn="l" defTabSz="914400" rtl="0" eaLnBrk="1" latinLnBrk="0" hangingPunct="1">
+      <a:defRPr sz="1200" kern="1200">
+        <a:solidFill>
+          <a:schemeClr val="tx1"/>
+        </a:solidFill>
+        <a:latin typeface="+mn-lt"/>
+        <a:ea typeface="+mn-ea"/>
+        <a:cs typeface="+mn-cs"/>
+      </a:defRPr>
+    </a:lvl9pPr>
+  </p:notesStyle>
+</p:notesMaster>
+</file>
+
 <file path=ppt/slideLayouts/slideLayout1.xml><?xml version="1.0" encoding="utf-8"?>
 <p:sldLayout xmlns:a="http://schemas.openxmlformats.org/drawingml/2006/main" xmlns:r="http://schemas.openxmlformats.org/officeDocument/2006/relationships" xmlns:p="http://schemas.openxmlformats.org/presentationml/2006/main" type="title" preserve="1">
   <p:cSld name="Titelfolie">
@@ -266,7 +619,7 @@
           <a:bodyPr/>
           <a:lstStyle/>
           <a:p>
-            <a:fld id="{47763713-9DCB-4F7F-B3F7-45DF198C243A}" type="datetimeFigureOut">
+            <a:fld id="{54D86501-A07B-452C-87A8-03429CD696E7}" type="datetime1">
               <a:rPr lang="de-AT" smtClean="0"/>
               <a:t>05.07.2021</a:t>
             </a:fld>
@@ -322,7 +675,7 @@
           <a:p>
             <a:fld id="{A3EC7209-76EB-4857-A8CE-28EA38668999}" type="slidenum">
               <a:rPr lang="de-AT" smtClean="0"/>
-              <a:t>‹Nr.›</a:t>
+              <a:t>‹#›</a:t>
             </a:fld>
             <a:endParaRPr lang="de-AT"/>
           </a:p>
@@ -466,7 +819,7 @@
           <a:bodyPr/>
           <a:lstStyle/>
           <a:p>
-            <a:fld id="{47763713-9DCB-4F7F-B3F7-45DF198C243A}" type="datetimeFigureOut">
+            <a:fld id="{79C53A98-560D-4BFE-B279-2F5A38C22B7E}" type="datetime1">
               <a:rPr lang="de-AT" smtClean="0"/>
               <a:t>05.07.2021</a:t>
             </a:fld>
@@ -522,7 +875,7 @@
           <a:p>
             <a:fld id="{A3EC7209-76EB-4857-A8CE-28EA38668999}" type="slidenum">
               <a:rPr lang="de-AT" smtClean="0"/>
-              <a:t>‹Nr.›</a:t>
+              <a:t>‹#›</a:t>
             </a:fld>
             <a:endParaRPr lang="de-AT"/>
           </a:p>
@@ -676,7 +1029,7 @@
           <a:bodyPr/>
           <a:lstStyle/>
           <a:p>
-            <a:fld id="{47763713-9DCB-4F7F-B3F7-45DF198C243A}" type="datetimeFigureOut">
+            <a:fld id="{6A2282FE-1BEF-4046-841E-60846959985D}" type="datetime1">
               <a:rPr lang="de-AT" smtClean="0"/>
               <a:t>05.07.2021</a:t>
             </a:fld>
@@ -732,7 +1085,7 @@
           <a:p>
             <a:fld id="{A3EC7209-76EB-4857-A8CE-28EA38668999}" type="slidenum">
               <a:rPr lang="de-AT" smtClean="0"/>
-              <a:t>‹Nr.›</a:t>
+              <a:t>‹#›</a:t>
             </a:fld>
             <a:endParaRPr lang="de-AT"/>
           </a:p>
@@ -876,7 +1229,7 @@
           <a:bodyPr/>
           <a:lstStyle/>
           <a:p>
-            <a:fld id="{47763713-9DCB-4F7F-B3F7-45DF198C243A}" type="datetimeFigureOut">
+            <a:fld id="{C5C0459E-85DB-4947-9993-CD3B461C092F}" type="datetime1">
               <a:rPr lang="de-AT" smtClean="0"/>
               <a:t>05.07.2021</a:t>
             </a:fld>
@@ -932,7 +1285,7 @@
           <a:p>
             <a:fld id="{A3EC7209-76EB-4857-A8CE-28EA38668999}" type="slidenum">
               <a:rPr lang="de-AT" smtClean="0"/>
-              <a:t>‹Nr.›</a:t>
+              <a:t>‹#›</a:t>
             </a:fld>
             <a:endParaRPr lang="de-AT"/>
           </a:p>
@@ -1152,7 +1505,7 @@
           <a:bodyPr/>
           <a:lstStyle/>
           <a:p>
-            <a:fld id="{47763713-9DCB-4F7F-B3F7-45DF198C243A}" type="datetimeFigureOut">
+            <a:fld id="{1315B299-C35C-4269-868E-F1AA2AD63572}" type="datetime1">
               <a:rPr lang="de-AT" smtClean="0"/>
               <a:t>05.07.2021</a:t>
             </a:fld>
@@ -1208,7 +1561,7 @@
           <a:p>
             <a:fld id="{A3EC7209-76EB-4857-A8CE-28EA38668999}" type="slidenum">
               <a:rPr lang="de-AT" smtClean="0"/>
-              <a:t>‹Nr.›</a:t>
+              <a:t>‹#›</a:t>
             </a:fld>
             <a:endParaRPr lang="de-AT"/>
           </a:p>
@@ -1420,7 +1773,7 @@
           <a:bodyPr/>
           <a:lstStyle/>
           <a:p>
-            <a:fld id="{47763713-9DCB-4F7F-B3F7-45DF198C243A}" type="datetimeFigureOut">
+            <a:fld id="{ABCD8F79-124F-4E3E-BB6E-221C42F3BF1A}" type="datetime1">
               <a:rPr lang="de-AT" smtClean="0"/>
               <a:t>05.07.2021</a:t>
             </a:fld>
@@ -1476,7 +1829,7 @@
           <a:p>
             <a:fld id="{A3EC7209-76EB-4857-A8CE-28EA38668999}" type="slidenum">
               <a:rPr lang="de-AT" smtClean="0"/>
-              <a:t>‹Nr.›</a:t>
+              <a:t>‹#›</a:t>
             </a:fld>
             <a:endParaRPr lang="de-AT"/>
           </a:p>
@@ -1835,7 +2188,7 @@
           <a:bodyPr/>
           <a:lstStyle/>
           <a:p>
-            <a:fld id="{47763713-9DCB-4F7F-B3F7-45DF198C243A}" type="datetimeFigureOut">
+            <a:fld id="{0DBA5DB2-DEB0-420C-8053-E61CB85CCDA0}" type="datetime1">
               <a:rPr lang="de-AT" smtClean="0"/>
               <a:t>05.07.2021</a:t>
             </a:fld>
@@ -1891,7 +2244,7 @@
           <a:p>
             <a:fld id="{A3EC7209-76EB-4857-A8CE-28EA38668999}" type="slidenum">
               <a:rPr lang="de-AT" smtClean="0"/>
-              <a:t>‹Nr.›</a:t>
+              <a:t>‹#›</a:t>
             </a:fld>
             <a:endParaRPr lang="de-AT"/>
           </a:p>
@@ -1977,7 +2330,7 @@
           <a:bodyPr/>
           <a:lstStyle/>
           <a:p>
-            <a:fld id="{47763713-9DCB-4F7F-B3F7-45DF198C243A}" type="datetimeFigureOut">
+            <a:fld id="{42B0130D-1C06-47C8-AF85-6FBC64EEB588}" type="datetime1">
               <a:rPr lang="de-AT" smtClean="0"/>
               <a:t>05.07.2021</a:t>
             </a:fld>
@@ -2033,7 +2386,7 @@
           <a:p>
             <a:fld id="{A3EC7209-76EB-4857-A8CE-28EA38668999}" type="slidenum">
               <a:rPr lang="de-AT" smtClean="0"/>
-              <a:t>‹Nr.›</a:t>
+              <a:t>‹#›</a:t>
             </a:fld>
             <a:endParaRPr lang="de-AT"/>
           </a:p>
@@ -2090,7 +2443,7 @@
           <a:bodyPr/>
           <a:lstStyle/>
           <a:p>
-            <a:fld id="{47763713-9DCB-4F7F-B3F7-45DF198C243A}" type="datetimeFigureOut">
+            <a:fld id="{6F7BE495-E894-496D-B070-6271D501220B}" type="datetime1">
               <a:rPr lang="de-AT" smtClean="0"/>
               <a:t>05.07.2021</a:t>
             </a:fld>
@@ -2146,7 +2499,7 @@
           <a:p>
             <a:fld id="{A3EC7209-76EB-4857-A8CE-28EA38668999}" type="slidenum">
               <a:rPr lang="de-AT" smtClean="0"/>
-              <a:t>‹Nr.›</a:t>
+              <a:t>‹#›</a:t>
             </a:fld>
             <a:endParaRPr lang="de-AT"/>
           </a:p>
@@ -2403,7 +2756,7 @@
           <a:bodyPr/>
           <a:lstStyle/>
           <a:p>
-            <a:fld id="{47763713-9DCB-4F7F-B3F7-45DF198C243A}" type="datetimeFigureOut">
+            <a:fld id="{EB70E115-F215-4517-A27F-A201BB01FAFF}" type="datetime1">
               <a:rPr lang="de-AT" smtClean="0"/>
               <a:t>05.07.2021</a:t>
             </a:fld>
@@ -2459,7 +2812,7 @@
           <a:p>
             <a:fld id="{A3EC7209-76EB-4857-A8CE-28EA38668999}" type="slidenum">
               <a:rPr lang="de-AT" smtClean="0"/>
-              <a:t>‹Nr.›</a:t>
+              <a:t>‹#›</a:t>
             </a:fld>
             <a:endParaRPr lang="de-AT"/>
           </a:p>
@@ -2692,7 +3045,7 @@
           <a:bodyPr/>
           <a:lstStyle/>
           <a:p>
-            <a:fld id="{47763713-9DCB-4F7F-B3F7-45DF198C243A}" type="datetimeFigureOut">
+            <a:fld id="{7A90F0D1-78C5-42EB-A0D4-64C93CD27495}" type="datetime1">
               <a:rPr lang="de-AT" smtClean="0"/>
               <a:t>05.07.2021</a:t>
             </a:fld>
@@ -2748,7 +3101,7 @@
           <a:p>
             <a:fld id="{A3EC7209-76EB-4857-A8CE-28EA38668999}" type="slidenum">
               <a:rPr lang="de-AT" smtClean="0"/>
-              <a:t>‹Nr.›</a:t>
+              <a:t>‹#›</a:t>
             </a:fld>
             <a:endParaRPr lang="de-AT"/>
           </a:p>
@@ -2771,9 +3124,12 @@
 <p:sldMaster xmlns:a="http://schemas.openxmlformats.org/drawingml/2006/main" xmlns:r="http://schemas.openxmlformats.org/officeDocument/2006/relationships" xmlns:p="http://schemas.openxmlformats.org/presentationml/2006/main">
   <p:cSld>
     <p:bg>
-      <p:bgRef idx="1001">
-        <a:schemeClr val="bg1"/>
-      </p:bgRef>
+      <p:bgPr>
+        <a:solidFill>
+          <a:srgbClr val="1D3B50"/>
+        </a:solidFill>
+        <a:effectLst/>
+      </p:bgPr>
     </p:bg>
     <p:spTree>
       <p:nvGrpSpPr>
@@ -2861,38 +3217,38 @@
           <a:p>
             <a:pPr lvl="0"/>
             <a:r>
-              <a:rPr lang="de-DE"/>
+              <a:rPr lang="de-DE" dirty="0"/>
               <a:t>Mastertextformat bearbeiten</a:t>
             </a:r>
           </a:p>
           <a:p>
             <a:pPr lvl="1"/>
             <a:r>
-              <a:rPr lang="de-DE"/>
+              <a:rPr lang="de-DE" dirty="0"/>
               <a:t>Zweite Ebene</a:t>
             </a:r>
           </a:p>
           <a:p>
             <a:pPr lvl="2"/>
             <a:r>
-              <a:rPr lang="de-DE"/>
+              <a:rPr lang="de-DE" dirty="0"/>
               <a:t>Dritte Ebene</a:t>
             </a:r>
           </a:p>
           <a:p>
             <a:pPr lvl="3"/>
             <a:r>
-              <a:rPr lang="de-DE"/>
+              <a:rPr lang="de-DE" dirty="0"/>
               <a:t>Vierte Ebene</a:t>
             </a:r>
           </a:p>
           <a:p>
             <a:pPr lvl="4"/>
             <a:r>
-              <a:rPr lang="de-DE"/>
+              <a:rPr lang="de-DE" dirty="0"/>
               <a:t>Fünfte Ebene</a:t>
             </a:r>
-            <a:endParaRPr lang="de-AT"/>
+            <a:endParaRPr lang="de-AT" dirty="0"/>
           </a:p>
         </p:txBody>
       </p:sp>
@@ -2935,7 +3291,7 @@
             </a:lvl1pPr>
           </a:lstStyle>
           <a:p>
-            <a:fld id="{47763713-9DCB-4F7F-B3F7-45DF198C243A}" type="datetimeFigureOut">
+            <a:fld id="{608DF5A2-B208-46D4-B7B6-7CAE2EF1D177}" type="datetime1">
               <a:rPr lang="de-AT" smtClean="0"/>
               <a:t>05.07.2021</a:t>
             </a:fld>
@@ -3027,7 +3383,7 @@
           <a:p>
             <a:fld id="{A3EC7209-76EB-4857-A8CE-28EA38668999}" type="slidenum">
               <a:rPr lang="de-AT" smtClean="0"/>
-              <a:t>‹Nr.›</a:t>
+              <a:t>‹#›</a:t>
             </a:fld>
             <a:endParaRPr lang="de-AT"/>
           </a:p>
@@ -3054,6 +3410,7 @@
     <p:sldLayoutId id="2147483658" r:id="rId10"/>
     <p:sldLayoutId id="2147483659" r:id="rId11"/>
   </p:sldLayoutIdLst>
+  <p:hf hdr="0" ftr="0" dt="0"/>
   <p:txStyles>
     <p:titleStyle>
       <a:lvl1pPr algn="l" defTabSz="914400" rtl="0" eaLnBrk="1" latinLnBrk="0" hangingPunct="1">
@@ -3340,14 +3697,6 @@
 <file path=ppt/slides/slide1.xml><?xml version="1.0" encoding="utf-8"?>
 <p:sld xmlns:a="http://schemas.openxmlformats.org/drawingml/2006/main" xmlns:r="http://schemas.openxmlformats.org/officeDocument/2006/relationships" xmlns:p="http://schemas.openxmlformats.org/presentationml/2006/main">
   <p:cSld>
-    <p:bg>
-      <p:bgPr>
-        <a:solidFill>
-          <a:srgbClr val="45657B"/>
-        </a:solidFill>
-        <a:effectLst/>
-      </p:bgPr>
-    </p:bg>
     <p:spTree>
       <p:nvGrpSpPr>
         <p:cNvPr id="1" name=""/>
@@ -3476,8 +3825,8 @@
         </p:blipFill>
         <p:spPr>
           <a:xfrm>
-            <a:off x="2047875" y="914400"/>
-            <a:ext cx="8439150" cy="3048000"/>
+            <a:off x="2888973" y="525919"/>
+            <a:ext cx="6829425" cy="2466609"/>
           </a:xfrm>
           <a:prstGeom prst="rect">
             <a:avLst/>
@@ -3498,8 +3847,8 @@
         </p:nvSpPr>
         <p:spPr>
           <a:xfrm>
-            <a:off x="2047875" y="5257800"/>
-            <a:ext cx="8972550" cy="369332"/>
+            <a:off x="737772" y="5226902"/>
+            <a:ext cx="11131826" cy="830997"/>
           </a:xfrm>
           <a:prstGeom prst="rect">
             <a:avLst/>
@@ -3513,15 +3862,15 @@
           <a:lstStyle/>
           <a:p>
             <a:r>
-              <a:rPr lang="de-AT" dirty="0">
-                <a:solidFill>
-                  <a:schemeClr val="bg1"/>
-                </a:solidFill>
-              </a:rPr>
-              <a:t>By Dario Bruckner, Dominik </a:t>
-            </a:r>
-            <a:r>
-              <a:rPr lang="de-AT" dirty="0" err="1">
+              <a:rPr lang="de-AT" sz="2400" b="1" dirty="0">
+                <a:solidFill>
+                  <a:schemeClr val="bg1"/>
+                </a:solidFill>
+              </a:rPr>
+              <a:t>Georg Reichert, Dario Bruckner, Dominik </a:t>
+            </a:r>
+            <a:r>
+              <a:rPr lang="de-AT" sz="2400" b="1" dirty="0" err="1">
                 <a:solidFill>
                   <a:schemeClr val="bg1"/>
                 </a:solidFill>
@@ -3529,29 +3878,52 @@
               <a:t>Fohleitner</a:t>
             </a:r>
             <a:r>
-              <a:rPr lang="de-AT" dirty="0">
-                <a:solidFill>
-                  <a:schemeClr val="bg1"/>
-                </a:solidFill>
-              </a:rPr>
-              <a:t>, </a:t>
-            </a:r>
-            <a:r>
-              <a:rPr lang="de-AT" dirty="0" err="1">
-                <a:solidFill>
-                  <a:schemeClr val="bg1"/>
-                </a:solidFill>
-              </a:rPr>
-              <a:t>Amareldo</a:t>
-            </a:r>
-            <a:r>
-              <a:rPr lang="de-AT" dirty="0">
-                <a:solidFill>
-                  <a:schemeClr val="bg1"/>
-                </a:solidFill>
-              </a:rPr>
-              <a:t> Isufi, Aleksandar Jevtic, Georg Reichert</a:t>
-            </a:r>
+              <a:rPr lang="de-AT" sz="2400" b="1" dirty="0">
+                <a:solidFill>
+                  <a:schemeClr val="bg1"/>
+                </a:solidFill>
+              </a:rPr>
+              <a:t>, Amareldo Isufi, Aleksandar Jevtic</a:t>
+            </a:r>
+          </a:p>
+          <a:p>
+            <a:r>
+              <a:rPr lang="de-AT" sz="2400" b="1" dirty="0">
+                <a:solidFill>
+                  <a:schemeClr val="bg1"/>
+                </a:solidFill>
+              </a:rPr>
+              <a:t>		</a:t>
+            </a:r>
+          </a:p>
+        </p:txBody>
+      </p:sp>
+      <p:sp>
+        <p:nvSpPr>
+          <p:cNvPr id="4" name="Slide Number Placeholder 3">
+            <a:extLst>
+              <a:ext uri="{FF2B5EF4-FFF2-40B4-BE49-F238E27FC236}">
+                <a16:creationId xmlns:a16="http://schemas.microsoft.com/office/drawing/2014/main" id="{4B1810F8-8A47-4D72-918F-5C75BF18DE1F}"/>
+              </a:ext>
+            </a:extLst>
+          </p:cNvPr>
+          <p:cNvSpPr>
+            <a:spLocks noGrp="1"/>
+          </p:cNvSpPr>
+          <p:nvPr>
+            <p:ph type="sldNum" sz="quarter" idx="12"/>
+          </p:nvPr>
+        </p:nvSpPr>
+        <p:spPr/>
+        <p:txBody>
+          <a:bodyPr/>
+          <a:lstStyle/>
+          <a:p>
+            <a:fld id="{A3EC7209-76EB-4857-A8CE-28EA38668999}" type="slidenum">
+              <a:rPr lang="de-AT" smtClean="0"/>
+              <a:t>1</a:t>
+            </a:fld>
+            <a:endParaRPr lang="de-AT"/>
           </a:p>
         </p:txBody>
       </p:sp>
@@ -3571,14 +3943,6 @@
 <file path=ppt/slides/slide2.xml><?xml version="1.0" encoding="utf-8"?>
 <p:sld xmlns:a="http://schemas.openxmlformats.org/drawingml/2006/main" xmlns:r="http://schemas.openxmlformats.org/officeDocument/2006/relationships" xmlns:p="http://schemas.openxmlformats.org/presentationml/2006/main">
   <p:cSld>
-    <p:bg>
-      <p:bgPr>
-        <a:solidFill>
-          <a:srgbClr val="45657B"/>
-        </a:solidFill>
-        <a:effectLst/>
-      </p:bgPr>
-    </p:bg>
     <p:spTree>
       <p:nvGrpSpPr>
         <p:cNvPr id="1" name=""/>
@@ -3609,16 +3973,23 @@
             <p:ph type="title"/>
           </p:nvPr>
         </p:nvSpPr>
-        <p:spPr/>
+        <p:spPr>
+          <a:xfrm>
+            <a:off x="950741" y="351058"/>
+            <a:ext cx="10515600" cy="1325563"/>
+          </a:xfrm>
+        </p:spPr>
         <p:txBody>
           <a:bodyPr/>
           <a:lstStyle/>
           <a:p>
             <a:r>
-              <a:rPr lang="de-AT" dirty="0" err="1">
-                <a:solidFill>
-                  <a:schemeClr val="bg1"/>
-                </a:solidFill>
+              <a:rPr lang="de-AT">
+                <a:solidFill>
+                  <a:schemeClr val="bg1"/>
+                </a:solidFill>
+                <a:latin typeface="Aharoni" panose="02010803020104030203" pitchFamily="2" charset="-79"/>
+                <a:cs typeface="Aharoni" panose="02010803020104030203" pitchFamily="2" charset="-79"/>
               </a:rPr>
               <a:t>Idea</a:t>
             </a:r>
@@ -3626,6 +3997,8 @@
               <a:solidFill>
                 <a:schemeClr val="bg1"/>
               </a:solidFill>
+              <a:latin typeface="Aharoni" panose="02010803020104030203" pitchFamily="2" charset="-79"/>
+              <a:cs typeface="Aharoni" panose="02010803020104030203" pitchFamily="2" charset="-79"/>
             </a:endParaRPr>
           </a:p>
         </p:txBody>
@@ -3646,231 +4019,349 @@
             <p:ph idx="1"/>
           </p:nvPr>
         </p:nvSpPr>
-        <p:spPr/>
+        <p:spPr>
+          <a:xfrm>
+            <a:off x="838200" y="1676621"/>
+            <a:ext cx="10515600" cy="4724179"/>
+          </a:xfrm>
+        </p:spPr>
         <p:txBody>
           <a:bodyPr>
-            <a:normAutofit lnSpcReduction="10000"/>
+            <a:normAutofit fontScale="92500" lnSpcReduction="20000"/>
           </a:bodyPr>
           <a:lstStyle/>
           <a:p>
-            <a:r>
-              <a:rPr lang="en-US" sz="1800" dirty="0">
+            <a:pPr>
+              <a:lnSpc>
+                <a:spcPct val="110000"/>
+              </a:lnSpc>
+            </a:pPr>
+            <a:r>
+              <a:rPr lang="en-US" sz="2000">
                 <a:solidFill>
                   <a:schemeClr val="bg1"/>
                 </a:solidFill>
                 <a:effectLst/>
-                <a:latin typeface="Verdana" panose="020B0604030504040204" pitchFamily="34" charset="0"/>
+                <a:latin typeface="Corbel" panose="020B0503020204020204" pitchFamily="34" charset="0"/>
                 <a:ea typeface="Times New Roman" panose="02020603050405020304" pitchFamily="18" charset="0"/>
-                <a:cs typeface="Times New Roman" panose="02020603050405020304" pitchFamily="18" charset="0"/>
+                <a:cs typeface="Tunga" panose="020B0502040204020203" pitchFamily="34" charset="0"/>
               </a:rPr>
               <a:t>single-player 2D RPG game with separate world exploration and battle modes</a:t>
             </a:r>
           </a:p>
           <a:p>
-            <a:r>
-              <a:rPr lang="en-US" sz="1800" dirty="0">
-                <a:solidFill>
-                  <a:schemeClr val="bg1"/>
-                </a:solidFill>
-                <a:latin typeface="Verdana" panose="020B0604030504040204" pitchFamily="34" charset="0"/>
+            <a:pPr>
+              <a:lnSpc>
+                <a:spcPct val="110000"/>
+              </a:lnSpc>
+            </a:pPr>
+            <a:r>
+              <a:rPr lang="en-US" sz="2000">
+                <a:solidFill>
+                  <a:schemeClr val="bg1"/>
+                </a:solidFill>
+                <a:latin typeface="Corbel" panose="020B0503020204020204" pitchFamily="34" charset="0"/>
                 <a:ea typeface="Times New Roman" panose="02020603050405020304" pitchFamily="18" charset="0"/>
-                <a:cs typeface="Times New Roman" panose="02020603050405020304" pitchFamily="18" charset="0"/>
+                <a:cs typeface="Tunga" panose="020B0502040204020203" pitchFamily="34" charset="0"/>
               </a:rPr>
               <a:t>w</a:t>
             </a:r>
             <a:r>
-              <a:rPr lang="en-US" sz="1800" dirty="0">
+              <a:rPr lang="en-US" sz="2000">
                 <a:solidFill>
                   <a:schemeClr val="bg1"/>
                 </a:solidFill>
                 <a:effectLst/>
-                <a:latin typeface="Verdana" panose="020B0604030504040204" pitchFamily="34" charset="0"/>
+                <a:latin typeface="Corbel" panose="020B0503020204020204" pitchFamily="34" charset="0"/>
                 <a:ea typeface="Times New Roman" panose="02020603050405020304" pitchFamily="18" charset="0"/>
-                <a:cs typeface="Times New Roman" panose="02020603050405020304" pitchFamily="18" charset="0"/>
+                <a:cs typeface="Tunga" panose="020B0502040204020203" pitchFamily="34" charset="0"/>
               </a:rPr>
               <a:t>orld exploration in the style of a 2D side-scroll adventure</a:t>
             </a:r>
           </a:p>
           <a:p>
-            <a:r>
-              <a:rPr lang="en-US" sz="1800" dirty="0">
+            <a:pPr>
+              <a:lnSpc>
+                <a:spcPct val="110000"/>
+              </a:lnSpc>
+            </a:pPr>
+            <a:r>
+              <a:rPr lang="en-US" sz="2000">
                 <a:solidFill>
                   <a:schemeClr val="bg1"/>
                 </a:solidFill>
                 <a:effectLst/>
-                <a:latin typeface="Verdana" panose="020B0604030504040204" pitchFamily="34" charset="0"/>
+                <a:latin typeface="Corbel" panose="020B0503020204020204" pitchFamily="34" charset="0"/>
                 <a:ea typeface="Times New Roman" panose="02020603050405020304" pitchFamily="18" charset="0"/>
-                <a:cs typeface="Times New Roman" panose="02020603050405020304" pitchFamily="18" charset="0"/>
+                <a:cs typeface="Tunga" panose="020B0502040204020203" pitchFamily="34" charset="0"/>
               </a:rPr>
               <a:t>turn-based battles, that can involve a party of several characters and one or multiple enemies</a:t>
             </a:r>
           </a:p>
           <a:p>
-            <a:r>
-              <a:rPr lang="en-US" sz="1800" dirty="0">
-                <a:solidFill>
-                  <a:schemeClr val="bg1"/>
-                </a:solidFill>
-                <a:latin typeface="Verdana" panose="020B0604030504040204" pitchFamily="34" charset="0"/>
+            <a:pPr>
+              <a:lnSpc>
+                <a:spcPct val="110000"/>
+              </a:lnSpc>
+            </a:pPr>
+            <a:r>
+              <a:rPr lang="en-US" sz="2000">
+                <a:solidFill>
+                  <a:schemeClr val="bg1"/>
+                </a:solidFill>
+                <a:latin typeface="Corbel" panose="020B0503020204020204" pitchFamily="34" charset="0"/>
                 <a:ea typeface="Times New Roman" panose="02020603050405020304" pitchFamily="18" charset="0"/>
-                <a:cs typeface="Times New Roman" panose="02020603050405020304" pitchFamily="18" charset="0"/>
+                <a:cs typeface="Tunga" panose="020B0502040204020203" pitchFamily="34" charset="0"/>
               </a:rPr>
               <a:t>c</a:t>
             </a:r>
             <a:r>
-              <a:rPr lang="en-US" sz="1800" dirty="0">
+              <a:rPr lang="en-US" sz="2000">
                 <a:solidFill>
                   <a:schemeClr val="bg1"/>
                 </a:solidFill>
                 <a:effectLst/>
-                <a:latin typeface="Verdana" panose="020B0604030504040204" pitchFamily="34" charset="0"/>
+                <a:latin typeface="Corbel" panose="020B0503020204020204" pitchFamily="34" charset="0"/>
                 <a:ea typeface="Times New Roman" panose="02020603050405020304" pitchFamily="18" charset="0"/>
-                <a:cs typeface="Times New Roman" panose="02020603050405020304" pitchFamily="18" charset="0"/>
+                <a:cs typeface="Tunga" panose="020B0502040204020203" pitchFamily="34" charset="0"/>
               </a:rPr>
               <a:t>haracters can be equipped with different items (weapons, armor, utility items) and have different base-properties that can be modified through character advancement</a:t>
             </a:r>
-            <a:endParaRPr lang="de-AT" sz="1800" dirty="0">
+            <a:endParaRPr lang="de-AT" sz="2000">
               <a:solidFill>
                 <a:schemeClr val="bg1"/>
               </a:solidFill>
               <a:effectLst/>
-              <a:latin typeface="Verdana" panose="020B0604030504040204" pitchFamily="34" charset="0"/>
+              <a:latin typeface="Corbel" panose="020B0503020204020204" pitchFamily="34" charset="0"/>
               <a:ea typeface="Times New Roman" panose="02020603050405020304" pitchFamily="18" charset="0"/>
-              <a:cs typeface="Times New Roman" panose="02020603050405020304" pitchFamily="18" charset="0"/>
+              <a:cs typeface="Tunga" panose="020B0502040204020203" pitchFamily="34" charset="0"/>
             </a:endParaRPr>
           </a:p>
           <a:p>
-            <a:r>
-              <a:rPr lang="en-US" sz="1800" dirty="0">
-                <a:solidFill>
-                  <a:schemeClr val="bg1"/>
-                </a:solidFill>
-                <a:latin typeface="Verdana" panose="020B0604030504040204" pitchFamily="34" charset="0"/>
+            <a:pPr>
+              <a:lnSpc>
+                <a:spcPct val="110000"/>
+              </a:lnSpc>
+            </a:pPr>
+            <a:r>
+              <a:rPr lang="en-US" sz="2000">
+                <a:solidFill>
+                  <a:schemeClr val="bg1"/>
+                </a:solidFill>
+                <a:latin typeface="Corbel" panose="020B0503020204020204" pitchFamily="34" charset="0"/>
                 <a:ea typeface="Times New Roman" panose="02020603050405020304" pitchFamily="18" charset="0"/>
-                <a:cs typeface="Times New Roman" panose="02020603050405020304" pitchFamily="18" charset="0"/>
+                <a:cs typeface="Tunga" panose="020B0502040204020203" pitchFamily="34" charset="0"/>
               </a:rPr>
               <a:t>we </a:t>
             </a:r>
             <a:r>
-              <a:rPr lang="en-US" sz="1800" dirty="0">
+              <a:rPr lang="en-US" sz="2000">
                 <a:solidFill>
                   <a:schemeClr val="bg1"/>
                 </a:solidFill>
                 <a:effectLst/>
-                <a:latin typeface="Verdana" panose="020B0604030504040204" pitchFamily="34" charset="0"/>
+                <a:latin typeface="Corbel" panose="020B0503020204020204" pitchFamily="34" charset="0"/>
                 <a:ea typeface="Times New Roman" panose="02020603050405020304" pitchFamily="18" charset="0"/>
-                <a:cs typeface="Times New Roman" panose="02020603050405020304" pitchFamily="18" charset="0"/>
+                <a:cs typeface="Tunga" panose="020B0502040204020203" pitchFamily="34" charset="0"/>
               </a:rPr>
               <a:t>create the game using the Unity engine</a:t>
             </a:r>
           </a:p>
           <a:p>
-            <a:r>
-              <a:rPr lang="en-US" sz="1800" dirty="0">
-                <a:solidFill>
-                  <a:schemeClr val="bg1"/>
-                </a:solidFill>
-                <a:latin typeface="Verdana" panose="020B0604030504040204" pitchFamily="34" charset="0"/>
+            <a:pPr>
+              <a:lnSpc>
+                <a:spcPct val="110000"/>
+              </a:lnSpc>
+            </a:pPr>
+            <a:r>
+              <a:rPr lang="en-US" sz="2000">
+                <a:solidFill>
+                  <a:schemeClr val="bg1"/>
+                </a:solidFill>
+                <a:latin typeface="Corbel" panose="020B0503020204020204" pitchFamily="34" charset="0"/>
                 <a:ea typeface="Times New Roman" panose="02020603050405020304" pitchFamily="18" charset="0"/>
-                <a:cs typeface="Times New Roman" panose="02020603050405020304" pitchFamily="18" charset="0"/>
+                <a:cs typeface="Tunga" panose="020B0502040204020203" pitchFamily="34" charset="0"/>
               </a:rPr>
               <a:t>w</a:t>
             </a:r>
             <a:r>
-              <a:rPr lang="en-US" sz="1800" dirty="0">
+              <a:rPr lang="en-US" sz="2000">
                 <a:solidFill>
                   <a:schemeClr val="bg1"/>
                 </a:solidFill>
                 <a:effectLst/>
-                <a:latin typeface="Verdana" panose="020B0604030504040204" pitchFamily="34" charset="0"/>
+                <a:latin typeface="Corbel" panose="020B0503020204020204" pitchFamily="34" charset="0"/>
                 <a:ea typeface="Times New Roman" panose="02020603050405020304" pitchFamily="18" charset="0"/>
-                <a:cs typeface="Times New Roman" panose="02020603050405020304" pitchFamily="18" charset="0"/>
+                <a:cs typeface="Tunga" panose="020B0502040204020203" pitchFamily="34" charset="0"/>
               </a:rPr>
               <a:t>e design and implement a system for character and enemy attributes and their interactions in combat</a:t>
             </a:r>
           </a:p>
           <a:p>
-            <a:r>
-              <a:rPr lang="en-US" sz="1800" dirty="0">
+            <a:pPr>
+              <a:lnSpc>
+                <a:spcPct val="110000"/>
+              </a:lnSpc>
+            </a:pPr>
+            <a:r>
+              <a:rPr lang="en-US" sz="2000">
                 <a:solidFill>
                   <a:schemeClr val="bg1"/>
                 </a:solidFill>
                 <a:effectLst/>
-                <a:latin typeface="Verdana" panose="020B0604030504040204" pitchFamily="34" charset="0"/>
+                <a:latin typeface="Corbel" panose="020B0503020204020204" pitchFamily="34" charset="0"/>
                 <a:ea typeface="Times New Roman" panose="02020603050405020304" pitchFamily="18" charset="0"/>
-                <a:cs typeface="Times New Roman" panose="02020603050405020304" pitchFamily="18" charset="0"/>
+                <a:cs typeface="Tunga" panose="020B0502040204020203" pitchFamily="34" charset="0"/>
               </a:rPr>
               <a:t>create a challenging decision-making system for enemy behavior</a:t>
             </a:r>
           </a:p>
           <a:p>
-            <a:r>
-              <a:rPr lang="en-US" sz="1800" dirty="0">
+            <a:pPr>
+              <a:lnSpc>
+                <a:spcPct val="110000"/>
+              </a:lnSpc>
+            </a:pPr>
+            <a:r>
+              <a:rPr lang="en-US" sz="2000">
                 <a:solidFill>
                   <a:schemeClr val="bg1"/>
                 </a:solidFill>
                 <a:effectLst/>
-                <a:latin typeface="Verdana" panose="020B0604030504040204" pitchFamily="34" charset="0"/>
+                <a:latin typeface="Corbel" panose="020B0503020204020204" pitchFamily="34" charset="0"/>
                 <a:ea typeface="Times New Roman" panose="02020603050405020304" pitchFamily="18" charset="0"/>
-                <a:cs typeface="Times New Roman" panose="02020603050405020304" pitchFamily="18" charset="0"/>
+                <a:cs typeface="Tunga" panose="020B0502040204020203" pitchFamily="34" charset="0"/>
               </a:rPr>
               <a:t>create basic sprites and/or adapt existing ones</a:t>
             </a:r>
           </a:p>
           <a:p>
-            <a:r>
-              <a:rPr lang="en-US" sz="1800" dirty="0">
+            <a:pPr>
+              <a:lnSpc>
+                <a:spcPct val="110000"/>
+              </a:lnSpc>
+            </a:pPr>
+            <a:r>
+              <a:rPr lang="en-US" sz="2000">
                 <a:solidFill>
                   <a:schemeClr val="bg1"/>
                 </a:solidFill>
                 <a:effectLst/>
-                <a:latin typeface="Verdana" panose="020B0604030504040204" pitchFamily="34" charset="0"/>
+                <a:latin typeface="Corbel" panose="020B0503020204020204" pitchFamily="34" charset="0"/>
                 <a:ea typeface="Times New Roman" panose="02020603050405020304" pitchFamily="18" charset="0"/>
-                <a:cs typeface="Times New Roman" panose="02020603050405020304" pitchFamily="18" charset="0"/>
+                <a:cs typeface="Tunga" panose="020B0502040204020203" pitchFamily="34" charset="0"/>
               </a:rPr>
               <a:t>basic physics will be implemented for world exploration</a:t>
             </a:r>
           </a:p>
           <a:p>
-            <a:r>
-              <a:rPr lang="en-US" sz="1800" dirty="0">
-                <a:solidFill>
-                  <a:schemeClr val="bg1"/>
-                </a:solidFill>
-                <a:latin typeface="Verdana" panose="020B0604030504040204" pitchFamily="34" charset="0"/>
+            <a:pPr>
+              <a:lnSpc>
+                <a:spcPct val="110000"/>
+              </a:lnSpc>
+            </a:pPr>
+            <a:r>
+              <a:rPr lang="en-US" sz="2000">
+                <a:solidFill>
+                  <a:schemeClr val="bg1"/>
+                </a:solidFill>
+                <a:latin typeface="Corbel" panose="020B0503020204020204" pitchFamily="34" charset="0"/>
                 <a:ea typeface="Times New Roman" panose="02020603050405020304" pitchFamily="18" charset="0"/>
-                <a:cs typeface="Times New Roman" panose="02020603050405020304" pitchFamily="18" charset="0"/>
+                <a:cs typeface="Tunga" panose="020B0502040204020203" pitchFamily="34" charset="0"/>
               </a:rPr>
               <a:t>goal: </a:t>
             </a:r>
             <a:r>
-              <a:rPr lang="en-US" sz="1800" dirty="0">
+              <a:rPr lang="en-US" sz="2000">
                 <a:solidFill>
                   <a:schemeClr val="bg1"/>
                 </a:solidFill>
                 <a:effectLst/>
-                <a:latin typeface="Verdana" panose="020B0604030504040204" pitchFamily="34" charset="0"/>
+                <a:latin typeface="Corbel" panose="020B0503020204020204" pitchFamily="34" charset="0"/>
                 <a:ea typeface="Times New Roman" panose="02020603050405020304" pitchFamily="18" charset="0"/>
-                <a:cs typeface="Times New Roman" panose="02020603050405020304" pitchFamily="18" charset="0"/>
+                <a:cs typeface="Tunga" panose="020B0502040204020203" pitchFamily="34" charset="0"/>
               </a:rPr>
               <a:t>playable Demo version that includes at least one map or dungeon to explore, with at least one boss fight and at least one step of character advancement.</a:t>
             </a:r>
-            <a:endParaRPr lang="de-AT" sz="1800" dirty="0">
+            <a:endParaRPr lang="de-AT" sz="2000" dirty="0">
               <a:solidFill>
                 <a:schemeClr val="bg1"/>
               </a:solidFill>
               <a:effectLst/>
-              <a:latin typeface="Verdana" panose="020B0604030504040204" pitchFamily="34" charset="0"/>
+              <a:latin typeface="Corbel" panose="020B0503020204020204" pitchFamily="34" charset="0"/>
               <a:ea typeface="Times New Roman" panose="02020603050405020304" pitchFamily="18" charset="0"/>
-              <a:cs typeface="Times New Roman" panose="02020603050405020304" pitchFamily="18" charset="0"/>
+              <a:cs typeface="Tunga" panose="020B0502040204020203" pitchFamily="34" charset="0"/>
             </a:endParaRPr>
           </a:p>
-          <a:p>
-            <a:endParaRPr lang="de-AT" dirty="0">
-              <a:solidFill>
-                <a:schemeClr val="bg1"/>
-              </a:solidFill>
-            </a:endParaRPr>
+        </p:txBody>
+      </p:sp>
+      <p:cxnSp>
+        <p:nvCxnSpPr>
+          <p:cNvPr id="7" name="Straight Connector 6">
+            <a:extLst>
+              <a:ext uri="{FF2B5EF4-FFF2-40B4-BE49-F238E27FC236}">
+                <a16:creationId xmlns:a16="http://schemas.microsoft.com/office/drawing/2014/main" id="{9D68BD49-686E-450D-B20B-2A26E0B95CA3}"/>
+              </a:ext>
+            </a:extLst>
+          </p:cNvPr>
+          <p:cNvCxnSpPr/>
+          <p:nvPr/>
+        </p:nvCxnSpPr>
+        <p:spPr>
+          <a:xfrm>
+            <a:off x="950741" y="1448972"/>
+            <a:ext cx="10022059" cy="0"/>
+          </a:xfrm>
+          <a:prstGeom prst="line">
+            <a:avLst/>
+          </a:prstGeom>
+          <a:ln w="28575">
+            <a:solidFill>
+              <a:schemeClr val="bg1"/>
+            </a:solidFill>
+          </a:ln>
+        </p:spPr>
+        <p:style>
+          <a:lnRef idx="1">
+            <a:schemeClr val="accent1"/>
+          </a:lnRef>
+          <a:fillRef idx="0">
+            <a:schemeClr val="accent1"/>
+          </a:fillRef>
+          <a:effectRef idx="0">
+            <a:schemeClr val="accent1"/>
+          </a:effectRef>
+          <a:fontRef idx="minor">
+            <a:schemeClr val="tx1"/>
+          </a:fontRef>
+        </p:style>
+      </p:cxnSp>
+      <p:sp>
+        <p:nvSpPr>
+          <p:cNvPr id="8" name="Slide Number Placeholder 7">
+            <a:extLst>
+              <a:ext uri="{FF2B5EF4-FFF2-40B4-BE49-F238E27FC236}">
+                <a16:creationId xmlns:a16="http://schemas.microsoft.com/office/drawing/2014/main" id="{7329785F-A343-4070-B2B8-FA1DB11E223C}"/>
+              </a:ext>
+            </a:extLst>
+          </p:cNvPr>
+          <p:cNvSpPr>
+            <a:spLocks noGrp="1"/>
+          </p:cNvSpPr>
+          <p:nvPr>
+            <p:ph type="sldNum" sz="quarter" idx="12"/>
+          </p:nvPr>
+        </p:nvSpPr>
+        <p:spPr/>
+        <p:txBody>
+          <a:bodyPr/>
+          <a:lstStyle/>
+          <a:p>
+            <a:fld id="{A3EC7209-76EB-4857-A8CE-28EA38668999}" type="slidenum">
+              <a:rPr lang="de-AT" smtClean="0"/>
+              <a:t>2</a:t>
+            </a:fld>
+            <a:endParaRPr lang="de-AT"/>
           </a:p>
         </p:txBody>
       </p:sp>
@@ -3890,14 +4381,6 @@
 <file path=ppt/slides/slide3.xml><?xml version="1.0" encoding="utf-8"?>
 <p:sld xmlns:a="http://schemas.openxmlformats.org/drawingml/2006/main" xmlns:r="http://schemas.openxmlformats.org/officeDocument/2006/relationships" xmlns:p="http://schemas.openxmlformats.org/presentationml/2006/main">
   <p:cSld>
-    <p:bg>
-      <p:bgPr>
-        <a:solidFill>
-          <a:srgbClr val="45657B"/>
-        </a:solidFill>
-        <a:effectLst/>
-      </p:bgPr>
-    </p:bg>
     <p:spTree>
       <p:nvGrpSpPr>
         <p:cNvPr id="1" name=""/>
@@ -3930,7 +4413,9 @@
         </p:nvSpPr>
         <p:spPr/>
         <p:txBody>
-          <a:bodyPr/>
+          <a:bodyPr>
+            <a:normAutofit/>
+          </a:bodyPr>
           <a:lstStyle/>
           <a:p>
             <a:r>
@@ -3938,6 +4423,8 @@
                 <a:solidFill>
                   <a:schemeClr val="bg1"/>
                 </a:solidFill>
+                <a:latin typeface="Aharoni" panose="02010803020104030203" pitchFamily="2" charset="-79"/>
+                <a:cs typeface="Aharoni" panose="02010803020104030203" pitchFamily="2" charset="-79"/>
               </a:rPr>
               <a:t>Tools</a:t>
             </a:r>
@@ -3960,10 +4447,15 @@
             <p:ph idx="1"/>
           </p:nvPr>
         </p:nvSpPr>
-        <p:spPr/>
+        <p:spPr>
+          <a:xfrm>
+            <a:off x="838200" y="1825625"/>
+            <a:ext cx="10515600" cy="4164358"/>
+          </a:xfrm>
+        </p:spPr>
         <p:txBody>
           <a:bodyPr>
-            <a:normAutofit lnSpcReduction="10000"/>
+            <a:normAutofit/>
           </a:bodyPr>
           <a:lstStyle/>
           <a:p>
@@ -3973,12 +4465,12 @@
               </a:lnSpc>
             </a:pPr>
             <a:r>
-              <a:rPr lang="en-US" b="0" i="0" dirty="0">
-                <a:solidFill>
-                  <a:schemeClr val="bg1"/>
-                </a:solidFill>
-                <a:effectLst/>
-                <a:latin typeface="inherit"/>
+              <a:rPr lang="en-US" sz="2000" dirty="0">
+                <a:solidFill>
+                  <a:schemeClr val="bg1"/>
+                </a:solidFill>
+                <a:latin typeface="Corbel" panose="020B0503020204020204" pitchFamily="34" charset="0"/>
+                <a:cs typeface="Tunga" panose="020B0502040204020203" pitchFamily="34" charset="0"/>
               </a:rPr>
               <a:t>communication over discord</a:t>
             </a:r>
@@ -3990,12 +4482,12 @@
               </a:lnSpc>
             </a:pPr>
             <a:r>
-              <a:rPr lang="en-US" b="0" i="0" dirty="0">
-                <a:solidFill>
-                  <a:schemeClr val="bg1"/>
-                </a:solidFill>
-                <a:effectLst/>
-                <a:latin typeface="inherit"/>
+              <a:rPr lang="en-US" sz="2000" dirty="0">
+                <a:solidFill>
+                  <a:schemeClr val="bg1"/>
+                </a:solidFill>
+                <a:latin typeface="Corbel" panose="020B0503020204020204" pitchFamily="34" charset="0"/>
+                <a:cs typeface="Tunga" panose="020B0502040204020203" pitchFamily="34" charset="0"/>
               </a:rPr>
               <a:t>we used miro.com as our collaboration tool</a:t>
             </a:r>
@@ -4007,122 +4499,72 @@
               </a:lnSpc>
             </a:pPr>
             <a:r>
-              <a:rPr lang="de-AT" b="0" i="0" dirty="0" err="1">
-                <a:solidFill>
-                  <a:schemeClr val="bg1"/>
-                </a:solidFill>
-                <a:effectLst/>
-                <a:latin typeface="Whitney"/>
-              </a:rPr>
-              <a:t>version</a:t>
-            </a:r>
-            <a:r>
-              <a:rPr lang="de-AT" b="0" i="0" dirty="0">
-                <a:solidFill>
-                  <a:schemeClr val="bg1"/>
-                </a:solidFill>
-                <a:effectLst/>
-                <a:latin typeface="Whitney"/>
-              </a:rPr>
-              <a:t> </a:t>
-            </a:r>
-            <a:r>
-              <a:rPr lang="de-AT" b="0" i="0" dirty="0" err="1">
-                <a:solidFill>
-                  <a:schemeClr val="bg1"/>
-                </a:solidFill>
-                <a:effectLst/>
-                <a:latin typeface="Whitney"/>
-              </a:rPr>
-              <a:t>control</a:t>
-            </a:r>
-            <a:r>
-              <a:rPr lang="de-AT" b="0" i="0" dirty="0">
-                <a:solidFill>
-                  <a:schemeClr val="bg1"/>
-                </a:solidFill>
-                <a:effectLst/>
-                <a:latin typeface="Whitney"/>
-              </a:rPr>
-              <a:t> </a:t>
-            </a:r>
-            <a:r>
-              <a:rPr lang="de-AT" b="0" i="0" dirty="0" err="1">
-                <a:solidFill>
-                  <a:schemeClr val="bg1"/>
-                </a:solidFill>
-                <a:effectLst/>
-                <a:latin typeface="Whitney"/>
-              </a:rPr>
-              <a:t>with</a:t>
-            </a:r>
-            <a:r>
-              <a:rPr lang="de-AT" b="0" i="0" dirty="0">
-                <a:solidFill>
-                  <a:schemeClr val="bg1"/>
-                </a:solidFill>
-                <a:effectLst/>
-                <a:latin typeface="Whitney"/>
-              </a:rPr>
-              <a:t> github.com/GitHub Desktop (</a:t>
-            </a:r>
-            <a:r>
-              <a:rPr lang="de-AT" b="0" i="0" dirty="0" err="1">
-                <a:solidFill>
-                  <a:schemeClr val="bg1"/>
-                </a:solidFill>
-                <a:effectLst/>
-                <a:latin typeface="Whitney"/>
+              <a:rPr lang="de-AT" sz="2000" dirty="0">
+                <a:solidFill>
+                  <a:schemeClr val="bg1"/>
+                </a:solidFill>
+                <a:latin typeface="Corbel" panose="020B0503020204020204" pitchFamily="34" charset="0"/>
+                <a:cs typeface="Tunga" panose="020B0502040204020203" pitchFamily="34" charset="0"/>
+              </a:rPr>
+              <a:t>VCS: GitHub Desktop (</a:t>
+            </a:r>
+            <a:r>
+              <a:rPr lang="de-AT" sz="2000" dirty="0" err="1">
+                <a:solidFill>
+                  <a:schemeClr val="bg1"/>
+                </a:solidFill>
+                <a:latin typeface="Corbel" panose="020B0503020204020204" pitchFamily="34" charset="0"/>
+                <a:cs typeface="Tunga" panose="020B0502040204020203" pitchFamily="34" charset="0"/>
               </a:rPr>
               <a:t>unity</a:t>
             </a:r>
             <a:r>
-              <a:rPr lang="de-AT" b="0" i="0" dirty="0">
-                <a:solidFill>
-                  <a:schemeClr val="bg1"/>
-                </a:solidFill>
-                <a:effectLst/>
-                <a:latin typeface="Whitney"/>
+              <a:rPr lang="de-AT" sz="2000" dirty="0">
+                <a:solidFill>
+                  <a:schemeClr val="bg1"/>
+                </a:solidFill>
+                <a:latin typeface="Corbel" panose="020B0503020204020204" pitchFamily="34" charset="0"/>
+                <a:cs typeface="Tunga" panose="020B0502040204020203" pitchFamily="34" charset="0"/>
               </a:rPr>
               <a:t>-template </a:t>
             </a:r>
             <a:r>
-              <a:rPr lang="de-AT" b="0" i="0" dirty="0" err="1">
-                <a:solidFill>
-                  <a:schemeClr val="bg1"/>
-                </a:solidFill>
-                <a:effectLst/>
-                <a:latin typeface="Whitney"/>
+              <a:rPr lang="de-AT" sz="2000" dirty="0" err="1">
+                <a:solidFill>
+                  <a:schemeClr val="bg1"/>
+                </a:solidFill>
+                <a:latin typeface="Corbel" panose="020B0503020204020204" pitchFamily="34" charset="0"/>
+                <a:cs typeface="Tunga" panose="020B0502040204020203" pitchFamily="34" charset="0"/>
               </a:rPr>
               <a:t>for</a:t>
             </a:r>
             <a:r>
-              <a:rPr lang="de-AT" b="0" i="0" dirty="0">
-                <a:solidFill>
-                  <a:schemeClr val="bg1"/>
-                </a:solidFill>
-                <a:effectLst/>
-                <a:latin typeface="Whitney"/>
+              <a:rPr lang="de-AT" sz="2000" dirty="0">
+                <a:solidFill>
+                  <a:schemeClr val="bg1"/>
+                </a:solidFill>
+                <a:latin typeface="Corbel" panose="020B0503020204020204" pitchFamily="34" charset="0"/>
+                <a:cs typeface="Tunga" panose="020B0502040204020203" pitchFamily="34" charset="0"/>
               </a:rPr>
               <a:t> .</a:t>
             </a:r>
             <a:r>
-              <a:rPr lang="de-AT" b="0" i="0" dirty="0" err="1">
-                <a:solidFill>
-                  <a:schemeClr val="bg1"/>
-                </a:solidFill>
-                <a:effectLst/>
-                <a:latin typeface="Whitney"/>
+              <a:rPr lang="de-AT" sz="2000" dirty="0" err="1">
+                <a:solidFill>
+                  <a:schemeClr val="bg1"/>
+                </a:solidFill>
+                <a:latin typeface="Corbel" panose="020B0503020204020204" pitchFamily="34" charset="0"/>
+                <a:cs typeface="Tunga" panose="020B0502040204020203" pitchFamily="34" charset="0"/>
               </a:rPr>
               <a:t>gitignore</a:t>
             </a:r>
             <a:r>
-              <a:rPr lang="de-AT" b="0" i="0" dirty="0">
-                <a:solidFill>
-                  <a:schemeClr val="bg1"/>
-                </a:solidFill>
-                <a:effectLst/>
-                <a:latin typeface="Whitney"/>
+              <a:rPr lang="de-AT" sz="2000" dirty="0">
+                <a:solidFill>
+                  <a:schemeClr val="bg1"/>
+                </a:solidFill>
+                <a:latin typeface="Corbel" panose="020B0503020204020204" pitchFamily="34" charset="0"/>
+                <a:cs typeface="Tunga" panose="020B0502040204020203" pitchFamily="34" charset="0"/>
               </a:rPr>
               <a:t>)</a:t>
             </a:r>
@@ -4134,32 +4576,32 @@
               </a:lnSpc>
             </a:pPr>
             <a:r>
-              <a:rPr lang="de-AT" b="0" i="0" dirty="0">
-                <a:solidFill>
-                  <a:schemeClr val="bg1"/>
-                </a:solidFill>
-                <a:effectLst/>
-                <a:latin typeface="Whitney"/>
+              <a:rPr lang="de-AT" sz="2000" dirty="0">
+                <a:solidFill>
+                  <a:schemeClr val="bg1"/>
+                </a:solidFill>
+                <a:latin typeface="Corbel" panose="020B0503020204020204" pitchFamily="34" charset="0"/>
+                <a:cs typeface="Tunga" panose="020B0502040204020203" pitchFamily="34" charset="0"/>
               </a:rPr>
               <a:t>Unity </a:t>
             </a:r>
             <a:r>
-              <a:rPr lang="de-AT" b="0" i="0" dirty="0" err="1">
-                <a:solidFill>
-                  <a:schemeClr val="bg1"/>
-                </a:solidFill>
-                <a:effectLst/>
-                <a:latin typeface="Whitney"/>
+              <a:rPr lang="de-AT" sz="2000" dirty="0" err="1">
+                <a:solidFill>
+                  <a:schemeClr val="bg1"/>
+                </a:solidFill>
+                <a:latin typeface="Corbel" panose="020B0503020204020204" pitchFamily="34" charset="0"/>
+                <a:cs typeface="Tunga" panose="020B0502040204020203" pitchFamily="34" charset="0"/>
               </a:rPr>
               <a:t>editor</a:t>
             </a:r>
             <a:r>
-              <a:rPr lang="de-AT" b="0" i="0" dirty="0">
-                <a:solidFill>
-                  <a:schemeClr val="bg1"/>
-                </a:solidFill>
-                <a:effectLst/>
-                <a:latin typeface="Whitney"/>
+              <a:rPr lang="de-AT" sz="2000" dirty="0">
+                <a:solidFill>
+                  <a:schemeClr val="bg1"/>
+                </a:solidFill>
+                <a:latin typeface="Corbel" panose="020B0503020204020204" pitchFamily="34" charset="0"/>
+                <a:cs typeface="Tunga" panose="020B0502040204020203" pitchFamily="34" charset="0"/>
               </a:rPr>
               <a:t> v. 2021.1.1f1</a:t>
             </a:r>
@@ -4171,37 +4613,316 @@
               </a:lnSpc>
             </a:pPr>
             <a:r>
-              <a:rPr lang="en-US" b="0" i="0" dirty="0">
-                <a:solidFill>
-                  <a:schemeClr val="bg1"/>
-                </a:solidFill>
-                <a:effectLst/>
-                <a:latin typeface="Whitney"/>
+              <a:rPr lang="en-US" sz="2000" dirty="0">
+                <a:solidFill>
+                  <a:schemeClr val="bg1"/>
+                </a:solidFill>
+                <a:latin typeface="Corbel" panose="020B0503020204020204" pitchFamily="34" charset="0"/>
+                <a:cs typeface="Tunga" panose="020B0502040204020203" pitchFamily="34" charset="0"/>
               </a:rPr>
               <a:t>visual studio 2019 with unity extension</a:t>
             </a:r>
-            <a:endParaRPr lang="de-AT" b="0" i="0" dirty="0">
+            <a:endParaRPr lang="de-AT" sz="2000" dirty="0">
               <a:solidFill>
                 <a:schemeClr val="bg1"/>
               </a:solidFill>
-              <a:effectLst/>
-              <a:latin typeface="Whitney"/>
+              <a:latin typeface="Corbel" panose="020B0503020204020204" pitchFamily="34" charset="0"/>
+              <a:cs typeface="Tunga" panose="020B0502040204020203" pitchFamily="34" charset="0"/>
             </a:endParaRPr>
           </a:p>
-          <a:p>
-            <a:pPr>
-              <a:lnSpc>
-                <a:spcPct val="150000"/>
-              </a:lnSpc>
-            </a:pPr>
-            <a:endParaRPr lang="de-AT" dirty="0">
-              <a:solidFill>
-                <a:schemeClr val="bg1"/>
-              </a:solidFill>
-            </a:endParaRPr>
-          </a:p>
-        </p:txBody>
-      </p:sp>
+        </p:txBody>
+      </p:sp>
+      <p:sp>
+        <p:nvSpPr>
+          <p:cNvPr id="4" name="Slide Number Placeholder 3">
+            <a:extLst>
+              <a:ext uri="{FF2B5EF4-FFF2-40B4-BE49-F238E27FC236}">
+                <a16:creationId xmlns:a16="http://schemas.microsoft.com/office/drawing/2014/main" id="{4A5E02C4-64AC-4BEC-B3E3-8941097B9D69}"/>
+              </a:ext>
+            </a:extLst>
+          </p:cNvPr>
+          <p:cNvSpPr>
+            <a:spLocks noGrp="1"/>
+          </p:cNvSpPr>
+          <p:nvPr>
+            <p:ph type="sldNum" sz="quarter" idx="12"/>
+          </p:nvPr>
+        </p:nvSpPr>
+        <p:spPr/>
+        <p:txBody>
+          <a:bodyPr/>
+          <a:lstStyle/>
+          <a:p>
+            <a:fld id="{A3EC7209-76EB-4857-A8CE-28EA38668999}" type="slidenum">
+              <a:rPr lang="de-AT" smtClean="0"/>
+              <a:t>3</a:t>
+            </a:fld>
+            <a:endParaRPr lang="de-AT"/>
+          </a:p>
+        </p:txBody>
+      </p:sp>
+      <p:cxnSp>
+        <p:nvCxnSpPr>
+          <p:cNvPr id="5" name="Straight Connector 4">
+            <a:extLst>
+              <a:ext uri="{FF2B5EF4-FFF2-40B4-BE49-F238E27FC236}">
+                <a16:creationId xmlns:a16="http://schemas.microsoft.com/office/drawing/2014/main" id="{49B3B2D2-E6ED-4D6B-9538-1282CCB27E28}"/>
+              </a:ext>
+            </a:extLst>
+          </p:cNvPr>
+          <p:cNvCxnSpPr/>
+          <p:nvPr/>
+        </p:nvCxnSpPr>
+        <p:spPr>
+          <a:xfrm>
+            <a:off x="950741" y="1448972"/>
+            <a:ext cx="10022059" cy="0"/>
+          </a:xfrm>
+          <a:prstGeom prst="line">
+            <a:avLst/>
+          </a:prstGeom>
+          <a:ln w="28575">
+            <a:solidFill>
+              <a:schemeClr val="bg1"/>
+            </a:solidFill>
+          </a:ln>
+        </p:spPr>
+        <p:style>
+          <a:lnRef idx="1">
+            <a:schemeClr val="accent1"/>
+          </a:lnRef>
+          <a:fillRef idx="0">
+            <a:schemeClr val="accent1"/>
+          </a:fillRef>
+          <a:effectRef idx="0">
+            <a:schemeClr val="accent1"/>
+          </a:effectRef>
+          <a:fontRef idx="minor">
+            <a:schemeClr val="tx1"/>
+          </a:fontRef>
+        </p:style>
+      </p:cxnSp>
+      <p:pic>
+        <p:nvPicPr>
+          <p:cNvPr id="1028" name="Picture 4" descr="Discord Logo Png - Free Transparent PNG Logos">
+            <a:extLst>
+              <a:ext uri="{FF2B5EF4-FFF2-40B4-BE49-F238E27FC236}">
+                <a16:creationId xmlns:a16="http://schemas.microsoft.com/office/drawing/2014/main" id="{F5C6B4CF-90F9-4CF0-9EBC-15A65204612D}"/>
+              </a:ext>
+            </a:extLst>
+          </p:cNvPr>
+          <p:cNvPicPr>
+            <a:picLocks noChangeAspect="1" noChangeArrowheads="1"/>
+          </p:cNvPicPr>
+          <p:nvPr/>
+        </p:nvPicPr>
+        <p:blipFill>
+          <a:blip r:embed="rId2">
+            <a:extLst>
+              <a:ext uri="{28A0092B-C50C-407E-A947-70E740481C1C}">
+                <a14:useLocalDpi xmlns:a14="http://schemas.microsoft.com/office/drawing/2010/main" val="0"/>
+              </a:ext>
+            </a:extLst>
+          </a:blip>
+          <a:srcRect/>
+          <a:stretch>
+            <a:fillRect/>
+          </a:stretch>
+        </p:blipFill>
+        <p:spPr bwMode="auto">
+          <a:xfrm>
+            <a:off x="7606808" y="1456378"/>
+            <a:ext cx="1548582" cy="1548582"/>
+          </a:xfrm>
+          <a:prstGeom prst="rect">
+            <a:avLst/>
+          </a:prstGeom>
+          <a:noFill/>
+          <a:extLst>
+            <a:ext uri="{909E8E84-426E-40DD-AFC4-6F175D3DCCD1}">
+              <a14:hiddenFill xmlns:a14="http://schemas.microsoft.com/office/drawing/2010/main">
+                <a:solidFill>
+                  <a:srgbClr val="FFFFFF"/>
+                </a:solidFill>
+              </a14:hiddenFill>
+            </a:ext>
+          </a:extLst>
+        </p:spPr>
+      </p:pic>
+      <p:pic>
+        <p:nvPicPr>
+          <p:cNvPr id="1030" name="Picture 6" descr="An Online Whiteboard &amp; Visual Collaboration Platform for Teamwork | Miro">
+            <a:extLst>
+              <a:ext uri="{FF2B5EF4-FFF2-40B4-BE49-F238E27FC236}">
+                <a16:creationId xmlns:a16="http://schemas.microsoft.com/office/drawing/2014/main" id="{CE0E6302-720A-409E-9E56-A28628BE345E}"/>
+              </a:ext>
+            </a:extLst>
+          </p:cNvPr>
+          <p:cNvPicPr>
+            <a:picLocks noChangeAspect="1" noChangeArrowheads="1"/>
+          </p:cNvPicPr>
+          <p:nvPr/>
+        </p:nvPicPr>
+        <p:blipFill rotWithShape="1">
+          <a:blip r:embed="rId3">
+            <a:extLst>
+              <a:ext uri="{28A0092B-C50C-407E-A947-70E740481C1C}">
+                <a14:useLocalDpi xmlns:a14="http://schemas.microsoft.com/office/drawing/2010/main" val="0"/>
+              </a:ext>
+            </a:extLst>
+          </a:blip>
+          <a:srcRect l="16676" r="16676"/>
+          <a:stretch/>
+        </p:blipFill>
+        <p:spPr bwMode="auto">
+          <a:xfrm>
+            <a:off x="9433039" y="1622687"/>
+            <a:ext cx="1548582" cy="1221724"/>
+          </a:xfrm>
+          <a:prstGeom prst="rect">
+            <a:avLst/>
+          </a:prstGeom>
+          <a:noFill/>
+          <a:extLst>
+            <a:ext uri="{909E8E84-426E-40DD-AFC4-6F175D3DCCD1}">
+              <a14:hiddenFill xmlns:a14="http://schemas.microsoft.com/office/drawing/2010/main">
+                <a:solidFill>
+                  <a:srgbClr val="FFFFFF"/>
+                </a:solidFill>
+              </a14:hiddenFill>
+            </a:ext>
+          </a:extLst>
+        </p:spPr>
+      </p:pic>
+      <p:pic>
+        <p:nvPicPr>
+          <p:cNvPr id="1032" name="Picture 8">
+            <a:extLst>
+              <a:ext uri="{FF2B5EF4-FFF2-40B4-BE49-F238E27FC236}">
+                <a16:creationId xmlns:a16="http://schemas.microsoft.com/office/drawing/2014/main" id="{70F523E3-BCA4-42BB-89A7-0B616DEEAEBC}"/>
+              </a:ext>
+            </a:extLst>
+          </p:cNvPr>
+          <p:cNvPicPr>
+            <a:picLocks noChangeAspect="1" noChangeArrowheads="1"/>
+          </p:cNvPicPr>
+          <p:nvPr/>
+        </p:nvPicPr>
+        <p:blipFill>
+          <a:blip r:embed="rId4">
+            <a:extLst>
+              <a:ext uri="{28A0092B-C50C-407E-A947-70E740481C1C}">
+                <a14:useLocalDpi xmlns:a14="http://schemas.microsoft.com/office/drawing/2010/main" val="0"/>
+              </a:ext>
+            </a:extLst>
+          </a:blip>
+          <a:srcRect/>
+          <a:stretch>
+            <a:fillRect/>
+          </a:stretch>
+        </p:blipFill>
+        <p:spPr bwMode="auto">
+          <a:xfrm>
+            <a:off x="7606808" y="3377407"/>
+            <a:ext cx="1465838" cy="1465838"/>
+          </a:xfrm>
+          <a:prstGeom prst="rect">
+            <a:avLst/>
+          </a:prstGeom>
+          <a:noFill/>
+          <a:extLst>
+            <a:ext uri="{909E8E84-426E-40DD-AFC4-6F175D3DCCD1}">
+              <a14:hiddenFill xmlns:a14="http://schemas.microsoft.com/office/drawing/2010/main">
+                <a:solidFill>
+                  <a:srgbClr val="FFFFFF"/>
+                </a:solidFill>
+              </a14:hiddenFill>
+            </a:ext>
+          </a:extLst>
+        </p:spPr>
+      </p:pic>
+      <p:pic>
+        <p:nvPicPr>
+          <p:cNvPr id="1034" name="Picture 10" descr="Unity Icon #394556 - Free Icons Library">
+            <a:extLst>
+              <a:ext uri="{FF2B5EF4-FFF2-40B4-BE49-F238E27FC236}">
+                <a16:creationId xmlns:a16="http://schemas.microsoft.com/office/drawing/2014/main" id="{2DED2353-54D4-4DAE-AA39-E17643803FA1}"/>
+              </a:ext>
+            </a:extLst>
+          </p:cNvPr>
+          <p:cNvPicPr>
+            <a:picLocks noChangeAspect="1" noChangeArrowheads="1"/>
+          </p:cNvPicPr>
+          <p:nvPr/>
+        </p:nvPicPr>
+        <p:blipFill>
+          <a:blip r:embed="rId5">
+            <a:extLst>
+              <a:ext uri="{28A0092B-C50C-407E-A947-70E740481C1C}">
+                <a14:useLocalDpi xmlns:a14="http://schemas.microsoft.com/office/drawing/2010/main" val="0"/>
+              </a:ext>
+            </a:extLst>
+          </a:blip>
+          <a:srcRect/>
+          <a:stretch>
+            <a:fillRect/>
+          </a:stretch>
+        </p:blipFill>
+        <p:spPr bwMode="auto">
+          <a:xfrm>
+            <a:off x="9310728" y="3274880"/>
+            <a:ext cx="1670893" cy="1670893"/>
+          </a:xfrm>
+          <a:prstGeom prst="rect">
+            <a:avLst/>
+          </a:prstGeom>
+          <a:noFill/>
+          <a:extLst>
+            <a:ext uri="{909E8E84-426E-40DD-AFC4-6F175D3DCCD1}">
+              <a14:hiddenFill xmlns:a14="http://schemas.microsoft.com/office/drawing/2010/main">
+                <a:solidFill>
+                  <a:srgbClr val="FFFFFF"/>
+                </a:solidFill>
+              </a14:hiddenFill>
+            </a:ext>
+          </a:extLst>
+        </p:spPr>
+      </p:pic>
+      <p:pic>
+        <p:nvPicPr>
+          <p:cNvPr id="7" name="Picture 6" descr="Logo&#10;&#10;Description automatically generated with medium confidence">
+            <a:extLst>
+              <a:ext uri="{FF2B5EF4-FFF2-40B4-BE49-F238E27FC236}">
+                <a16:creationId xmlns:a16="http://schemas.microsoft.com/office/drawing/2014/main" id="{28A26C60-5236-4B1E-AF69-28C126BF57DA}"/>
+              </a:ext>
+            </a:extLst>
+          </p:cNvPr>
+          <p:cNvPicPr>
+            <a:picLocks noChangeAspect="1"/>
+          </p:cNvPicPr>
+          <p:nvPr/>
+        </p:nvPicPr>
+        <p:blipFill rotWithShape="1">
+          <a:blip r:embed="rId6">
+            <a:extLst>
+              <a:ext uri="{28A0092B-C50C-407E-A947-70E740481C1C}">
+                <a14:useLocalDpi xmlns:a14="http://schemas.microsoft.com/office/drawing/2010/main" val="0"/>
+              </a:ext>
+            </a:extLst>
+          </a:blip>
+          <a:srcRect t="35142" b="36265"/>
+          <a:stretch/>
+        </p:blipFill>
+        <p:spPr>
+          <a:xfrm>
+            <a:off x="7656342" y="5132722"/>
+            <a:ext cx="2998096" cy="857261"/>
+          </a:xfrm>
+          <a:prstGeom prst="rect">
+            <a:avLst/>
+          </a:prstGeom>
+        </p:spPr>
+      </p:pic>
     </p:spTree>
     <p:extLst>
       <p:ext uri="{BB962C8B-B14F-4D97-AF65-F5344CB8AC3E}">
@@ -4218,14 +4939,6 @@
 <file path=ppt/slides/slide4.xml><?xml version="1.0" encoding="utf-8"?>
 <p:sld xmlns:a="http://schemas.openxmlformats.org/drawingml/2006/main" xmlns:r="http://schemas.openxmlformats.org/officeDocument/2006/relationships" xmlns:p="http://schemas.openxmlformats.org/presentationml/2006/main">
   <p:cSld>
-    <p:bg>
-      <p:bgPr>
-        <a:solidFill>
-          <a:srgbClr val="45657B"/>
-        </a:solidFill>
-        <a:effectLst/>
-      </p:bgPr>
-    </p:bg>
     <p:spTree>
       <p:nvGrpSpPr>
         <p:cNvPr id="1" name=""/>
@@ -4266,229 +4979,271 @@
                 <a:solidFill>
                   <a:schemeClr val="bg1"/>
                 </a:solidFill>
-              </a:rPr>
-              <a:t>Agile </a:t>
-            </a:r>
-            <a:r>
-              <a:rPr lang="de-AT" dirty="0" err="1">
-                <a:solidFill>
-                  <a:schemeClr val="bg1"/>
-                </a:solidFill>
-              </a:rPr>
-              <a:t>development</a:t>
-            </a:r>
-            <a:endParaRPr lang="de-AT" dirty="0">
+                <a:latin typeface="Aharoni" panose="02010803020104030203" pitchFamily="2" charset="-79"/>
+                <a:cs typeface="Aharoni" panose="02010803020104030203" pitchFamily="2" charset="-79"/>
+              </a:rPr>
+              <a:t>Agile Development</a:t>
+            </a:r>
+          </a:p>
+        </p:txBody>
+      </p:sp>
+      <p:sp>
+        <p:nvSpPr>
+          <p:cNvPr id="3" name="Inhaltsplatzhalter 2">
+            <a:extLst>
+              <a:ext uri="{FF2B5EF4-FFF2-40B4-BE49-F238E27FC236}">
+                <a16:creationId xmlns:a16="http://schemas.microsoft.com/office/drawing/2014/main" id="{B6B240DA-CED9-416E-AC69-5175B216E84C}"/>
+              </a:ext>
+            </a:extLst>
+          </p:cNvPr>
+          <p:cNvSpPr>
+            <a:spLocks noGrp="1"/>
+          </p:cNvSpPr>
+          <p:nvPr>
+            <p:ph idx="1"/>
+          </p:nvPr>
+        </p:nvSpPr>
+        <p:spPr/>
+        <p:txBody>
+          <a:bodyPr>
+            <a:normAutofit fontScale="92500" lnSpcReduction="20000"/>
+          </a:bodyPr>
+          <a:lstStyle/>
+          <a:p>
+            <a:pPr fontAlgn="base">
+              <a:lnSpc>
+                <a:spcPct val="150000"/>
+              </a:lnSpc>
+            </a:pPr>
+            <a:r>
+              <a:rPr lang="en-US" sz="2000" dirty="0">
+                <a:solidFill>
+                  <a:schemeClr val="bg1"/>
+                </a:solidFill>
+                <a:latin typeface="Corbel" panose="020B0503020204020204" pitchFamily="34" charset="0"/>
+                <a:cs typeface="Tunga" panose="020B0502040204020203" pitchFamily="34" charset="0"/>
+              </a:rPr>
+              <a:t>modus: </a:t>
+            </a:r>
+            <a:r>
+              <a:rPr lang="en-US" sz="2000" dirty="0" err="1">
+                <a:solidFill>
+                  <a:schemeClr val="bg1"/>
+                </a:solidFill>
+                <a:latin typeface="Corbel" panose="020B0503020204020204" pitchFamily="34" charset="0"/>
+                <a:cs typeface="Tunga" panose="020B0502040204020203" pitchFamily="34" charset="0"/>
+              </a:rPr>
+              <a:t>Scrumban</a:t>
+            </a:r>
+            <a:endParaRPr lang="en-US" sz="2000" dirty="0">
               <a:solidFill>
                 <a:schemeClr val="bg1"/>
               </a:solidFill>
+              <a:latin typeface="Corbel" panose="020B0503020204020204" pitchFamily="34" charset="0"/>
+              <a:cs typeface="Tunga" panose="020B0502040204020203" pitchFamily="34" charset="0"/>
             </a:endParaRPr>
           </a:p>
-        </p:txBody>
-      </p:sp>
-      <p:sp>
-        <p:nvSpPr>
-          <p:cNvPr id="3" name="Inhaltsplatzhalter 2">
-            <a:extLst>
-              <a:ext uri="{FF2B5EF4-FFF2-40B4-BE49-F238E27FC236}">
-                <a16:creationId xmlns:a16="http://schemas.microsoft.com/office/drawing/2014/main" id="{B6B240DA-CED9-416E-AC69-5175B216E84C}"/>
-              </a:ext>
-            </a:extLst>
-          </p:cNvPr>
-          <p:cNvSpPr>
-            <a:spLocks noGrp="1"/>
-          </p:cNvSpPr>
-          <p:nvPr>
-            <p:ph idx="1"/>
+          <a:p>
+            <a:pPr algn="l" fontAlgn="base">
+              <a:lnSpc>
+                <a:spcPct val="150000"/>
+              </a:lnSpc>
+            </a:pPr>
+            <a:r>
+              <a:rPr lang="en-US" sz="2000" dirty="0" err="1">
+                <a:solidFill>
+                  <a:schemeClr val="bg1"/>
+                </a:solidFill>
+                <a:latin typeface="Corbel" panose="020B0503020204020204" pitchFamily="34" charset="0"/>
+                <a:cs typeface="Tunga" panose="020B0502040204020203" pitchFamily="34" charset="0"/>
+              </a:rPr>
+              <a:t>DoR</a:t>
+            </a:r>
+            <a:r>
+              <a:rPr lang="en-US" sz="2000" dirty="0">
+                <a:solidFill>
+                  <a:schemeClr val="bg1"/>
+                </a:solidFill>
+                <a:latin typeface="Corbel" panose="020B0503020204020204" pitchFamily="34" charset="0"/>
+                <a:cs typeface="Tunga" panose="020B0502040204020203" pitchFamily="34" charset="0"/>
+              </a:rPr>
+              <a:t> and DoD on the board, visible for everyone</a:t>
+            </a:r>
+          </a:p>
+          <a:p>
+            <a:pPr fontAlgn="base">
+              <a:lnSpc>
+                <a:spcPct val="150000"/>
+              </a:lnSpc>
+            </a:pPr>
+            <a:r>
+              <a:rPr lang="en-US" sz="2000" dirty="0">
+                <a:solidFill>
+                  <a:schemeClr val="bg1"/>
+                </a:solidFill>
+                <a:latin typeface="Corbel" panose="020B0503020204020204" pitchFamily="34" charset="0"/>
+                <a:cs typeface="Tunga" panose="020B0502040204020203" pitchFamily="34" charset="0"/>
+              </a:rPr>
+              <a:t>requirements engineering based on user stories</a:t>
+            </a:r>
+          </a:p>
+          <a:p>
+            <a:pPr algn="l" fontAlgn="base">
+              <a:lnSpc>
+                <a:spcPct val="150000"/>
+              </a:lnSpc>
+            </a:pPr>
+            <a:r>
+              <a:rPr lang="en-US" sz="2000" dirty="0">
+                <a:solidFill>
+                  <a:schemeClr val="bg1"/>
+                </a:solidFill>
+                <a:latin typeface="Corbel" panose="020B0503020204020204" pitchFamily="34" charset="0"/>
+                <a:cs typeface="Tunga" panose="020B0502040204020203" pitchFamily="34" charset="0"/>
+              </a:rPr>
+              <a:t>items on the board are a combination of well-defined user stories and simple post-it notes (for quick fixes etc.)</a:t>
+            </a:r>
+          </a:p>
+          <a:p>
+            <a:pPr fontAlgn="base">
+              <a:lnSpc>
+                <a:spcPct val="150000"/>
+              </a:lnSpc>
+            </a:pPr>
+            <a:r>
+              <a:rPr lang="en-US" sz="2000" dirty="0">
+                <a:solidFill>
+                  <a:schemeClr val="bg1"/>
+                </a:solidFill>
+                <a:latin typeface="Corbel" panose="020B0503020204020204" pitchFamily="34" charset="0"/>
+                <a:cs typeface="Tunga" panose="020B0502040204020203" pitchFamily="34" charset="0"/>
+              </a:rPr>
+              <a:t>user stories/requirements from the product backlog are sorted by categories and importance</a:t>
+            </a:r>
+          </a:p>
+          <a:p>
+            <a:pPr fontAlgn="base">
+              <a:lnSpc>
+                <a:spcPct val="150000"/>
+              </a:lnSpc>
+            </a:pPr>
+            <a:r>
+              <a:rPr lang="en-US" sz="2000" dirty="0">
+                <a:solidFill>
+                  <a:schemeClr val="bg1"/>
+                </a:solidFill>
+                <a:latin typeface="Corbel" panose="020B0503020204020204" pitchFamily="34" charset="0"/>
+                <a:cs typeface="Tunga" panose="020B0502040204020203" pitchFamily="34" charset="0"/>
+              </a:rPr>
+              <a:t>effort estimation: Fibonacci-numbers</a:t>
+            </a:r>
+          </a:p>
+          <a:p>
+            <a:pPr algn="l" fontAlgn="base">
+              <a:lnSpc>
+                <a:spcPct val="150000"/>
+              </a:lnSpc>
+            </a:pPr>
+            <a:r>
+              <a:rPr lang="en-US" sz="2000" dirty="0">
+                <a:solidFill>
+                  <a:schemeClr val="bg1"/>
+                </a:solidFill>
+                <a:latin typeface="Corbel" panose="020B0503020204020204" pitchFamily="34" charset="0"/>
+                <a:cs typeface="Tunga" panose="020B0502040204020203" pitchFamily="34" charset="0"/>
+              </a:rPr>
+              <a:t>WIP-limit of 2 items per person</a:t>
+            </a:r>
+          </a:p>
+          <a:p>
+            <a:pPr fontAlgn="base">
+              <a:lnSpc>
+                <a:spcPct val="150000"/>
+              </a:lnSpc>
+            </a:pPr>
+            <a:r>
+              <a:rPr lang="en-US" sz="2000" dirty="0">
+                <a:solidFill>
+                  <a:schemeClr val="bg1"/>
+                </a:solidFill>
+                <a:latin typeface="Corbel" panose="020B0503020204020204" pitchFamily="34" charset="0"/>
+                <a:cs typeface="Tunga" panose="020B0502040204020203" pitchFamily="34" charset="0"/>
+              </a:rPr>
+              <a:t>sprint review protocols are visible for everyone on the board</a:t>
+            </a:r>
+          </a:p>
+        </p:txBody>
+      </p:sp>
+      <p:sp>
+        <p:nvSpPr>
+          <p:cNvPr id="4" name="Slide Number Placeholder 3">
+            <a:extLst>
+              <a:ext uri="{FF2B5EF4-FFF2-40B4-BE49-F238E27FC236}">
+                <a16:creationId xmlns:a16="http://schemas.microsoft.com/office/drawing/2014/main" id="{366833E4-CFEE-4423-ACFD-1BE0632EE3CB}"/>
+              </a:ext>
+            </a:extLst>
+          </p:cNvPr>
+          <p:cNvSpPr>
+            <a:spLocks noGrp="1"/>
+          </p:cNvSpPr>
+          <p:nvPr>
+            <p:ph type="sldNum" sz="quarter" idx="12"/>
           </p:nvPr>
         </p:nvSpPr>
         <p:spPr/>
         <p:txBody>
-          <a:bodyPr>
-            <a:normAutofit fontScale="92500" lnSpcReduction="10000"/>
-          </a:bodyPr>
+          <a:bodyPr/>
           <a:lstStyle/>
           <a:p>
-            <a:pPr fontAlgn="base"/>
-            <a:r>
-              <a:rPr lang="en-US" dirty="0">
-                <a:solidFill>
-                  <a:schemeClr val="bg1"/>
-                </a:solidFill>
-                <a:latin typeface="inherit"/>
-              </a:rPr>
-              <a:t>modus: </a:t>
-            </a:r>
-            <a:r>
-              <a:rPr lang="en-US" dirty="0" err="1">
-                <a:solidFill>
-                  <a:schemeClr val="bg1"/>
-                </a:solidFill>
-                <a:latin typeface="inherit"/>
-              </a:rPr>
-              <a:t>Scrumban</a:t>
-            </a:r>
-            <a:endParaRPr lang="en-US" dirty="0">
-              <a:solidFill>
-                <a:schemeClr val="bg1"/>
-              </a:solidFill>
-              <a:latin typeface="inherit"/>
-            </a:endParaRPr>
-          </a:p>
-          <a:p>
-            <a:pPr algn="l" fontAlgn="base"/>
-            <a:r>
-              <a:rPr lang="en-US" b="0" i="0" dirty="0" err="1">
-                <a:solidFill>
-                  <a:schemeClr val="bg1"/>
-                </a:solidFill>
-                <a:effectLst/>
-                <a:latin typeface="inherit"/>
-              </a:rPr>
-              <a:t>DoR</a:t>
-            </a:r>
-            <a:r>
-              <a:rPr lang="en-US" b="0" i="0" dirty="0">
-                <a:solidFill>
-                  <a:schemeClr val="bg1"/>
-                </a:solidFill>
-                <a:effectLst/>
-                <a:latin typeface="inherit"/>
-              </a:rPr>
-              <a:t> </a:t>
-            </a:r>
-            <a:r>
-              <a:rPr lang="en-US" dirty="0">
-                <a:solidFill>
-                  <a:schemeClr val="bg1"/>
-                </a:solidFill>
-                <a:latin typeface="inherit"/>
-              </a:rPr>
-              <a:t>an</a:t>
-            </a:r>
-            <a:r>
-              <a:rPr lang="en-US" b="0" i="0" dirty="0">
-                <a:solidFill>
-                  <a:schemeClr val="bg1"/>
-                </a:solidFill>
-                <a:effectLst/>
-                <a:latin typeface="inherit"/>
-              </a:rPr>
-              <a:t>d DoD on the board, visible for everyone</a:t>
-            </a:r>
-          </a:p>
-          <a:p>
-            <a:pPr fontAlgn="base"/>
-            <a:r>
-              <a:rPr lang="en-US" dirty="0">
-                <a:solidFill>
-                  <a:schemeClr val="bg1"/>
-                </a:solidFill>
-                <a:latin typeface="inherit"/>
-              </a:rPr>
-              <a:t>requirements engineering based on user stories</a:t>
-            </a:r>
-          </a:p>
-          <a:p>
-            <a:pPr algn="l" fontAlgn="base"/>
-            <a:r>
-              <a:rPr lang="en-US" b="0" i="0" dirty="0">
-                <a:solidFill>
-                  <a:schemeClr val="bg1"/>
-                </a:solidFill>
-                <a:effectLst/>
-                <a:latin typeface="inherit"/>
-              </a:rPr>
-              <a:t>items on the board are a combination of well defined user stories and simple post-it notes (for quick fixes etc.)</a:t>
-            </a:r>
-          </a:p>
-          <a:p>
-            <a:pPr fontAlgn="base"/>
-            <a:r>
-              <a:rPr lang="en-US" dirty="0">
-                <a:solidFill>
-                  <a:schemeClr val="bg1"/>
-                </a:solidFill>
-                <a:latin typeface="inherit"/>
-              </a:rPr>
-              <a:t>user stories/requirements from the product backlog are sorted by categories and importance</a:t>
-            </a:r>
-          </a:p>
-          <a:p>
-            <a:pPr fontAlgn="base"/>
-            <a:r>
-              <a:rPr lang="en-US" dirty="0">
-                <a:solidFill>
-                  <a:schemeClr val="bg1"/>
-                </a:solidFill>
-                <a:latin typeface="inherit"/>
-              </a:rPr>
-              <a:t>effort estimation: Fibonacci-numbers</a:t>
-            </a:r>
-          </a:p>
-          <a:p>
-            <a:pPr algn="l" fontAlgn="base"/>
-            <a:r>
-              <a:rPr lang="en-US" b="0" i="0" dirty="0">
-                <a:solidFill>
-                  <a:schemeClr val="bg1"/>
-                </a:solidFill>
-                <a:effectLst/>
-                <a:latin typeface="inherit"/>
-              </a:rPr>
-              <a:t>WIP-limit </a:t>
-            </a:r>
-            <a:r>
-              <a:rPr lang="en-US" i="0" dirty="0">
-                <a:solidFill>
-                  <a:schemeClr val="bg1"/>
-                </a:solidFill>
-                <a:effectLst/>
-                <a:latin typeface="inherit"/>
-              </a:rPr>
-              <a:t>of</a:t>
-            </a:r>
-            <a:r>
-              <a:rPr lang="en-US" b="0" i="0" dirty="0">
-                <a:solidFill>
-                  <a:schemeClr val="bg1"/>
-                </a:solidFill>
-                <a:effectLst/>
-                <a:latin typeface="inherit"/>
-              </a:rPr>
-              <a:t> 2 items per person</a:t>
-            </a:r>
-          </a:p>
-          <a:p>
-            <a:pPr fontAlgn="base"/>
-            <a:r>
-              <a:rPr lang="en-US" dirty="0">
-                <a:solidFill>
-                  <a:schemeClr val="bg1"/>
-                </a:solidFill>
-                <a:latin typeface="inherit"/>
-              </a:rPr>
-              <a:t>sprint review protocols are visible for everyone on the board</a:t>
-            </a:r>
-          </a:p>
-          <a:p>
-            <a:pPr algn="l" fontAlgn="base"/>
-            <a:endParaRPr lang="en-US" b="0" i="0" dirty="0">
-              <a:solidFill>
-                <a:schemeClr val="bg1"/>
-              </a:solidFill>
-              <a:effectLst/>
-              <a:latin typeface="inherit"/>
-            </a:endParaRPr>
-          </a:p>
-          <a:p>
-            <a:endParaRPr lang="en-US" dirty="0">
-              <a:solidFill>
-                <a:schemeClr val="bg1"/>
-              </a:solidFill>
-            </a:endParaRPr>
-          </a:p>
-        </p:txBody>
-      </p:sp>
+            <a:fld id="{A3EC7209-76EB-4857-A8CE-28EA38668999}" type="slidenum">
+              <a:rPr lang="de-AT" smtClean="0"/>
+              <a:t>4</a:t>
+            </a:fld>
+            <a:endParaRPr lang="de-AT"/>
+          </a:p>
+        </p:txBody>
+      </p:sp>
+      <p:cxnSp>
+        <p:nvCxnSpPr>
+          <p:cNvPr id="5" name="Straight Connector 4">
+            <a:extLst>
+              <a:ext uri="{FF2B5EF4-FFF2-40B4-BE49-F238E27FC236}">
+                <a16:creationId xmlns:a16="http://schemas.microsoft.com/office/drawing/2014/main" id="{CDBBB739-4B13-466C-BA52-2FF5162D7C29}"/>
+              </a:ext>
+            </a:extLst>
+          </p:cNvPr>
+          <p:cNvCxnSpPr/>
+          <p:nvPr/>
+        </p:nvCxnSpPr>
+        <p:spPr>
+          <a:xfrm>
+            <a:off x="950741" y="1448972"/>
+            <a:ext cx="10022059" cy="0"/>
+          </a:xfrm>
+          <a:prstGeom prst="line">
+            <a:avLst/>
+          </a:prstGeom>
+          <a:ln w="28575">
+            <a:solidFill>
+              <a:schemeClr val="bg1"/>
+            </a:solidFill>
+          </a:ln>
+        </p:spPr>
+        <p:style>
+          <a:lnRef idx="1">
+            <a:schemeClr val="accent1"/>
+          </a:lnRef>
+          <a:fillRef idx="0">
+            <a:schemeClr val="accent1"/>
+          </a:fillRef>
+          <a:effectRef idx="0">
+            <a:schemeClr val="accent1"/>
+          </a:effectRef>
+          <a:fontRef idx="minor">
+            <a:schemeClr val="tx1"/>
+          </a:fontRef>
+        </p:style>
+      </p:cxnSp>
     </p:spTree>
     <p:extLst>
       <p:ext uri="{BB962C8B-B14F-4D97-AF65-F5344CB8AC3E}">
@@ -4505,14 +5260,6 @@
 <file path=ppt/slides/slide5.xml><?xml version="1.0" encoding="utf-8"?>
 <p:sld xmlns:a="http://schemas.openxmlformats.org/drawingml/2006/main" xmlns:r="http://schemas.openxmlformats.org/officeDocument/2006/relationships" xmlns:p="http://schemas.openxmlformats.org/presentationml/2006/main">
   <p:cSld>
-    <p:bg>
-      <p:bgPr>
-        <a:solidFill>
-          <a:srgbClr val="45657B"/>
-        </a:solidFill>
-        <a:effectLst/>
-      </p:bgPr>
-    </p:bg>
     <p:spTree>
       <p:nvGrpSpPr>
         <p:cNvPr id="1" name=""/>
@@ -4543,34 +5290,27 @@
             <p:ph type="title"/>
           </p:nvPr>
         </p:nvSpPr>
-        <p:spPr/>
-        <p:txBody>
-          <a:bodyPr/>
+        <p:spPr>
+          <a:xfrm>
+            <a:off x="838200" y="365125"/>
+            <a:ext cx="10744200" cy="1325563"/>
+          </a:xfrm>
+        </p:spPr>
+        <p:txBody>
+          <a:bodyPr>
+            <a:normAutofit/>
+          </a:bodyPr>
           <a:lstStyle/>
           <a:p>
             <a:r>
-              <a:rPr lang="de-AT" dirty="0">
-                <a:solidFill>
-                  <a:schemeClr val="bg1"/>
-                </a:solidFill>
-              </a:rPr>
-              <a:t>Implementation – World &amp; </a:t>
-            </a:r>
-            <a:r>
-              <a:rPr lang="de-AT" dirty="0" err="1">
-                <a:solidFill>
-                  <a:schemeClr val="bg1"/>
-                </a:solidFill>
-              </a:rPr>
-              <a:t>menu</a:t>
-            </a:r>
-            <a:r>
-              <a:rPr lang="de-AT" dirty="0">
-                <a:solidFill>
-                  <a:schemeClr val="bg1"/>
-                </a:solidFill>
-              </a:rPr>
-              <a:t> design</a:t>
+              <a:rPr lang="de-AT" sz="4000" dirty="0">
+                <a:solidFill>
+                  <a:schemeClr val="bg1"/>
+                </a:solidFill>
+                <a:latin typeface="Aharoni" panose="02010803020104030203" pitchFamily="2" charset="-79"/>
+                <a:cs typeface="Aharoni" panose="02010803020104030203" pitchFamily="2" charset="-79"/>
+              </a:rPr>
+              <a:t>Implementation – World &amp; Menu design</a:t>
             </a:r>
           </a:p>
         </p:txBody>
@@ -4591,625 +5331,886 @@
             <p:ph idx="1"/>
           </p:nvPr>
         </p:nvSpPr>
-        <p:spPr/>
-        <p:txBody>
-          <a:bodyPr/>
+        <p:spPr>
+          <a:xfrm>
+            <a:off x="838200" y="1891886"/>
+            <a:ext cx="10515600" cy="4351338"/>
+          </a:xfrm>
+        </p:spPr>
+        <p:txBody>
+          <a:bodyPr>
+            <a:normAutofit/>
+          </a:bodyPr>
           <a:lstStyle/>
           <a:p>
-            <a:r>
-              <a:rPr lang="de-AT" dirty="0">
-                <a:solidFill>
-                  <a:schemeClr val="bg1"/>
-                </a:solidFill>
+            <a:pPr>
+              <a:lnSpc>
+                <a:spcPct val="150000"/>
+              </a:lnSpc>
+            </a:pPr>
+            <a:r>
+              <a:rPr lang="de-AT" sz="2000" dirty="0">
+                <a:solidFill>
+                  <a:schemeClr val="bg1"/>
+                </a:solidFill>
+                <a:latin typeface="Corbel" panose="020B0503020204020204" pitchFamily="34" charset="0"/>
+                <a:cs typeface="Tunga" panose="020B0502040204020203" pitchFamily="34" charset="0"/>
               </a:rPr>
               <a:t>Unity Editor v. 2021.1.1f1</a:t>
             </a:r>
           </a:p>
           <a:p>
-            <a:r>
-              <a:rPr lang="de-AT" dirty="0" err="1">
-                <a:solidFill>
-                  <a:schemeClr val="bg1"/>
-                </a:solidFill>
+            <a:pPr>
+              <a:lnSpc>
+                <a:spcPct val="150000"/>
+              </a:lnSpc>
+            </a:pPr>
+            <a:r>
+              <a:rPr lang="de-AT" sz="2000" dirty="0" err="1">
+                <a:solidFill>
+                  <a:schemeClr val="bg1"/>
+                </a:solidFill>
+                <a:latin typeface="Corbel" panose="020B0503020204020204" pitchFamily="34" charset="0"/>
+                <a:cs typeface="Tunga" panose="020B0502040204020203" pitchFamily="34" charset="0"/>
               </a:rPr>
               <a:t>created</a:t>
             </a:r>
             <a:r>
-              <a:rPr lang="de-AT" dirty="0">
-                <a:solidFill>
-                  <a:schemeClr val="bg1"/>
-                </a:solidFill>
+              <a:rPr lang="de-AT" sz="2000" dirty="0">
+                <a:solidFill>
+                  <a:schemeClr val="bg1"/>
+                </a:solidFill>
+                <a:latin typeface="Corbel" panose="020B0503020204020204" pitchFamily="34" charset="0"/>
+                <a:cs typeface="Tunga" panose="020B0502040204020203" pitchFamily="34" charset="0"/>
               </a:rPr>
               <a:t> </a:t>
             </a:r>
             <a:r>
-              <a:rPr lang="de-AT" dirty="0" err="1">
-                <a:solidFill>
-                  <a:schemeClr val="bg1"/>
-                </a:solidFill>
+              <a:rPr lang="de-AT" sz="2000" dirty="0" err="1">
+                <a:solidFill>
+                  <a:schemeClr val="bg1"/>
+                </a:solidFill>
+                <a:latin typeface="Corbel" panose="020B0503020204020204" pitchFamily="34" charset="0"/>
+                <a:cs typeface="Tunga" panose="020B0502040204020203" pitchFamily="34" charset="0"/>
               </a:rPr>
               <a:t>world</a:t>
             </a:r>
             <a:r>
-              <a:rPr lang="de-AT" dirty="0">
-                <a:solidFill>
-                  <a:schemeClr val="bg1"/>
-                </a:solidFill>
+              <a:rPr lang="de-AT" sz="2000" dirty="0">
+                <a:solidFill>
+                  <a:schemeClr val="bg1"/>
+                </a:solidFill>
+                <a:latin typeface="Corbel" panose="020B0503020204020204" pitchFamily="34" charset="0"/>
+                <a:cs typeface="Tunga" panose="020B0502040204020203" pitchFamily="34" charset="0"/>
               </a:rPr>
               <a:t> </a:t>
             </a:r>
             <a:r>
-              <a:rPr lang="de-AT" dirty="0" err="1">
-                <a:solidFill>
-                  <a:schemeClr val="bg1"/>
-                </a:solidFill>
+              <a:rPr lang="de-AT" sz="2000" dirty="0" err="1">
+                <a:solidFill>
+                  <a:schemeClr val="bg1"/>
+                </a:solidFill>
+                <a:latin typeface="Corbel" panose="020B0503020204020204" pitchFamily="34" charset="0"/>
+                <a:cs typeface="Tunga" panose="020B0502040204020203" pitchFamily="34" charset="0"/>
               </a:rPr>
               <a:t>with</a:t>
             </a:r>
             <a:r>
-              <a:rPr lang="de-AT" dirty="0">
-                <a:solidFill>
-                  <a:schemeClr val="bg1"/>
-                </a:solidFill>
+              <a:rPr lang="de-AT" sz="2000" dirty="0">
+                <a:solidFill>
+                  <a:schemeClr val="bg1"/>
+                </a:solidFill>
+                <a:latin typeface="Corbel" panose="020B0503020204020204" pitchFamily="34" charset="0"/>
+                <a:cs typeface="Tunga" panose="020B0502040204020203" pitchFamily="34" charset="0"/>
               </a:rPr>
               <a:t> </a:t>
             </a:r>
             <a:r>
-              <a:rPr lang="de-AT" dirty="0" err="1">
-                <a:solidFill>
-                  <a:schemeClr val="bg1"/>
-                </a:solidFill>
+              <a:rPr lang="de-AT" sz="2000" dirty="0" err="1">
+                <a:solidFill>
+                  <a:schemeClr val="bg1"/>
+                </a:solidFill>
+                <a:latin typeface="Corbel" panose="020B0503020204020204" pitchFamily="34" charset="0"/>
+                <a:cs typeface="Tunga" panose="020B0502040204020203" pitchFamily="34" charset="0"/>
               </a:rPr>
               <a:t>built</a:t>
             </a:r>
             <a:r>
-              <a:rPr lang="de-AT" dirty="0">
-                <a:solidFill>
-                  <a:schemeClr val="bg1"/>
-                </a:solidFill>
+              <a:rPr lang="de-AT" sz="2000" dirty="0">
+                <a:solidFill>
+                  <a:schemeClr val="bg1"/>
+                </a:solidFill>
+                <a:latin typeface="Corbel" panose="020B0503020204020204" pitchFamily="34" charset="0"/>
+                <a:cs typeface="Tunga" panose="020B0502040204020203" pitchFamily="34" charset="0"/>
               </a:rPr>
               <a:t>-in </a:t>
             </a:r>
             <a:r>
-              <a:rPr lang="de-AT" dirty="0" err="1">
-                <a:solidFill>
-                  <a:schemeClr val="bg1"/>
-                </a:solidFill>
+              <a:rPr lang="de-AT" sz="2000" dirty="0" err="1">
+                <a:solidFill>
+                  <a:schemeClr val="bg1"/>
+                </a:solidFill>
+                <a:latin typeface="Corbel" panose="020B0503020204020204" pitchFamily="34" charset="0"/>
+                <a:cs typeface="Tunga" panose="020B0502040204020203" pitchFamily="34" charset="0"/>
               </a:rPr>
               <a:t>tilemap</a:t>
             </a:r>
             <a:r>
-              <a:rPr lang="de-AT" dirty="0">
-                <a:solidFill>
-                  <a:schemeClr val="bg1"/>
-                </a:solidFill>
+              <a:rPr lang="de-AT" sz="2000" dirty="0">
+                <a:solidFill>
+                  <a:schemeClr val="bg1"/>
+                </a:solidFill>
+                <a:latin typeface="Corbel" panose="020B0503020204020204" pitchFamily="34" charset="0"/>
+                <a:cs typeface="Tunga" panose="020B0502040204020203" pitchFamily="34" charset="0"/>
               </a:rPr>
               <a:t> </a:t>
             </a:r>
             <a:r>
-              <a:rPr lang="de-AT" dirty="0" err="1">
-                <a:solidFill>
-                  <a:schemeClr val="bg1"/>
-                </a:solidFill>
+              <a:rPr lang="de-AT" sz="2000" dirty="0" err="1">
+                <a:solidFill>
+                  <a:schemeClr val="bg1"/>
+                </a:solidFill>
+                <a:latin typeface="Corbel" panose="020B0503020204020204" pitchFamily="34" charset="0"/>
+                <a:cs typeface="Tunga" panose="020B0502040204020203" pitchFamily="34" charset="0"/>
               </a:rPr>
               <a:t>editor</a:t>
             </a:r>
             <a:r>
-              <a:rPr lang="de-AT" dirty="0">
-                <a:solidFill>
-                  <a:schemeClr val="bg1"/>
-                </a:solidFill>
+              <a:rPr lang="de-AT" sz="2000" dirty="0">
+                <a:solidFill>
+                  <a:schemeClr val="bg1"/>
+                </a:solidFill>
+                <a:latin typeface="Corbel" panose="020B0503020204020204" pitchFamily="34" charset="0"/>
+                <a:cs typeface="Tunga" panose="020B0502040204020203" pitchFamily="34" charset="0"/>
               </a:rPr>
               <a:t> </a:t>
             </a:r>
             <a:r>
-              <a:rPr lang="de-AT" dirty="0" err="1">
-                <a:solidFill>
-                  <a:schemeClr val="bg1"/>
-                </a:solidFill>
+              <a:rPr lang="de-AT" sz="2000" dirty="0" err="1">
+                <a:solidFill>
+                  <a:schemeClr val="bg1"/>
+                </a:solidFill>
+                <a:latin typeface="Corbel" panose="020B0503020204020204" pitchFamily="34" charset="0"/>
+                <a:cs typeface="Tunga" panose="020B0502040204020203" pitchFamily="34" charset="0"/>
               </a:rPr>
               <a:t>with</a:t>
             </a:r>
             <a:r>
-              <a:rPr lang="de-AT" dirty="0">
-                <a:solidFill>
-                  <a:schemeClr val="bg1"/>
-                </a:solidFill>
+              <a:rPr lang="de-AT" sz="2000" dirty="0">
+                <a:solidFill>
+                  <a:schemeClr val="bg1"/>
+                </a:solidFill>
+                <a:latin typeface="Corbel" panose="020B0503020204020204" pitchFamily="34" charset="0"/>
+                <a:cs typeface="Tunga" panose="020B0502040204020203" pitchFamily="34" charset="0"/>
               </a:rPr>
               <a:t> </a:t>
             </a:r>
             <a:r>
-              <a:rPr lang="de-AT" dirty="0" err="1">
-                <a:solidFill>
-                  <a:schemeClr val="bg1"/>
-                </a:solidFill>
+              <a:rPr lang="de-AT" sz="2000" dirty="0" err="1">
+                <a:solidFill>
+                  <a:schemeClr val="bg1"/>
+                </a:solidFill>
+                <a:latin typeface="Corbel" panose="020B0503020204020204" pitchFamily="34" charset="0"/>
+                <a:cs typeface="Tunga" panose="020B0502040204020203" pitchFamily="34" charset="0"/>
               </a:rPr>
               <a:t>asset</a:t>
             </a:r>
             <a:r>
-              <a:rPr lang="de-AT" dirty="0">
-                <a:solidFill>
-                  <a:schemeClr val="bg1"/>
-                </a:solidFill>
+              <a:rPr lang="de-AT" sz="2000" dirty="0">
+                <a:solidFill>
+                  <a:schemeClr val="bg1"/>
+                </a:solidFill>
+                <a:latin typeface="Corbel" panose="020B0503020204020204" pitchFamily="34" charset="0"/>
+                <a:cs typeface="Tunga" panose="020B0502040204020203" pitchFamily="34" charset="0"/>
               </a:rPr>
               <a:t> pack </a:t>
             </a:r>
             <a:r>
-              <a:rPr lang="de-AT" dirty="0" err="1">
-                <a:solidFill>
-                  <a:schemeClr val="bg1"/>
-                </a:solidFill>
+              <a:rPr lang="de-AT" sz="2000" dirty="0" err="1">
+                <a:solidFill>
+                  <a:schemeClr val="bg1"/>
+                </a:solidFill>
+                <a:latin typeface="Corbel" panose="020B0503020204020204" pitchFamily="34" charset="0"/>
+                <a:cs typeface="Tunga" panose="020B0502040204020203" pitchFamily="34" charset="0"/>
               </a:rPr>
               <a:t>from</a:t>
             </a:r>
             <a:r>
-              <a:rPr lang="de-AT" dirty="0">
-                <a:solidFill>
-                  <a:schemeClr val="bg1"/>
-                </a:solidFill>
+              <a:rPr lang="de-AT" sz="2000" dirty="0">
+                <a:solidFill>
+                  <a:schemeClr val="bg1"/>
+                </a:solidFill>
+                <a:latin typeface="Corbel" panose="020B0503020204020204" pitchFamily="34" charset="0"/>
+                <a:cs typeface="Tunga" panose="020B0502040204020203" pitchFamily="34" charset="0"/>
               </a:rPr>
               <a:t> </a:t>
             </a:r>
             <a:r>
-              <a:rPr lang="de-AT" dirty="0" err="1">
-                <a:solidFill>
-                  <a:schemeClr val="bg1"/>
-                </a:solidFill>
+              <a:rPr lang="de-AT" sz="2000" dirty="0" err="1">
+                <a:solidFill>
+                  <a:schemeClr val="bg1"/>
+                </a:solidFill>
+                <a:latin typeface="Corbel" panose="020B0503020204020204" pitchFamily="34" charset="0"/>
+                <a:cs typeface="Tunga" panose="020B0502040204020203" pitchFamily="34" charset="0"/>
               </a:rPr>
               <a:t>unity</a:t>
             </a:r>
             <a:r>
-              <a:rPr lang="de-AT" dirty="0">
-                <a:solidFill>
-                  <a:schemeClr val="bg1"/>
-                </a:solidFill>
+              <a:rPr lang="de-AT" sz="2000" dirty="0">
+                <a:solidFill>
+                  <a:schemeClr val="bg1"/>
+                </a:solidFill>
+                <a:latin typeface="Corbel" panose="020B0503020204020204" pitchFamily="34" charset="0"/>
+                <a:cs typeface="Tunga" panose="020B0502040204020203" pitchFamily="34" charset="0"/>
               </a:rPr>
               <a:t> </a:t>
             </a:r>
             <a:r>
-              <a:rPr lang="de-AT" dirty="0" err="1">
-                <a:solidFill>
-                  <a:schemeClr val="bg1"/>
-                </a:solidFill>
+              <a:rPr lang="de-AT" sz="2000" dirty="0" err="1">
+                <a:solidFill>
+                  <a:schemeClr val="bg1"/>
+                </a:solidFill>
+                <a:latin typeface="Corbel" panose="020B0503020204020204" pitchFamily="34" charset="0"/>
+                <a:cs typeface="Tunga" panose="020B0502040204020203" pitchFamily="34" charset="0"/>
               </a:rPr>
               <a:t>asset</a:t>
             </a:r>
             <a:r>
-              <a:rPr lang="de-AT" dirty="0">
-                <a:solidFill>
-                  <a:schemeClr val="bg1"/>
-                </a:solidFill>
+              <a:rPr lang="de-AT" sz="2000" dirty="0">
+                <a:solidFill>
+                  <a:schemeClr val="bg1"/>
+                </a:solidFill>
+                <a:latin typeface="Corbel" panose="020B0503020204020204" pitchFamily="34" charset="0"/>
+                <a:cs typeface="Tunga" panose="020B0502040204020203" pitchFamily="34" charset="0"/>
               </a:rPr>
               <a:t> </a:t>
             </a:r>
             <a:r>
-              <a:rPr lang="de-AT" dirty="0" err="1">
-                <a:solidFill>
-                  <a:schemeClr val="bg1"/>
-                </a:solidFill>
+              <a:rPr lang="de-AT" sz="2000" dirty="0" err="1">
+                <a:solidFill>
+                  <a:schemeClr val="bg1"/>
+                </a:solidFill>
+                <a:latin typeface="Corbel" panose="020B0503020204020204" pitchFamily="34" charset="0"/>
+                <a:cs typeface="Tunga" panose="020B0502040204020203" pitchFamily="34" charset="0"/>
               </a:rPr>
               <a:t>store</a:t>
             </a:r>
-            <a:endParaRPr lang="de-AT" dirty="0">
+            <a:endParaRPr lang="de-AT" sz="2000" dirty="0">
               <a:solidFill>
                 <a:schemeClr val="bg1"/>
               </a:solidFill>
+              <a:latin typeface="Corbel" panose="020B0503020204020204" pitchFamily="34" charset="0"/>
+              <a:cs typeface="Tunga" panose="020B0502040204020203" pitchFamily="34" charset="0"/>
             </a:endParaRPr>
           </a:p>
           <a:p>
-            <a:r>
-              <a:rPr lang="de-AT" dirty="0">
-                <a:solidFill>
-                  <a:schemeClr val="bg1"/>
-                </a:solidFill>
+            <a:pPr>
+              <a:lnSpc>
+                <a:spcPct val="150000"/>
+              </a:lnSpc>
+            </a:pPr>
+            <a:r>
+              <a:rPr lang="de-AT" sz="2000" dirty="0">
+                <a:solidFill>
+                  <a:schemeClr val="bg1"/>
+                </a:solidFill>
+                <a:latin typeface="Corbel" panose="020B0503020204020204" pitchFamily="34" charset="0"/>
+                <a:cs typeface="Tunga" panose="020B0502040204020203" pitchFamily="34" charset="0"/>
               </a:rPr>
               <a:t>additional </a:t>
             </a:r>
             <a:r>
-              <a:rPr lang="de-AT" dirty="0" err="1">
-                <a:solidFill>
-                  <a:schemeClr val="bg1"/>
-                </a:solidFill>
-              </a:rPr>
-              <a:t>tilemap</a:t>
-            </a:r>
-            <a:r>
-              <a:rPr lang="de-AT" dirty="0">
-                <a:solidFill>
-                  <a:schemeClr val="bg1"/>
-                </a:solidFill>
+              <a:rPr lang="de-AT" sz="2000" dirty="0" err="1">
+                <a:solidFill>
+                  <a:schemeClr val="bg1"/>
+                </a:solidFill>
+                <a:latin typeface="Corbel" panose="020B0503020204020204" pitchFamily="34" charset="0"/>
+                <a:cs typeface="Tunga" panose="020B0502040204020203" pitchFamily="34" charset="0"/>
+              </a:rPr>
+              <a:t>Tilemap</a:t>
+            </a:r>
+            <a:r>
+              <a:rPr lang="de-AT" sz="2000" dirty="0">
+                <a:solidFill>
+                  <a:schemeClr val="bg1"/>
+                </a:solidFill>
+                <a:latin typeface="Corbel" panose="020B0503020204020204" pitchFamily="34" charset="0"/>
+                <a:cs typeface="Tunga" panose="020B0502040204020203" pitchFamily="34" charset="0"/>
               </a:rPr>
               <a:t> </a:t>
             </a:r>
             <a:r>
-              <a:rPr lang="de-AT" dirty="0" err="1">
-                <a:solidFill>
-                  <a:schemeClr val="bg1"/>
-                </a:solidFill>
+              <a:rPr lang="de-AT" sz="2000" dirty="0" err="1">
+                <a:solidFill>
+                  <a:schemeClr val="bg1"/>
+                </a:solidFill>
+                <a:latin typeface="Corbel" panose="020B0503020204020204" pitchFamily="34" charset="0"/>
+                <a:cs typeface="Tunga" panose="020B0502040204020203" pitchFamily="34" charset="0"/>
               </a:rPr>
               <a:t>layer</a:t>
             </a:r>
             <a:r>
-              <a:rPr lang="de-AT" dirty="0">
-                <a:solidFill>
-                  <a:schemeClr val="bg1"/>
-                </a:solidFill>
+              <a:rPr lang="de-AT" sz="2000" dirty="0">
+                <a:solidFill>
+                  <a:schemeClr val="bg1"/>
+                </a:solidFill>
+                <a:latin typeface="Corbel" panose="020B0503020204020204" pitchFamily="34" charset="0"/>
+                <a:cs typeface="Tunga" panose="020B0502040204020203" pitchFamily="34" charset="0"/>
               </a:rPr>
               <a:t> </a:t>
             </a:r>
             <a:r>
-              <a:rPr lang="de-AT" dirty="0" err="1">
-                <a:solidFill>
-                  <a:schemeClr val="bg1"/>
-                </a:solidFill>
+              <a:rPr lang="de-AT" sz="2000" dirty="0" err="1">
+                <a:solidFill>
+                  <a:schemeClr val="bg1"/>
+                </a:solidFill>
+                <a:latin typeface="Corbel" panose="020B0503020204020204" pitchFamily="34" charset="0"/>
+                <a:cs typeface="Tunga" panose="020B0502040204020203" pitchFamily="34" charset="0"/>
               </a:rPr>
               <a:t>with</a:t>
             </a:r>
             <a:r>
-              <a:rPr lang="de-AT" dirty="0">
-                <a:solidFill>
-                  <a:schemeClr val="bg1"/>
-                </a:solidFill>
+              <a:rPr lang="de-AT" sz="2000" dirty="0">
+                <a:solidFill>
+                  <a:schemeClr val="bg1"/>
+                </a:solidFill>
+                <a:latin typeface="Corbel" panose="020B0503020204020204" pitchFamily="34" charset="0"/>
+                <a:cs typeface="Tunga" panose="020B0502040204020203" pitchFamily="34" charset="0"/>
               </a:rPr>
               <a:t> </a:t>
             </a:r>
             <a:r>
-              <a:rPr lang="de-AT" dirty="0" err="1">
-                <a:solidFill>
-                  <a:schemeClr val="bg1"/>
-                </a:solidFill>
+              <a:rPr lang="de-AT" sz="2000" dirty="0" err="1">
+                <a:solidFill>
+                  <a:schemeClr val="bg1"/>
+                </a:solidFill>
+                <a:latin typeface="Corbel" panose="020B0503020204020204" pitchFamily="34" charset="0"/>
+                <a:cs typeface="Tunga" panose="020B0502040204020203" pitchFamily="34" charset="0"/>
               </a:rPr>
               <a:t>background</a:t>
             </a:r>
             <a:r>
-              <a:rPr lang="de-AT" dirty="0">
-                <a:solidFill>
-                  <a:schemeClr val="bg1"/>
-                </a:solidFill>
+              <a:rPr lang="de-AT" sz="2000" dirty="0">
+                <a:solidFill>
+                  <a:schemeClr val="bg1"/>
+                </a:solidFill>
+                <a:latin typeface="Corbel" panose="020B0503020204020204" pitchFamily="34" charset="0"/>
+                <a:cs typeface="Tunga" panose="020B0502040204020203" pitchFamily="34" charset="0"/>
               </a:rPr>
               <a:t> </a:t>
             </a:r>
             <a:r>
-              <a:rPr lang="de-AT" dirty="0" err="1">
-                <a:solidFill>
-                  <a:schemeClr val="bg1"/>
-                </a:solidFill>
+              <a:rPr lang="de-AT" sz="2000" dirty="0" err="1">
+                <a:solidFill>
+                  <a:schemeClr val="bg1"/>
+                </a:solidFill>
+                <a:latin typeface="Corbel" panose="020B0503020204020204" pitchFamily="34" charset="0"/>
+                <a:cs typeface="Tunga" panose="020B0502040204020203" pitchFamily="34" charset="0"/>
               </a:rPr>
               <a:t>decorations</a:t>
             </a:r>
-            <a:endParaRPr lang="de-AT" dirty="0">
+            <a:endParaRPr lang="de-AT" sz="2000" dirty="0">
               <a:solidFill>
                 <a:schemeClr val="bg1"/>
               </a:solidFill>
+              <a:latin typeface="Corbel" panose="020B0503020204020204" pitchFamily="34" charset="0"/>
+              <a:cs typeface="Tunga" panose="020B0502040204020203" pitchFamily="34" charset="0"/>
             </a:endParaRPr>
           </a:p>
           <a:p>
-            <a:r>
-              <a:rPr lang="de-AT" dirty="0" err="1">
-                <a:solidFill>
-                  <a:schemeClr val="bg1"/>
-                </a:solidFill>
+            <a:pPr>
+              <a:lnSpc>
+                <a:spcPct val="150000"/>
+              </a:lnSpc>
+            </a:pPr>
+            <a:r>
+              <a:rPr lang="de-AT" sz="2000" dirty="0" err="1">
+                <a:solidFill>
+                  <a:schemeClr val="bg1"/>
+                </a:solidFill>
+                <a:latin typeface="Corbel" panose="020B0503020204020204" pitchFamily="34" charset="0"/>
+                <a:cs typeface="Tunga" panose="020B0502040204020203" pitchFamily="34" charset="0"/>
               </a:rPr>
               <a:t>perspective</a:t>
             </a:r>
             <a:r>
-              <a:rPr lang="de-AT" dirty="0">
-                <a:solidFill>
-                  <a:schemeClr val="bg1"/>
-                </a:solidFill>
+              <a:rPr lang="de-AT" sz="2000" dirty="0">
+                <a:solidFill>
+                  <a:schemeClr val="bg1"/>
+                </a:solidFill>
+                <a:latin typeface="Corbel" panose="020B0503020204020204" pitchFamily="34" charset="0"/>
+                <a:cs typeface="Tunga" panose="020B0502040204020203" pitchFamily="34" charset="0"/>
               </a:rPr>
               <a:t> </a:t>
             </a:r>
             <a:r>
-              <a:rPr lang="de-AT" dirty="0" err="1">
-                <a:solidFill>
-                  <a:schemeClr val="bg1"/>
-                </a:solidFill>
+              <a:rPr lang="de-AT" sz="2000" dirty="0" err="1">
+                <a:solidFill>
+                  <a:schemeClr val="bg1"/>
+                </a:solidFill>
+                <a:latin typeface="Corbel" panose="020B0503020204020204" pitchFamily="34" charset="0"/>
+                <a:cs typeface="Tunga" panose="020B0502040204020203" pitchFamily="34" charset="0"/>
               </a:rPr>
               <a:t>camera</a:t>
             </a:r>
             <a:r>
-              <a:rPr lang="de-AT" dirty="0">
-                <a:solidFill>
-                  <a:schemeClr val="bg1"/>
-                </a:solidFill>
+              <a:rPr lang="de-AT" sz="2000" dirty="0">
+                <a:solidFill>
+                  <a:schemeClr val="bg1"/>
+                </a:solidFill>
+                <a:latin typeface="Corbel" panose="020B0503020204020204" pitchFamily="34" charset="0"/>
+                <a:cs typeface="Tunga" panose="020B0502040204020203" pitchFamily="34" charset="0"/>
               </a:rPr>
               <a:t> </a:t>
             </a:r>
             <a:r>
-              <a:rPr lang="de-AT" dirty="0" err="1">
-                <a:solidFill>
-                  <a:schemeClr val="bg1"/>
-                </a:solidFill>
+              <a:rPr lang="de-AT" sz="2000" dirty="0" err="1">
+                <a:solidFill>
+                  <a:schemeClr val="bg1"/>
+                </a:solidFill>
+                <a:latin typeface="Corbel" panose="020B0503020204020204" pitchFamily="34" charset="0"/>
+                <a:cs typeface="Tunga" panose="020B0502040204020203" pitchFamily="34" charset="0"/>
               </a:rPr>
               <a:t>with</a:t>
             </a:r>
             <a:r>
-              <a:rPr lang="de-AT" dirty="0">
-                <a:solidFill>
-                  <a:schemeClr val="bg1"/>
-                </a:solidFill>
+              <a:rPr lang="de-AT" sz="2000" dirty="0">
+                <a:solidFill>
+                  <a:schemeClr val="bg1"/>
+                </a:solidFill>
+                <a:latin typeface="Corbel" panose="020B0503020204020204" pitchFamily="34" charset="0"/>
+                <a:cs typeface="Tunga" panose="020B0502040204020203" pitchFamily="34" charset="0"/>
               </a:rPr>
               <a:t> </a:t>
             </a:r>
             <a:r>
-              <a:rPr lang="de-AT" dirty="0" err="1">
-                <a:solidFill>
-                  <a:schemeClr val="bg1"/>
-                </a:solidFill>
+              <a:rPr lang="de-AT" sz="2000" dirty="0" err="1">
+                <a:solidFill>
+                  <a:schemeClr val="bg1"/>
+                </a:solidFill>
+                <a:latin typeface="Corbel" panose="020B0503020204020204" pitchFamily="34" charset="0"/>
+                <a:cs typeface="Tunga" panose="020B0502040204020203" pitchFamily="34" charset="0"/>
               </a:rPr>
               <a:t>several</a:t>
             </a:r>
             <a:r>
-              <a:rPr lang="de-AT" dirty="0">
-                <a:solidFill>
-                  <a:schemeClr val="bg1"/>
-                </a:solidFill>
+              <a:rPr lang="de-AT" sz="2000" dirty="0">
+                <a:solidFill>
+                  <a:schemeClr val="bg1"/>
+                </a:solidFill>
+                <a:latin typeface="Corbel" panose="020B0503020204020204" pitchFamily="34" charset="0"/>
+                <a:cs typeface="Tunga" panose="020B0502040204020203" pitchFamily="34" charset="0"/>
               </a:rPr>
               <a:t> </a:t>
             </a:r>
             <a:r>
-              <a:rPr lang="de-AT" dirty="0" err="1">
-                <a:solidFill>
-                  <a:schemeClr val="bg1"/>
-                </a:solidFill>
+              <a:rPr lang="de-AT" sz="2000" dirty="0" err="1">
+                <a:solidFill>
+                  <a:schemeClr val="bg1"/>
+                </a:solidFill>
+                <a:latin typeface="Corbel" panose="020B0503020204020204" pitchFamily="34" charset="0"/>
+                <a:cs typeface="Tunga" panose="020B0502040204020203" pitchFamily="34" charset="0"/>
               </a:rPr>
               <a:t>background</a:t>
             </a:r>
             <a:r>
-              <a:rPr lang="de-AT" dirty="0">
-                <a:solidFill>
-                  <a:schemeClr val="bg1"/>
-                </a:solidFill>
+              <a:rPr lang="de-AT" sz="2000" dirty="0">
+                <a:solidFill>
+                  <a:schemeClr val="bg1"/>
+                </a:solidFill>
+                <a:latin typeface="Corbel" panose="020B0503020204020204" pitchFamily="34" charset="0"/>
+                <a:cs typeface="Tunga" panose="020B0502040204020203" pitchFamily="34" charset="0"/>
               </a:rPr>
               <a:t> </a:t>
             </a:r>
             <a:r>
-              <a:rPr lang="de-AT" dirty="0" err="1">
-                <a:solidFill>
-                  <a:schemeClr val="bg1"/>
-                </a:solidFill>
+              <a:rPr lang="de-AT" sz="2000" dirty="0" err="1">
+                <a:solidFill>
+                  <a:schemeClr val="bg1"/>
+                </a:solidFill>
+                <a:latin typeface="Corbel" panose="020B0503020204020204" pitchFamily="34" charset="0"/>
+                <a:cs typeface="Tunga" panose="020B0502040204020203" pitchFamily="34" charset="0"/>
               </a:rPr>
               <a:t>layers</a:t>
             </a:r>
             <a:r>
-              <a:rPr lang="de-AT" dirty="0">
-                <a:solidFill>
-                  <a:schemeClr val="bg1"/>
-                </a:solidFill>
+              <a:rPr lang="de-AT" sz="2000" dirty="0">
+                <a:solidFill>
+                  <a:schemeClr val="bg1"/>
+                </a:solidFill>
+                <a:latin typeface="Corbel" panose="020B0503020204020204" pitchFamily="34" charset="0"/>
+                <a:cs typeface="Tunga" panose="020B0502040204020203" pitchFamily="34" charset="0"/>
               </a:rPr>
               <a:t> </a:t>
             </a:r>
             <a:r>
-              <a:rPr lang="de-AT" dirty="0" err="1">
-                <a:solidFill>
-                  <a:schemeClr val="bg1"/>
-                </a:solidFill>
+              <a:rPr lang="de-AT" sz="2000" dirty="0" err="1">
+                <a:solidFill>
+                  <a:schemeClr val="bg1"/>
+                </a:solidFill>
+                <a:latin typeface="Corbel" panose="020B0503020204020204" pitchFamily="34" charset="0"/>
+                <a:cs typeface="Tunga" panose="020B0502040204020203" pitchFamily="34" charset="0"/>
               </a:rPr>
               <a:t>for</a:t>
             </a:r>
             <a:r>
-              <a:rPr lang="de-AT" dirty="0">
-                <a:solidFill>
-                  <a:schemeClr val="bg1"/>
-                </a:solidFill>
+              <a:rPr lang="de-AT" sz="2000" dirty="0">
+                <a:solidFill>
+                  <a:schemeClr val="bg1"/>
+                </a:solidFill>
+                <a:latin typeface="Corbel" panose="020B0503020204020204" pitchFamily="34" charset="0"/>
+                <a:cs typeface="Tunga" panose="020B0502040204020203" pitchFamily="34" charset="0"/>
               </a:rPr>
               <a:t> </a:t>
             </a:r>
             <a:r>
-              <a:rPr lang="de-AT" dirty="0" err="1">
-                <a:solidFill>
-                  <a:schemeClr val="bg1"/>
-                </a:solidFill>
+              <a:rPr lang="de-AT" sz="2000" dirty="0" err="1">
+                <a:solidFill>
+                  <a:schemeClr val="bg1"/>
+                </a:solidFill>
+                <a:latin typeface="Corbel" panose="020B0503020204020204" pitchFamily="34" charset="0"/>
+                <a:cs typeface="Tunga" panose="020B0502040204020203" pitchFamily="34" charset="0"/>
               </a:rPr>
               <a:t>parallax</a:t>
             </a:r>
             <a:r>
-              <a:rPr lang="de-AT" dirty="0">
-                <a:solidFill>
-                  <a:schemeClr val="bg1"/>
-                </a:solidFill>
+              <a:rPr lang="de-AT" sz="2000" dirty="0">
+                <a:solidFill>
+                  <a:schemeClr val="bg1"/>
+                </a:solidFill>
+                <a:latin typeface="Corbel" panose="020B0503020204020204" pitchFamily="34" charset="0"/>
+                <a:cs typeface="Tunga" panose="020B0502040204020203" pitchFamily="34" charset="0"/>
               </a:rPr>
               <a:t> </a:t>
             </a:r>
             <a:r>
-              <a:rPr lang="de-AT" dirty="0" err="1">
-                <a:solidFill>
-                  <a:schemeClr val="bg1"/>
-                </a:solidFill>
+              <a:rPr lang="de-AT" sz="2000" dirty="0" err="1">
+                <a:solidFill>
+                  <a:schemeClr val="bg1"/>
+                </a:solidFill>
+                <a:latin typeface="Corbel" panose="020B0503020204020204" pitchFamily="34" charset="0"/>
+                <a:cs typeface="Tunga" panose="020B0502040204020203" pitchFamily="34" charset="0"/>
               </a:rPr>
               <a:t>effect</a:t>
             </a:r>
-            <a:endParaRPr lang="de-AT" dirty="0">
+            <a:endParaRPr lang="de-AT" sz="2000" dirty="0">
               <a:solidFill>
                 <a:schemeClr val="bg1"/>
               </a:solidFill>
+              <a:latin typeface="Corbel" panose="020B0503020204020204" pitchFamily="34" charset="0"/>
+              <a:cs typeface="Tunga" panose="020B0502040204020203" pitchFamily="34" charset="0"/>
             </a:endParaRPr>
           </a:p>
           <a:p>
-            <a:r>
-              <a:rPr lang="de-AT" dirty="0">
-                <a:solidFill>
-                  <a:schemeClr val="bg1"/>
-                </a:solidFill>
+            <a:pPr>
+              <a:lnSpc>
+                <a:spcPct val="150000"/>
+              </a:lnSpc>
+            </a:pPr>
+            <a:r>
+              <a:rPr lang="de-AT" sz="2000" dirty="0">
+                <a:solidFill>
+                  <a:schemeClr val="bg1"/>
+                </a:solidFill>
+                <a:latin typeface="Corbel" panose="020B0503020204020204" pitchFamily="34" charset="0"/>
+                <a:cs typeface="Tunga" panose="020B0502040204020203" pitchFamily="34" charset="0"/>
               </a:rPr>
               <a:t>UIs (</a:t>
             </a:r>
             <a:r>
-              <a:rPr lang="de-AT" dirty="0" err="1">
-                <a:solidFill>
-                  <a:schemeClr val="bg1"/>
-                </a:solidFill>
+              <a:rPr lang="de-AT" sz="2000" dirty="0" err="1">
+                <a:solidFill>
+                  <a:schemeClr val="bg1"/>
+                </a:solidFill>
+                <a:latin typeface="Corbel" panose="020B0503020204020204" pitchFamily="34" charset="0"/>
+                <a:cs typeface="Tunga" panose="020B0502040204020203" pitchFamily="34" charset="0"/>
               </a:rPr>
               <a:t>menus</a:t>
             </a:r>
             <a:r>
-              <a:rPr lang="de-AT" dirty="0">
-                <a:solidFill>
-                  <a:schemeClr val="bg1"/>
-                </a:solidFill>
+              <a:rPr lang="de-AT" sz="2000" dirty="0">
+                <a:solidFill>
+                  <a:schemeClr val="bg1"/>
+                </a:solidFill>
+                <a:latin typeface="Corbel" panose="020B0503020204020204" pitchFamily="34" charset="0"/>
+                <a:cs typeface="Tunga" panose="020B0502040204020203" pitchFamily="34" charset="0"/>
               </a:rPr>
               <a:t>, battle UI) </a:t>
             </a:r>
             <a:r>
-              <a:rPr lang="de-AT" dirty="0" err="1">
-                <a:solidFill>
-                  <a:schemeClr val="bg1"/>
-                </a:solidFill>
+              <a:rPr lang="de-AT" sz="2000" dirty="0" err="1">
+                <a:solidFill>
+                  <a:schemeClr val="bg1"/>
+                </a:solidFill>
+                <a:latin typeface="Corbel" panose="020B0503020204020204" pitchFamily="34" charset="0"/>
+                <a:cs typeface="Tunga" panose="020B0502040204020203" pitchFamily="34" charset="0"/>
               </a:rPr>
               <a:t>made</a:t>
             </a:r>
             <a:r>
-              <a:rPr lang="de-AT" dirty="0">
-                <a:solidFill>
-                  <a:schemeClr val="bg1"/>
-                </a:solidFill>
+              <a:rPr lang="de-AT" sz="2000" dirty="0">
+                <a:solidFill>
+                  <a:schemeClr val="bg1"/>
+                </a:solidFill>
+                <a:latin typeface="Corbel" panose="020B0503020204020204" pitchFamily="34" charset="0"/>
+                <a:cs typeface="Tunga" panose="020B0502040204020203" pitchFamily="34" charset="0"/>
               </a:rPr>
               <a:t> </a:t>
             </a:r>
             <a:r>
-              <a:rPr lang="de-AT" dirty="0" err="1">
-                <a:solidFill>
-                  <a:schemeClr val="bg1"/>
-                </a:solidFill>
+              <a:rPr lang="de-AT" sz="2000" dirty="0" err="1">
+                <a:solidFill>
+                  <a:schemeClr val="bg1"/>
+                </a:solidFill>
+                <a:latin typeface="Corbel" panose="020B0503020204020204" pitchFamily="34" charset="0"/>
+                <a:cs typeface="Tunga" panose="020B0502040204020203" pitchFamily="34" charset="0"/>
               </a:rPr>
               <a:t>with</a:t>
             </a:r>
             <a:r>
-              <a:rPr lang="de-AT" dirty="0">
-                <a:solidFill>
-                  <a:schemeClr val="bg1"/>
-                </a:solidFill>
+              <a:rPr lang="de-AT" sz="2000" dirty="0">
+                <a:solidFill>
+                  <a:schemeClr val="bg1"/>
+                </a:solidFill>
+                <a:latin typeface="Corbel" panose="020B0503020204020204" pitchFamily="34" charset="0"/>
+                <a:cs typeface="Tunga" panose="020B0502040204020203" pitchFamily="34" charset="0"/>
               </a:rPr>
               <a:t> Unity UI </a:t>
             </a:r>
             <a:r>
-              <a:rPr lang="de-AT" dirty="0" err="1">
-                <a:solidFill>
-                  <a:schemeClr val="bg1"/>
-                </a:solidFill>
+              <a:rPr lang="de-AT" sz="2000" dirty="0" err="1">
+                <a:solidFill>
+                  <a:schemeClr val="bg1"/>
+                </a:solidFill>
+                <a:latin typeface="Corbel" panose="020B0503020204020204" pitchFamily="34" charset="0"/>
+                <a:cs typeface="Tunga" panose="020B0502040204020203" pitchFamily="34" charset="0"/>
               </a:rPr>
               <a:t>canvas</a:t>
             </a:r>
-            <a:endParaRPr lang="de-AT" dirty="0">
+            <a:endParaRPr lang="de-AT" sz="2000" dirty="0">
               <a:solidFill>
                 <a:schemeClr val="bg1"/>
               </a:solidFill>
+              <a:latin typeface="Corbel" panose="020B0503020204020204" pitchFamily="34" charset="0"/>
+              <a:cs typeface="Tunga" panose="020B0502040204020203" pitchFamily="34" charset="0"/>
             </a:endParaRPr>
           </a:p>
           <a:p>
-            <a:r>
-              <a:rPr lang="de-AT" dirty="0" err="1">
-                <a:solidFill>
-                  <a:schemeClr val="bg1"/>
-                </a:solidFill>
+            <a:pPr>
+              <a:lnSpc>
+                <a:spcPct val="150000"/>
+              </a:lnSpc>
+            </a:pPr>
+            <a:r>
+              <a:rPr lang="de-AT" sz="2000" dirty="0" err="1">
+                <a:solidFill>
+                  <a:schemeClr val="bg1"/>
+                </a:solidFill>
+                <a:latin typeface="Corbel" panose="020B0503020204020204" pitchFamily="34" charset="0"/>
+                <a:cs typeface="Tunga" panose="020B0502040204020203" pitchFamily="34" charset="0"/>
               </a:rPr>
               <a:t>generated</a:t>
             </a:r>
             <a:r>
-              <a:rPr lang="de-AT" dirty="0">
-                <a:solidFill>
-                  <a:schemeClr val="bg1"/>
-                </a:solidFill>
+              <a:rPr lang="de-AT" sz="2000" dirty="0">
+                <a:solidFill>
+                  <a:schemeClr val="bg1"/>
+                </a:solidFill>
+                <a:latin typeface="Corbel" panose="020B0503020204020204" pitchFamily="34" charset="0"/>
+                <a:cs typeface="Tunga" panose="020B0502040204020203" pitchFamily="34" charset="0"/>
               </a:rPr>
               <a:t> </a:t>
             </a:r>
             <a:r>
-              <a:rPr lang="de-AT" dirty="0" err="1">
-                <a:solidFill>
-                  <a:schemeClr val="bg1"/>
-                </a:solidFill>
+              <a:rPr lang="de-AT" sz="2000" dirty="0" err="1">
+                <a:solidFill>
+                  <a:schemeClr val="bg1"/>
+                </a:solidFill>
+                <a:latin typeface="Corbel" panose="020B0503020204020204" pitchFamily="34" charset="0"/>
+                <a:cs typeface="Tunga" panose="020B0502040204020203" pitchFamily="34" charset="0"/>
               </a:rPr>
               <a:t>prefabs</a:t>
             </a:r>
             <a:r>
-              <a:rPr lang="de-AT" dirty="0">
-                <a:solidFill>
-                  <a:schemeClr val="bg1"/>
-                </a:solidFill>
+              <a:rPr lang="de-AT" sz="2000" dirty="0">
+                <a:solidFill>
+                  <a:schemeClr val="bg1"/>
+                </a:solidFill>
+                <a:latin typeface="Corbel" panose="020B0503020204020204" pitchFamily="34" charset="0"/>
+                <a:cs typeface="Tunga" panose="020B0502040204020203" pitchFamily="34" charset="0"/>
               </a:rPr>
               <a:t> </a:t>
             </a:r>
             <a:r>
-              <a:rPr lang="de-AT" dirty="0" err="1">
-                <a:solidFill>
-                  <a:schemeClr val="bg1"/>
-                </a:solidFill>
+              <a:rPr lang="de-AT" sz="2000" dirty="0" err="1">
+                <a:solidFill>
+                  <a:schemeClr val="bg1"/>
+                </a:solidFill>
+                <a:latin typeface="Corbel" panose="020B0503020204020204" pitchFamily="34" charset="0"/>
+                <a:cs typeface="Tunga" panose="020B0502040204020203" pitchFamily="34" charset="0"/>
               </a:rPr>
               <a:t>for</a:t>
             </a:r>
             <a:r>
-              <a:rPr lang="de-AT" dirty="0">
-                <a:solidFill>
-                  <a:schemeClr val="bg1"/>
-                </a:solidFill>
+              <a:rPr lang="de-AT" sz="2000" dirty="0">
+                <a:solidFill>
+                  <a:schemeClr val="bg1"/>
+                </a:solidFill>
+                <a:latin typeface="Corbel" panose="020B0503020204020204" pitchFamily="34" charset="0"/>
+                <a:cs typeface="Tunga" panose="020B0502040204020203" pitchFamily="34" charset="0"/>
               </a:rPr>
               <a:t> </a:t>
             </a:r>
             <a:r>
-              <a:rPr lang="de-AT" dirty="0" err="1">
-                <a:solidFill>
-                  <a:schemeClr val="bg1"/>
-                </a:solidFill>
+              <a:rPr lang="de-AT" sz="2000" dirty="0" err="1">
+                <a:solidFill>
+                  <a:schemeClr val="bg1"/>
+                </a:solidFill>
+                <a:latin typeface="Corbel" panose="020B0503020204020204" pitchFamily="34" charset="0"/>
+                <a:cs typeface="Tunga" panose="020B0502040204020203" pitchFamily="34" charset="0"/>
               </a:rPr>
               <a:t>reusable</a:t>
             </a:r>
             <a:r>
-              <a:rPr lang="de-AT" dirty="0">
-                <a:solidFill>
-                  <a:schemeClr val="bg1"/>
-                </a:solidFill>
+              <a:rPr lang="de-AT" sz="2000" dirty="0">
+                <a:solidFill>
+                  <a:schemeClr val="bg1"/>
+                </a:solidFill>
+                <a:latin typeface="Corbel" panose="020B0503020204020204" pitchFamily="34" charset="0"/>
+                <a:cs typeface="Tunga" panose="020B0502040204020203" pitchFamily="34" charset="0"/>
               </a:rPr>
               <a:t> </a:t>
             </a:r>
             <a:r>
-              <a:rPr lang="de-AT" dirty="0" err="1">
-                <a:solidFill>
-                  <a:schemeClr val="bg1"/>
-                </a:solidFill>
+              <a:rPr lang="de-AT" sz="2000" dirty="0" err="1">
+                <a:solidFill>
+                  <a:schemeClr val="bg1"/>
+                </a:solidFill>
+                <a:latin typeface="Corbel" panose="020B0503020204020204" pitchFamily="34" charset="0"/>
+                <a:cs typeface="Tunga" panose="020B0502040204020203" pitchFamily="34" charset="0"/>
               </a:rPr>
               <a:t>character</a:t>
             </a:r>
             <a:r>
-              <a:rPr lang="de-AT" dirty="0">
-                <a:solidFill>
-                  <a:schemeClr val="bg1"/>
-                </a:solidFill>
+              <a:rPr lang="de-AT" sz="2000" dirty="0">
+                <a:solidFill>
+                  <a:schemeClr val="bg1"/>
+                </a:solidFill>
+                <a:latin typeface="Corbel" panose="020B0503020204020204" pitchFamily="34" charset="0"/>
+                <a:cs typeface="Tunga" panose="020B0502040204020203" pitchFamily="34" charset="0"/>
               </a:rPr>
               <a:t>, </a:t>
             </a:r>
             <a:r>
-              <a:rPr lang="de-AT" dirty="0" err="1">
-                <a:solidFill>
-                  <a:schemeClr val="bg1"/>
-                </a:solidFill>
+              <a:rPr lang="de-AT" sz="2000" dirty="0" err="1">
+                <a:solidFill>
+                  <a:schemeClr val="bg1"/>
+                </a:solidFill>
+                <a:latin typeface="Corbel" panose="020B0503020204020204" pitchFamily="34" charset="0"/>
+                <a:cs typeface="Tunga" panose="020B0502040204020203" pitchFamily="34" charset="0"/>
               </a:rPr>
               <a:t>monsters</a:t>
             </a:r>
             <a:r>
-              <a:rPr lang="de-AT" dirty="0">
-                <a:solidFill>
-                  <a:schemeClr val="bg1"/>
-                </a:solidFill>
+              <a:rPr lang="de-AT" sz="2000" dirty="0">
+                <a:solidFill>
+                  <a:schemeClr val="bg1"/>
+                </a:solidFill>
+                <a:latin typeface="Corbel" panose="020B0503020204020204" pitchFamily="34" charset="0"/>
+                <a:cs typeface="Tunga" panose="020B0502040204020203" pitchFamily="34" charset="0"/>
               </a:rPr>
               <a:t> and </a:t>
             </a:r>
             <a:r>
-              <a:rPr lang="de-AT" dirty="0" err="1">
-                <a:solidFill>
-                  <a:schemeClr val="bg1"/>
-                </a:solidFill>
+              <a:rPr lang="de-AT" sz="2000" dirty="0" err="1">
+                <a:solidFill>
+                  <a:schemeClr val="bg1"/>
+                </a:solidFill>
+                <a:latin typeface="Corbel" panose="020B0503020204020204" pitchFamily="34" charset="0"/>
+                <a:cs typeface="Tunga" panose="020B0502040204020203" pitchFamily="34" charset="0"/>
               </a:rPr>
               <a:t>items</a:t>
             </a:r>
-            <a:endParaRPr lang="de-AT" dirty="0">
+            <a:endParaRPr lang="de-AT" sz="2000" dirty="0">
               <a:solidFill>
                 <a:schemeClr val="bg1"/>
               </a:solidFill>
+              <a:latin typeface="Corbel" panose="020B0503020204020204" pitchFamily="34" charset="0"/>
+              <a:cs typeface="Tunga" panose="020B0502040204020203" pitchFamily="34" charset="0"/>
             </a:endParaRPr>
           </a:p>
         </p:txBody>
       </p:sp>
+      <p:sp>
+        <p:nvSpPr>
+          <p:cNvPr id="4" name="Slide Number Placeholder 3">
+            <a:extLst>
+              <a:ext uri="{FF2B5EF4-FFF2-40B4-BE49-F238E27FC236}">
+                <a16:creationId xmlns:a16="http://schemas.microsoft.com/office/drawing/2014/main" id="{B0CE2671-7098-4660-8207-051E9A47EFB1}"/>
+              </a:ext>
+            </a:extLst>
+          </p:cNvPr>
+          <p:cNvSpPr>
+            <a:spLocks noGrp="1"/>
+          </p:cNvSpPr>
+          <p:nvPr>
+            <p:ph type="sldNum" sz="quarter" idx="12"/>
+          </p:nvPr>
+        </p:nvSpPr>
+        <p:spPr/>
+        <p:txBody>
+          <a:bodyPr/>
+          <a:lstStyle/>
+          <a:p>
+            <a:fld id="{A3EC7209-76EB-4857-A8CE-28EA38668999}" type="slidenum">
+              <a:rPr lang="de-AT" smtClean="0"/>
+              <a:t>5</a:t>
+            </a:fld>
+            <a:endParaRPr lang="de-AT"/>
+          </a:p>
+        </p:txBody>
+      </p:sp>
+      <p:cxnSp>
+        <p:nvCxnSpPr>
+          <p:cNvPr id="5" name="Straight Connector 4">
+            <a:extLst>
+              <a:ext uri="{FF2B5EF4-FFF2-40B4-BE49-F238E27FC236}">
+                <a16:creationId xmlns:a16="http://schemas.microsoft.com/office/drawing/2014/main" id="{38A25635-583E-434D-9D2C-5497654439D2}"/>
+              </a:ext>
+            </a:extLst>
+          </p:cNvPr>
+          <p:cNvCxnSpPr/>
+          <p:nvPr/>
+        </p:nvCxnSpPr>
+        <p:spPr>
+          <a:xfrm>
+            <a:off x="950741" y="1448972"/>
+            <a:ext cx="10022059" cy="0"/>
+          </a:xfrm>
+          <a:prstGeom prst="line">
+            <a:avLst/>
+          </a:prstGeom>
+          <a:ln w="28575">
+            <a:solidFill>
+              <a:schemeClr val="bg1"/>
+            </a:solidFill>
+          </a:ln>
+        </p:spPr>
+        <p:style>
+          <a:lnRef idx="1">
+            <a:schemeClr val="accent1"/>
+          </a:lnRef>
+          <a:fillRef idx="0">
+            <a:schemeClr val="accent1"/>
+          </a:fillRef>
+          <a:effectRef idx="0">
+            <a:schemeClr val="accent1"/>
+          </a:effectRef>
+          <a:fontRef idx="minor">
+            <a:schemeClr val="tx1"/>
+          </a:fontRef>
+        </p:style>
+      </p:cxnSp>
     </p:spTree>
     <p:extLst>
       <p:ext uri="{BB962C8B-B14F-4D97-AF65-F5344CB8AC3E}">
@@ -5226,14 +6227,6 @@
 <file path=ppt/slides/slide6.xml><?xml version="1.0" encoding="utf-8"?>
 <p:sld xmlns:a="http://schemas.openxmlformats.org/drawingml/2006/main" xmlns:r="http://schemas.openxmlformats.org/officeDocument/2006/relationships" xmlns:p="http://schemas.openxmlformats.org/presentationml/2006/main">
   <p:cSld>
-    <p:bg>
-      <p:bgPr>
-        <a:solidFill>
-          <a:srgbClr val="45657B"/>
-        </a:solidFill>
-        <a:effectLst/>
-      </p:bgPr>
-    </p:bg>
     <p:spTree>
       <p:nvGrpSpPr>
         <p:cNvPr id="1" name=""/>
@@ -5274,6 +6267,8 @@
                 <a:solidFill>
                   <a:schemeClr val="bg1"/>
                 </a:solidFill>
+                <a:latin typeface="Aharoni" panose="02010803020104030203" pitchFamily="2" charset="-79"/>
+                <a:cs typeface="Aharoni" panose="02010803020104030203" pitchFamily="2" charset="-79"/>
               </a:rPr>
               <a:t>Implementation – Game </a:t>
             </a:r>
@@ -5282,6 +6277,8 @@
                 <a:solidFill>
                   <a:schemeClr val="bg1"/>
                 </a:solidFill>
+                <a:latin typeface="Aharoni" panose="02010803020104030203" pitchFamily="2" charset="-79"/>
+                <a:cs typeface="Aharoni" panose="02010803020104030203" pitchFamily="2" charset="-79"/>
               </a:rPr>
               <a:t>logic</a:t>
             </a:r>
@@ -5289,6 +6286,8 @@
               <a:solidFill>
                 <a:schemeClr val="bg1"/>
               </a:solidFill>
+              <a:latin typeface="Aharoni" panose="02010803020104030203" pitchFamily="2" charset="-79"/>
+              <a:cs typeface="Aharoni" panose="02010803020104030203" pitchFamily="2" charset="-79"/>
             </a:endParaRPr>
           </a:p>
         </p:txBody>
@@ -5307,6 +6306,175 @@
           </p:cNvSpPr>
           <p:nvPr>
             <p:ph idx="1"/>
+          </p:nvPr>
+        </p:nvSpPr>
+        <p:spPr/>
+        <p:txBody>
+          <a:bodyPr>
+            <a:normAutofit fontScale="92500"/>
+          </a:bodyPr>
+          <a:lstStyle/>
+          <a:p>
+            <a:pPr>
+              <a:lnSpc>
+                <a:spcPct val="150000"/>
+              </a:lnSpc>
+            </a:pPr>
+            <a:r>
+              <a:rPr lang="en-US" sz="2200" dirty="0">
+                <a:solidFill>
+                  <a:schemeClr val="bg1"/>
+                </a:solidFill>
+                <a:latin typeface="Corbel" panose="020B0503020204020204" pitchFamily="34" charset="0"/>
+                <a:cs typeface="Tunga" panose="020B0502040204020203" pitchFamily="34" charset="0"/>
+              </a:rPr>
+              <a:t>written in C# using Visual Studio 2019</a:t>
+            </a:r>
+          </a:p>
+          <a:p>
+            <a:pPr>
+              <a:lnSpc>
+                <a:spcPct val="150000"/>
+              </a:lnSpc>
+            </a:pPr>
+            <a:r>
+              <a:rPr lang="en-US" sz="2200" dirty="0">
+                <a:solidFill>
+                  <a:schemeClr val="bg1"/>
+                </a:solidFill>
+                <a:latin typeface="Corbel" panose="020B0503020204020204" pitchFamily="34" charset="0"/>
+                <a:cs typeface="Tunga" panose="020B0502040204020203" pitchFamily="34" charset="0"/>
+              </a:rPr>
+              <a:t>turn based battle system utilizing </a:t>
+            </a:r>
+            <a:r>
+              <a:rPr lang="en-US" sz="2200" dirty="0" err="1">
+                <a:solidFill>
+                  <a:schemeClr val="bg1"/>
+                </a:solidFill>
+                <a:latin typeface="Corbel" panose="020B0503020204020204" pitchFamily="34" charset="0"/>
+                <a:cs typeface="Tunga" panose="020B0502040204020203" pitchFamily="34" charset="0"/>
+              </a:rPr>
+              <a:t>System.Collections.Generic.Queue</a:t>
+            </a:r>
+            <a:r>
+              <a:rPr lang="en-US" sz="2200" dirty="0">
+                <a:solidFill>
+                  <a:schemeClr val="bg1"/>
+                </a:solidFill>
+                <a:latin typeface="Corbel" panose="020B0503020204020204" pitchFamily="34" charset="0"/>
+                <a:cs typeface="Tunga" panose="020B0502040204020203" pitchFamily="34" charset="0"/>
+              </a:rPr>
+              <a:t>&lt;T&gt; for combat order</a:t>
+            </a:r>
+          </a:p>
+          <a:p>
+            <a:pPr>
+              <a:lnSpc>
+                <a:spcPct val="150000"/>
+              </a:lnSpc>
+            </a:pPr>
+            <a:r>
+              <a:rPr lang="en-US" sz="2200" dirty="0">
+                <a:solidFill>
+                  <a:schemeClr val="bg1"/>
+                </a:solidFill>
+                <a:latin typeface="Corbel" panose="020B0503020204020204" pitchFamily="34" charset="0"/>
+                <a:cs typeface="Tunga" panose="020B0502040204020203" pitchFamily="34" charset="0"/>
+              </a:rPr>
+              <a:t>OOP: all character classes, monsters, items and abilities inherit from base classes for code reusability</a:t>
+            </a:r>
+          </a:p>
+          <a:p>
+            <a:pPr>
+              <a:lnSpc>
+                <a:spcPct val="150000"/>
+              </a:lnSpc>
+            </a:pPr>
+            <a:r>
+              <a:rPr lang="en-US" sz="2200" b="1" dirty="0" err="1">
+                <a:solidFill>
+                  <a:schemeClr val="bg1"/>
+                </a:solidFill>
+                <a:latin typeface="Corbel" panose="020B0503020204020204" pitchFamily="34" charset="0"/>
+                <a:cs typeface="Tunga" panose="020B0502040204020203" pitchFamily="34" charset="0"/>
+              </a:rPr>
+              <a:t>WorldComponents</a:t>
+            </a:r>
+            <a:r>
+              <a:rPr lang="en-US" sz="2200" dirty="0">
+                <a:solidFill>
+                  <a:schemeClr val="bg1"/>
+                </a:solidFill>
+                <a:latin typeface="Corbel" panose="020B0503020204020204" pitchFamily="34" charset="0"/>
+                <a:cs typeface="Tunga" panose="020B0502040204020203" pitchFamily="34" charset="0"/>
+              </a:rPr>
+              <a:t> script with static variables that have to be available throughout all levels and the battle scene</a:t>
+            </a:r>
+          </a:p>
+          <a:p>
+            <a:pPr>
+              <a:lnSpc>
+                <a:spcPct val="150000"/>
+              </a:lnSpc>
+            </a:pPr>
+            <a:r>
+              <a:rPr lang="en-US" sz="2200" b="1" dirty="0" err="1">
+                <a:solidFill>
+                  <a:schemeClr val="bg1"/>
+                </a:solidFill>
+                <a:latin typeface="Corbel" panose="020B0503020204020204" pitchFamily="34" charset="0"/>
+                <a:cs typeface="Tunga" panose="020B0502040204020203" pitchFamily="34" charset="0"/>
+              </a:rPr>
+              <a:t>CharacterController</a:t>
+            </a:r>
+            <a:r>
+              <a:rPr lang="en-US" sz="2200" dirty="0">
+                <a:solidFill>
+                  <a:schemeClr val="bg1"/>
+                </a:solidFill>
+                <a:latin typeface="Corbel" panose="020B0503020204020204" pitchFamily="34" charset="0"/>
+                <a:cs typeface="Tunga" panose="020B0502040204020203" pitchFamily="34" charset="0"/>
+              </a:rPr>
+              <a:t> and </a:t>
+            </a:r>
+            <a:r>
+              <a:rPr lang="en-US" sz="2200" b="1" dirty="0" err="1">
+                <a:solidFill>
+                  <a:schemeClr val="bg1"/>
+                </a:solidFill>
+                <a:latin typeface="Corbel" panose="020B0503020204020204" pitchFamily="34" charset="0"/>
+                <a:cs typeface="Tunga" panose="020B0502040204020203" pitchFamily="34" charset="0"/>
+              </a:rPr>
+              <a:t>PatrolController</a:t>
+            </a:r>
+            <a:r>
+              <a:rPr lang="en-US" sz="2200" dirty="0">
+                <a:solidFill>
+                  <a:schemeClr val="bg1"/>
+                </a:solidFill>
+                <a:latin typeface="Corbel" panose="020B0503020204020204" pitchFamily="34" charset="0"/>
+                <a:cs typeface="Tunga" panose="020B0502040204020203" pitchFamily="34" charset="0"/>
+              </a:rPr>
+              <a:t> scripts for movement of player and monsters in world</a:t>
+            </a:r>
+          </a:p>
+        </p:txBody>
+      </p:sp>
+      <p:sp>
+        <p:nvSpPr>
+          <p:cNvPr id="4" name="Slide Number Placeholder 3">
+            <a:extLst>
+              <a:ext uri="{FF2B5EF4-FFF2-40B4-BE49-F238E27FC236}">
+                <a16:creationId xmlns:a16="http://schemas.microsoft.com/office/drawing/2014/main" id="{66D56B91-3607-456C-9113-3B2E8DBC6135}"/>
+              </a:ext>
+            </a:extLst>
+          </p:cNvPr>
+          <p:cNvSpPr>
+            <a:spLocks noGrp="1"/>
+          </p:cNvSpPr>
+          <p:nvPr>
+            <p:ph type="sldNum" sz="quarter" idx="12"/>
           </p:nvPr>
         </p:nvSpPr>
         <p:spPr/>
@@ -5314,112 +6482,55 @@
           <a:bodyPr/>
           <a:lstStyle/>
           <a:p>
-            <a:r>
-              <a:rPr lang="en-US" dirty="0">
-                <a:solidFill>
-                  <a:schemeClr val="bg1"/>
-                </a:solidFill>
-              </a:rPr>
-              <a:t>written in C# using Visual Studio 2019</a:t>
-            </a:r>
-          </a:p>
-          <a:p>
-            <a:r>
-              <a:rPr lang="en-US" dirty="0">
-                <a:solidFill>
-                  <a:schemeClr val="bg1"/>
-                </a:solidFill>
-              </a:rPr>
-              <a:t>turn based battle system utilizing </a:t>
-            </a:r>
-            <a:r>
-              <a:rPr lang="en-US" dirty="0" err="1">
-                <a:solidFill>
-                  <a:schemeClr val="bg1"/>
-                </a:solidFill>
-              </a:rPr>
-              <a:t>System.Collections.Generic.Queue</a:t>
-            </a:r>
-            <a:r>
-              <a:rPr lang="en-US" dirty="0">
-                <a:solidFill>
-                  <a:schemeClr val="bg1"/>
-                </a:solidFill>
-              </a:rPr>
-              <a:t>&lt;T&gt; for combat order</a:t>
-            </a:r>
-          </a:p>
-          <a:p>
-            <a:r>
-              <a:rPr lang="en-US" dirty="0">
-                <a:solidFill>
-                  <a:schemeClr val="bg1"/>
-                </a:solidFill>
-              </a:rPr>
-              <a:t>OOP: all character classes, monsters, items and abilities inherit from base classes for code reusability</a:t>
-            </a:r>
-          </a:p>
-          <a:p>
-            <a:r>
-              <a:rPr lang="en-US" dirty="0" err="1">
-                <a:solidFill>
-                  <a:schemeClr val="bg1"/>
-                </a:solidFill>
-              </a:rPr>
-              <a:t>WorldComponents</a:t>
-            </a:r>
-            <a:r>
-              <a:rPr lang="en-US" dirty="0">
-                <a:solidFill>
-                  <a:schemeClr val="bg1"/>
-                </a:solidFill>
-              </a:rPr>
-              <a:t> script with static variables that have to be available throughout all levels and the battle scene</a:t>
-            </a:r>
-          </a:p>
-          <a:p>
-            <a:r>
-              <a:rPr lang="en-US" dirty="0" err="1">
-                <a:solidFill>
-                  <a:schemeClr val="bg1"/>
-                </a:solidFill>
-              </a:rPr>
-              <a:t>CharacterController</a:t>
-            </a:r>
-            <a:r>
-              <a:rPr lang="en-US" dirty="0">
-                <a:solidFill>
-                  <a:schemeClr val="bg1"/>
-                </a:solidFill>
-              </a:rPr>
-              <a:t> and </a:t>
-            </a:r>
-            <a:r>
-              <a:rPr lang="en-US" dirty="0" err="1">
-                <a:solidFill>
-                  <a:schemeClr val="bg1"/>
-                </a:solidFill>
-              </a:rPr>
-              <a:t>PatrolController</a:t>
-            </a:r>
-            <a:r>
-              <a:rPr lang="en-US" dirty="0">
-                <a:solidFill>
-                  <a:schemeClr val="bg1"/>
-                </a:solidFill>
-              </a:rPr>
-              <a:t> scripts for movement of player and monsters in world</a:t>
-            </a:r>
-          </a:p>
-          <a:p>
-            <a:endParaRPr lang="en-US" dirty="0">
-              <a:solidFill>
-                <a:schemeClr val="bg1"/>
-              </a:solidFill>
-            </a:endParaRPr>
-          </a:p>
-        </p:txBody>
-      </p:sp>
+            <a:fld id="{A3EC7209-76EB-4857-A8CE-28EA38668999}" type="slidenum">
+              <a:rPr lang="de-AT" smtClean="0"/>
+              <a:t>6</a:t>
+            </a:fld>
+            <a:endParaRPr lang="de-AT"/>
+          </a:p>
+        </p:txBody>
+      </p:sp>
+      <p:cxnSp>
+        <p:nvCxnSpPr>
+          <p:cNvPr id="5" name="Straight Connector 4">
+            <a:extLst>
+              <a:ext uri="{FF2B5EF4-FFF2-40B4-BE49-F238E27FC236}">
+                <a16:creationId xmlns:a16="http://schemas.microsoft.com/office/drawing/2014/main" id="{0CCDABF9-5227-4BF4-8584-C2004D154501}"/>
+              </a:ext>
+            </a:extLst>
+          </p:cNvPr>
+          <p:cNvCxnSpPr/>
+          <p:nvPr/>
+        </p:nvCxnSpPr>
+        <p:spPr>
+          <a:xfrm>
+            <a:off x="950741" y="1448972"/>
+            <a:ext cx="10022059" cy="0"/>
+          </a:xfrm>
+          <a:prstGeom prst="line">
+            <a:avLst/>
+          </a:prstGeom>
+          <a:ln w="28575">
+            <a:solidFill>
+              <a:schemeClr val="bg1"/>
+            </a:solidFill>
+          </a:ln>
+        </p:spPr>
+        <p:style>
+          <a:lnRef idx="1">
+            <a:schemeClr val="accent1"/>
+          </a:lnRef>
+          <a:fillRef idx="0">
+            <a:schemeClr val="accent1"/>
+          </a:fillRef>
+          <a:effectRef idx="0">
+            <a:schemeClr val="accent1"/>
+          </a:effectRef>
+          <a:fontRef idx="minor">
+            <a:schemeClr val="tx1"/>
+          </a:fontRef>
+        </p:style>
+      </p:cxnSp>
     </p:spTree>
     <p:extLst>
       <p:ext uri="{BB962C8B-B14F-4D97-AF65-F5344CB8AC3E}">
@@ -5436,14 +6547,6 @@
 <file path=ppt/slides/slide7.xml><?xml version="1.0" encoding="utf-8"?>
 <p:sld xmlns:a="http://schemas.openxmlformats.org/drawingml/2006/main" xmlns:r="http://schemas.openxmlformats.org/officeDocument/2006/relationships" xmlns:p="http://schemas.openxmlformats.org/presentationml/2006/main">
   <p:cSld>
-    <p:bg>
-      <p:bgPr>
-        <a:solidFill>
-          <a:srgbClr val="45657B"/>
-        </a:solidFill>
-        <a:effectLst/>
-      </p:bgPr>
-    </p:bg>
     <p:spTree>
       <p:nvGrpSpPr>
         <p:cNvPr id="1" name=""/>
@@ -5484,6 +6587,8 @@
                 <a:solidFill>
                   <a:schemeClr val="bg1"/>
                 </a:solidFill>
+                <a:latin typeface="Aharoni" panose="02010803020104030203" pitchFamily="2" charset="-79"/>
+                <a:cs typeface="Aharoni" panose="02010803020104030203" pitchFamily="2" charset="-79"/>
               </a:rPr>
               <a:t>Implementation – </a:t>
             </a:r>
@@ -5492,6 +6597,8 @@
                 <a:solidFill>
                   <a:schemeClr val="bg1"/>
                 </a:solidFill>
+                <a:latin typeface="Aharoni" panose="02010803020104030203" pitchFamily="2" charset="-79"/>
+                <a:cs typeface="Aharoni" panose="02010803020104030203" pitchFamily="2" charset="-79"/>
               </a:rPr>
               <a:t>Animations</a:t>
             </a:r>
@@ -5500,6 +6607,8 @@
                 <a:solidFill>
                   <a:schemeClr val="bg1"/>
                 </a:solidFill>
+                <a:latin typeface="Aharoni" panose="02010803020104030203" pitchFamily="2" charset="-79"/>
+                <a:cs typeface="Aharoni" panose="02010803020104030203" pitchFamily="2" charset="-79"/>
               </a:rPr>
               <a:t> &amp; Sound</a:t>
             </a:r>
@@ -5524,78 +6633,103 @@
         </p:nvSpPr>
         <p:spPr/>
         <p:txBody>
-          <a:bodyPr/>
+          <a:bodyPr>
+            <a:normAutofit/>
+          </a:bodyPr>
           <a:lstStyle/>
           <a:p>
-            <a:r>
-              <a:rPr lang="de-AT" dirty="0" err="1">
-                <a:solidFill>
-                  <a:schemeClr val="bg1"/>
-                </a:solidFill>
+            <a:pPr>
+              <a:lnSpc>
+                <a:spcPct val="150000"/>
+              </a:lnSpc>
+            </a:pPr>
+            <a:r>
+              <a:rPr lang="de-AT" sz="2000" dirty="0" err="1">
+                <a:solidFill>
+                  <a:schemeClr val="bg1"/>
+                </a:solidFill>
+                <a:latin typeface="Corbel" panose="020B0503020204020204" pitchFamily="34" charset="0"/>
+                <a:cs typeface="Tunga" panose="020B0502040204020203" pitchFamily="34" charset="0"/>
               </a:rPr>
               <a:t>character</a:t>
             </a:r>
             <a:r>
-              <a:rPr lang="de-AT" dirty="0">
-                <a:solidFill>
-                  <a:schemeClr val="bg1"/>
-                </a:solidFill>
+              <a:rPr lang="de-AT" sz="2000" dirty="0">
+                <a:solidFill>
+                  <a:schemeClr val="bg1"/>
+                </a:solidFill>
+                <a:latin typeface="Corbel" panose="020B0503020204020204" pitchFamily="34" charset="0"/>
+                <a:cs typeface="Tunga" panose="020B0502040204020203" pitchFamily="34" charset="0"/>
               </a:rPr>
               <a:t> and </a:t>
             </a:r>
             <a:r>
-              <a:rPr lang="de-AT" dirty="0" err="1">
-                <a:solidFill>
-                  <a:schemeClr val="bg1"/>
-                </a:solidFill>
+              <a:rPr lang="de-AT" sz="2000" dirty="0" err="1">
+                <a:solidFill>
+                  <a:schemeClr val="bg1"/>
+                </a:solidFill>
+                <a:latin typeface="Corbel" panose="020B0503020204020204" pitchFamily="34" charset="0"/>
+                <a:cs typeface="Tunga" panose="020B0502040204020203" pitchFamily="34" charset="0"/>
               </a:rPr>
               <a:t>monster</a:t>
             </a:r>
             <a:r>
-              <a:rPr lang="de-AT" dirty="0">
-                <a:solidFill>
-                  <a:schemeClr val="bg1"/>
-                </a:solidFill>
+              <a:rPr lang="de-AT" sz="2000" dirty="0">
+                <a:solidFill>
+                  <a:schemeClr val="bg1"/>
+                </a:solidFill>
+                <a:latin typeface="Corbel" panose="020B0503020204020204" pitchFamily="34" charset="0"/>
+                <a:cs typeface="Tunga" panose="020B0502040204020203" pitchFamily="34" charset="0"/>
               </a:rPr>
               <a:t> </a:t>
             </a:r>
             <a:r>
-              <a:rPr lang="de-AT" dirty="0" err="1">
-                <a:solidFill>
-                  <a:schemeClr val="bg1"/>
-                </a:solidFill>
+              <a:rPr lang="de-AT" sz="2000" dirty="0" err="1">
+                <a:solidFill>
+                  <a:schemeClr val="bg1"/>
+                </a:solidFill>
+                <a:latin typeface="Corbel" panose="020B0503020204020204" pitchFamily="34" charset="0"/>
+                <a:cs typeface="Tunga" panose="020B0502040204020203" pitchFamily="34" charset="0"/>
               </a:rPr>
               <a:t>sprites</a:t>
             </a:r>
             <a:r>
-              <a:rPr lang="de-AT" dirty="0">
-                <a:solidFill>
-                  <a:schemeClr val="bg1"/>
-                </a:solidFill>
+              <a:rPr lang="de-AT" sz="2000" dirty="0">
+                <a:solidFill>
+                  <a:schemeClr val="bg1"/>
+                </a:solidFill>
+                <a:latin typeface="Corbel" panose="020B0503020204020204" pitchFamily="34" charset="0"/>
+                <a:cs typeface="Tunga" panose="020B0502040204020203" pitchFamily="34" charset="0"/>
               </a:rPr>
               <a:t> </a:t>
             </a:r>
             <a:r>
-              <a:rPr lang="de-AT" dirty="0" err="1">
-                <a:solidFill>
-                  <a:schemeClr val="bg1"/>
-                </a:solidFill>
+              <a:rPr lang="de-AT" sz="2000" dirty="0" err="1">
+                <a:solidFill>
+                  <a:schemeClr val="bg1"/>
+                </a:solidFill>
+                <a:latin typeface="Corbel" panose="020B0503020204020204" pitchFamily="34" charset="0"/>
+                <a:cs typeface="Tunga" panose="020B0502040204020203" pitchFamily="34" charset="0"/>
               </a:rPr>
               <a:t>purchased</a:t>
             </a:r>
             <a:r>
-              <a:rPr lang="de-AT" dirty="0">
-                <a:solidFill>
-                  <a:schemeClr val="bg1"/>
-                </a:solidFill>
+              <a:rPr lang="de-AT" sz="2000" dirty="0">
+                <a:solidFill>
+                  <a:schemeClr val="bg1"/>
+                </a:solidFill>
+                <a:latin typeface="Corbel" panose="020B0503020204020204" pitchFamily="34" charset="0"/>
+                <a:cs typeface="Tunga" panose="020B0502040204020203" pitchFamily="34" charset="0"/>
               </a:rPr>
               <a:t> on </a:t>
             </a:r>
             <a:r>
-              <a:rPr lang="de-AT" dirty="0">
-                <a:solidFill>
-                  <a:srgbClr val="00B050"/>
-                </a:solidFill>
+              <a:rPr lang="de-AT" sz="2000" dirty="0">
+                <a:solidFill>
+                  <a:schemeClr val="bg1"/>
+                </a:solidFill>
+                <a:latin typeface="Corbel" panose="020B0503020204020204" pitchFamily="34" charset="0"/>
+                <a:cs typeface="Tunga" panose="020B0502040204020203" pitchFamily="34" charset="0"/>
                 <a:hlinkClick r:id="rId2">
                   <a:extLst>
                     <a:ext uri="{A12FA001-AC4F-418D-AE19-62706E023703}">
@@ -5607,427 +6741,628 @@
               <a:t>https://oco.itch.io/</a:t>
             </a:r>
             <a:r>
-              <a:rPr lang="de-AT" dirty="0">
-                <a:solidFill>
-                  <a:srgbClr val="00B050"/>
-                </a:solidFill>
+              <a:rPr lang="de-AT" sz="2000" dirty="0">
+                <a:solidFill>
+                  <a:schemeClr val="bg1"/>
+                </a:solidFill>
+                <a:latin typeface="Corbel" panose="020B0503020204020204" pitchFamily="34" charset="0"/>
+                <a:cs typeface="Tunga" panose="020B0502040204020203" pitchFamily="34" charset="0"/>
               </a:rPr>
               <a:t> </a:t>
             </a:r>
             <a:r>
-              <a:rPr lang="de-AT" dirty="0" err="1">
-                <a:solidFill>
-                  <a:schemeClr val="bg1"/>
-                </a:solidFill>
+              <a:rPr lang="de-AT" sz="2000" dirty="0" err="1">
+                <a:solidFill>
+                  <a:schemeClr val="bg1"/>
+                </a:solidFill>
+                <a:latin typeface="Corbel" panose="020B0503020204020204" pitchFamily="34" charset="0"/>
+                <a:cs typeface="Tunga" panose="020B0502040204020203" pitchFamily="34" charset="0"/>
               </a:rPr>
               <a:t>for</a:t>
             </a:r>
             <a:r>
-              <a:rPr lang="de-AT" dirty="0">
-                <a:solidFill>
-                  <a:schemeClr val="bg1"/>
-                </a:solidFill>
+              <a:rPr lang="de-AT" sz="2000" dirty="0">
+                <a:solidFill>
+                  <a:schemeClr val="bg1"/>
+                </a:solidFill>
+                <a:latin typeface="Corbel" panose="020B0503020204020204" pitchFamily="34" charset="0"/>
+                <a:cs typeface="Tunga" panose="020B0502040204020203" pitchFamily="34" charset="0"/>
               </a:rPr>
               <a:t> a </a:t>
             </a:r>
             <a:r>
-              <a:rPr lang="de-AT" dirty="0" err="1">
-                <a:solidFill>
-                  <a:schemeClr val="bg1"/>
-                </a:solidFill>
+              <a:rPr lang="de-AT" sz="2000" dirty="0" err="1">
+                <a:solidFill>
+                  <a:schemeClr val="bg1"/>
+                </a:solidFill>
+                <a:latin typeface="Corbel" panose="020B0503020204020204" pitchFamily="34" charset="0"/>
+                <a:cs typeface="Tunga" panose="020B0502040204020203" pitchFamily="34" charset="0"/>
               </a:rPr>
               <a:t>small</a:t>
             </a:r>
             <a:r>
-              <a:rPr lang="de-AT" dirty="0">
-                <a:solidFill>
-                  <a:schemeClr val="bg1"/>
-                </a:solidFill>
+              <a:rPr lang="de-AT" sz="2000" dirty="0">
+                <a:solidFill>
+                  <a:schemeClr val="bg1"/>
+                </a:solidFill>
+                <a:latin typeface="Corbel" panose="020B0503020204020204" pitchFamily="34" charset="0"/>
+                <a:cs typeface="Tunga" panose="020B0502040204020203" pitchFamily="34" charset="0"/>
               </a:rPr>
               <a:t> </a:t>
             </a:r>
             <a:r>
-              <a:rPr lang="de-AT" dirty="0" err="1">
-                <a:solidFill>
-                  <a:schemeClr val="bg1"/>
-                </a:solidFill>
+              <a:rPr lang="de-AT" sz="2000" dirty="0" err="1">
+                <a:solidFill>
+                  <a:schemeClr val="bg1"/>
+                </a:solidFill>
+                <a:latin typeface="Corbel" panose="020B0503020204020204" pitchFamily="34" charset="0"/>
+                <a:cs typeface="Tunga" panose="020B0502040204020203" pitchFamily="34" charset="0"/>
               </a:rPr>
               <a:t>fee</a:t>
             </a:r>
-            <a:endParaRPr lang="de-AT" dirty="0">
+            <a:endParaRPr lang="de-AT" sz="2000" dirty="0">
               <a:solidFill>
                 <a:schemeClr val="bg1"/>
               </a:solidFill>
+              <a:latin typeface="Corbel" panose="020B0503020204020204" pitchFamily="34" charset="0"/>
+              <a:cs typeface="Tunga" panose="020B0502040204020203" pitchFamily="34" charset="0"/>
             </a:endParaRPr>
           </a:p>
           <a:p>
-            <a:r>
-              <a:rPr lang="de-AT" dirty="0" err="1">
-                <a:solidFill>
-                  <a:schemeClr val="bg1"/>
-                </a:solidFill>
+            <a:pPr>
+              <a:lnSpc>
+                <a:spcPct val="150000"/>
+              </a:lnSpc>
+            </a:pPr>
+            <a:r>
+              <a:rPr lang="de-AT" sz="2000" dirty="0" err="1">
+                <a:solidFill>
+                  <a:schemeClr val="bg1"/>
+                </a:solidFill>
+                <a:latin typeface="Corbel" panose="020B0503020204020204" pitchFamily="34" charset="0"/>
+                <a:cs typeface="Tunga" panose="020B0502040204020203" pitchFamily="34" charset="0"/>
               </a:rPr>
               <a:t>separated</a:t>
             </a:r>
             <a:r>
-              <a:rPr lang="de-AT" dirty="0">
-                <a:solidFill>
-                  <a:schemeClr val="bg1"/>
-                </a:solidFill>
+              <a:rPr lang="de-AT" sz="2000" dirty="0">
+                <a:solidFill>
+                  <a:schemeClr val="bg1"/>
+                </a:solidFill>
+                <a:latin typeface="Corbel" panose="020B0503020204020204" pitchFamily="34" charset="0"/>
+                <a:cs typeface="Tunga" panose="020B0502040204020203" pitchFamily="34" charset="0"/>
               </a:rPr>
               <a:t> different </a:t>
             </a:r>
             <a:r>
-              <a:rPr lang="de-AT" dirty="0" err="1">
-                <a:solidFill>
-                  <a:schemeClr val="bg1"/>
-                </a:solidFill>
+              <a:rPr lang="de-AT" sz="2000" dirty="0" err="1">
+                <a:solidFill>
+                  <a:schemeClr val="bg1"/>
+                </a:solidFill>
+                <a:latin typeface="Corbel" panose="020B0503020204020204" pitchFamily="34" charset="0"/>
+                <a:cs typeface="Tunga" panose="020B0502040204020203" pitchFamily="34" charset="0"/>
               </a:rPr>
               <a:t>frames</a:t>
             </a:r>
             <a:r>
-              <a:rPr lang="de-AT" dirty="0">
-                <a:solidFill>
-                  <a:schemeClr val="bg1"/>
-                </a:solidFill>
+              <a:rPr lang="de-AT" sz="2000" dirty="0">
+                <a:solidFill>
+                  <a:schemeClr val="bg1"/>
+                </a:solidFill>
+                <a:latin typeface="Corbel" panose="020B0503020204020204" pitchFamily="34" charset="0"/>
+                <a:cs typeface="Tunga" panose="020B0502040204020203" pitchFamily="34" charset="0"/>
               </a:rPr>
               <a:t> </a:t>
             </a:r>
             <a:r>
-              <a:rPr lang="de-AT" dirty="0" err="1">
-                <a:solidFill>
-                  <a:schemeClr val="bg1"/>
-                </a:solidFill>
+              <a:rPr lang="de-AT" sz="2000" dirty="0" err="1">
+                <a:solidFill>
+                  <a:schemeClr val="bg1"/>
+                </a:solidFill>
+                <a:latin typeface="Corbel" panose="020B0503020204020204" pitchFamily="34" charset="0"/>
+                <a:cs typeface="Tunga" panose="020B0502040204020203" pitchFamily="34" charset="0"/>
               </a:rPr>
               <a:t>with</a:t>
             </a:r>
             <a:r>
-              <a:rPr lang="de-AT" dirty="0">
-                <a:solidFill>
-                  <a:schemeClr val="bg1"/>
-                </a:solidFill>
+              <a:rPr lang="de-AT" sz="2000" dirty="0">
+                <a:solidFill>
+                  <a:schemeClr val="bg1"/>
+                </a:solidFill>
+                <a:latin typeface="Corbel" panose="020B0503020204020204" pitchFamily="34" charset="0"/>
+                <a:cs typeface="Tunga" panose="020B0502040204020203" pitchFamily="34" charset="0"/>
               </a:rPr>
               <a:t> Unity Sprite </a:t>
             </a:r>
             <a:r>
-              <a:rPr lang="de-AT" dirty="0" err="1">
-                <a:solidFill>
-                  <a:schemeClr val="bg1"/>
-                </a:solidFill>
+              <a:rPr lang="de-AT" sz="2000" dirty="0" err="1">
+                <a:solidFill>
+                  <a:schemeClr val="bg1"/>
+                </a:solidFill>
+                <a:latin typeface="Corbel" panose="020B0503020204020204" pitchFamily="34" charset="0"/>
+                <a:cs typeface="Tunga" panose="020B0502040204020203" pitchFamily="34" charset="0"/>
               </a:rPr>
               <a:t>editor</a:t>
             </a:r>
             <a:r>
-              <a:rPr lang="de-AT" dirty="0">
-                <a:solidFill>
-                  <a:schemeClr val="bg1"/>
-                </a:solidFill>
+              <a:rPr lang="de-AT" sz="2000" dirty="0">
+                <a:solidFill>
+                  <a:schemeClr val="bg1"/>
+                </a:solidFill>
+                <a:latin typeface="Corbel" panose="020B0503020204020204" pitchFamily="34" charset="0"/>
+                <a:cs typeface="Tunga" panose="020B0502040204020203" pitchFamily="34" charset="0"/>
               </a:rPr>
               <a:t> </a:t>
             </a:r>
             <a:r>
-              <a:rPr lang="de-AT" dirty="0" err="1">
-                <a:solidFill>
-                  <a:schemeClr val="bg1"/>
-                </a:solidFill>
+              <a:rPr lang="de-AT" sz="2000" dirty="0" err="1">
+                <a:solidFill>
+                  <a:schemeClr val="bg1"/>
+                </a:solidFill>
+                <a:latin typeface="Corbel" panose="020B0503020204020204" pitchFamily="34" charset="0"/>
+                <a:cs typeface="Tunga" panose="020B0502040204020203" pitchFamily="34" charset="0"/>
               </a:rPr>
               <a:t>for</a:t>
             </a:r>
             <a:r>
-              <a:rPr lang="de-AT" dirty="0">
-                <a:solidFill>
-                  <a:schemeClr val="bg1"/>
-                </a:solidFill>
+              <a:rPr lang="de-AT" sz="2000" dirty="0">
+                <a:solidFill>
+                  <a:schemeClr val="bg1"/>
+                </a:solidFill>
+                <a:latin typeface="Corbel" panose="020B0503020204020204" pitchFamily="34" charset="0"/>
+                <a:cs typeface="Tunga" panose="020B0502040204020203" pitchFamily="34" charset="0"/>
               </a:rPr>
               <a:t> </a:t>
             </a:r>
             <a:r>
-              <a:rPr lang="de-AT" dirty="0" err="1">
-                <a:solidFill>
-                  <a:schemeClr val="bg1"/>
-                </a:solidFill>
+              <a:rPr lang="de-AT" sz="2000" dirty="0" err="1">
+                <a:solidFill>
+                  <a:schemeClr val="bg1"/>
+                </a:solidFill>
+                <a:latin typeface="Corbel" panose="020B0503020204020204" pitchFamily="34" charset="0"/>
+                <a:cs typeface="Tunga" panose="020B0502040204020203" pitchFamily="34" charset="0"/>
               </a:rPr>
               <a:t>animation</a:t>
             </a:r>
-            <a:endParaRPr lang="de-AT" dirty="0">
+            <a:endParaRPr lang="de-AT" sz="2000" dirty="0">
               <a:solidFill>
                 <a:schemeClr val="bg1"/>
               </a:solidFill>
+              <a:latin typeface="Corbel" panose="020B0503020204020204" pitchFamily="34" charset="0"/>
+              <a:cs typeface="Tunga" panose="020B0502040204020203" pitchFamily="34" charset="0"/>
             </a:endParaRPr>
           </a:p>
           <a:p>
-            <a:r>
-              <a:rPr lang="de-AT" dirty="0" err="1">
-                <a:solidFill>
-                  <a:schemeClr val="bg1"/>
-                </a:solidFill>
+            <a:pPr>
+              <a:lnSpc>
+                <a:spcPct val="150000"/>
+              </a:lnSpc>
+            </a:pPr>
+            <a:r>
+              <a:rPr lang="de-AT" sz="2000" dirty="0" err="1">
+                <a:solidFill>
+                  <a:schemeClr val="bg1"/>
+                </a:solidFill>
+                <a:latin typeface="Corbel" panose="020B0503020204020204" pitchFamily="34" charset="0"/>
+                <a:cs typeface="Tunga" panose="020B0502040204020203" pitchFamily="34" charset="0"/>
               </a:rPr>
               <a:t>animated</a:t>
             </a:r>
             <a:r>
-              <a:rPr lang="de-AT" dirty="0">
-                <a:solidFill>
-                  <a:schemeClr val="bg1"/>
-                </a:solidFill>
+              <a:rPr lang="de-AT" sz="2000" dirty="0">
+                <a:solidFill>
+                  <a:schemeClr val="bg1"/>
+                </a:solidFill>
+                <a:latin typeface="Corbel" panose="020B0503020204020204" pitchFamily="34" charset="0"/>
+                <a:cs typeface="Tunga" panose="020B0502040204020203" pitchFamily="34" charset="0"/>
               </a:rPr>
               <a:t> </a:t>
             </a:r>
             <a:r>
-              <a:rPr lang="de-AT" dirty="0" err="1">
-                <a:solidFill>
-                  <a:schemeClr val="bg1"/>
-                </a:solidFill>
+              <a:rPr lang="de-AT" sz="2000" dirty="0" err="1">
+                <a:solidFill>
+                  <a:schemeClr val="bg1"/>
+                </a:solidFill>
+                <a:latin typeface="Corbel" panose="020B0503020204020204" pitchFamily="34" charset="0"/>
+                <a:cs typeface="Tunga" panose="020B0502040204020203" pitchFamily="34" charset="0"/>
               </a:rPr>
               <a:t>with</a:t>
             </a:r>
             <a:r>
-              <a:rPr lang="de-AT" dirty="0">
-                <a:solidFill>
-                  <a:schemeClr val="bg1"/>
-                </a:solidFill>
+              <a:rPr lang="de-AT" sz="2000" dirty="0">
+                <a:solidFill>
+                  <a:schemeClr val="bg1"/>
+                </a:solidFill>
+                <a:latin typeface="Corbel" panose="020B0503020204020204" pitchFamily="34" charset="0"/>
+                <a:cs typeface="Tunga" panose="020B0502040204020203" pitchFamily="34" charset="0"/>
               </a:rPr>
               <a:t> Unity </a:t>
             </a:r>
             <a:r>
-              <a:rPr lang="de-AT" dirty="0" err="1">
-                <a:solidFill>
-                  <a:schemeClr val="bg1"/>
-                </a:solidFill>
+              <a:rPr lang="de-AT" sz="2000" dirty="0" err="1">
+                <a:solidFill>
+                  <a:schemeClr val="bg1"/>
+                </a:solidFill>
+                <a:latin typeface="Corbel" panose="020B0503020204020204" pitchFamily="34" charset="0"/>
+                <a:cs typeface="Tunga" panose="020B0502040204020203" pitchFamily="34" charset="0"/>
               </a:rPr>
               <a:t>animation</a:t>
             </a:r>
             <a:r>
-              <a:rPr lang="de-AT" dirty="0">
-                <a:solidFill>
-                  <a:schemeClr val="bg1"/>
-                </a:solidFill>
+              <a:rPr lang="de-AT" sz="2000" dirty="0">
+                <a:solidFill>
+                  <a:schemeClr val="bg1"/>
+                </a:solidFill>
+                <a:latin typeface="Corbel" panose="020B0503020204020204" pitchFamily="34" charset="0"/>
+                <a:cs typeface="Tunga" panose="020B0502040204020203" pitchFamily="34" charset="0"/>
               </a:rPr>
               <a:t> </a:t>
             </a:r>
             <a:r>
-              <a:rPr lang="de-AT" dirty="0" err="1">
-                <a:solidFill>
-                  <a:schemeClr val="bg1"/>
-                </a:solidFill>
+              <a:rPr lang="de-AT" sz="2000" dirty="0" err="1">
+                <a:solidFill>
+                  <a:schemeClr val="bg1"/>
+                </a:solidFill>
+                <a:latin typeface="Corbel" panose="020B0503020204020204" pitchFamily="34" charset="0"/>
+                <a:cs typeface="Tunga" panose="020B0502040204020203" pitchFamily="34" charset="0"/>
               </a:rPr>
               <a:t>tool</a:t>
             </a:r>
-            <a:endParaRPr lang="de-AT" dirty="0">
+            <a:endParaRPr lang="de-AT" sz="2000" dirty="0">
               <a:solidFill>
                 <a:schemeClr val="bg1"/>
               </a:solidFill>
+              <a:latin typeface="Corbel" panose="020B0503020204020204" pitchFamily="34" charset="0"/>
+              <a:cs typeface="Tunga" panose="020B0502040204020203" pitchFamily="34" charset="0"/>
             </a:endParaRPr>
           </a:p>
           <a:p>
-            <a:r>
-              <a:rPr lang="de-AT" dirty="0" err="1">
-                <a:solidFill>
-                  <a:schemeClr val="bg1"/>
-                </a:solidFill>
+            <a:pPr>
+              <a:lnSpc>
+                <a:spcPct val="150000"/>
+              </a:lnSpc>
+            </a:pPr>
+            <a:r>
+              <a:rPr lang="de-AT" sz="2000" dirty="0" err="1">
+                <a:solidFill>
+                  <a:schemeClr val="bg1"/>
+                </a:solidFill>
+                <a:latin typeface="Corbel" panose="020B0503020204020204" pitchFamily="34" charset="0"/>
+                <a:cs typeface="Tunga" panose="020B0502040204020203" pitchFamily="34" charset="0"/>
               </a:rPr>
               <a:t>controlled</a:t>
             </a:r>
             <a:r>
-              <a:rPr lang="de-AT" dirty="0">
-                <a:solidFill>
-                  <a:schemeClr val="bg1"/>
-                </a:solidFill>
+              <a:rPr lang="de-AT" sz="2000" dirty="0">
+                <a:solidFill>
+                  <a:schemeClr val="bg1"/>
+                </a:solidFill>
+                <a:latin typeface="Corbel" panose="020B0503020204020204" pitchFamily="34" charset="0"/>
+                <a:cs typeface="Tunga" panose="020B0502040204020203" pitchFamily="34" charset="0"/>
               </a:rPr>
               <a:t> </a:t>
             </a:r>
             <a:r>
-              <a:rPr lang="de-AT" dirty="0" err="1">
-                <a:solidFill>
-                  <a:schemeClr val="bg1"/>
-                </a:solidFill>
+              <a:rPr lang="de-AT" sz="2000" dirty="0" err="1">
+                <a:solidFill>
+                  <a:schemeClr val="bg1"/>
+                </a:solidFill>
+                <a:latin typeface="Corbel" panose="020B0503020204020204" pitchFamily="34" charset="0"/>
+                <a:cs typeface="Tunga" panose="020B0502040204020203" pitchFamily="34" charset="0"/>
               </a:rPr>
               <a:t>by</a:t>
             </a:r>
             <a:r>
-              <a:rPr lang="de-AT" dirty="0">
-                <a:solidFill>
-                  <a:schemeClr val="bg1"/>
-                </a:solidFill>
+              <a:rPr lang="de-AT" sz="2000" dirty="0">
+                <a:solidFill>
+                  <a:schemeClr val="bg1"/>
+                </a:solidFill>
+                <a:latin typeface="Corbel" panose="020B0503020204020204" pitchFamily="34" charset="0"/>
+                <a:cs typeface="Tunga" panose="020B0502040204020203" pitchFamily="34" charset="0"/>
               </a:rPr>
               <a:t> Animator </a:t>
             </a:r>
             <a:r>
-              <a:rPr lang="de-AT" dirty="0" err="1">
-                <a:solidFill>
-                  <a:schemeClr val="bg1"/>
-                </a:solidFill>
+              <a:rPr lang="de-AT" sz="2000" dirty="0" err="1">
+                <a:solidFill>
+                  <a:schemeClr val="bg1"/>
+                </a:solidFill>
+                <a:latin typeface="Corbel" panose="020B0503020204020204" pitchFamily="34" charset="0"/>
+                <a:cs typeface="Tunga" panose="020B0502040204020203" pitchFamily="34" charset="0"/>
               </a:rPr>
               <a:t>component</a:t>
             </a:r>
             <a:r>
-              <a:rPr lang="de-AT" dirty="0">
-                <a:solidFill>
-                  <a:schemeClr val="bg1"/>
-                </a:solidFill>
+              <a:rPr lang="de-AT" sz="2000" dirty="0">
+                <a:solidFill>
+                  <a:schemeClr val="bg1"/>
+                </a:solidFill>
+                <a:latin typeface="Corbel" panose="020B0503020204020204" pitchFamily="34" charset="0"/>
+                <a:cs typeface="Tunga" panose="020B0502040204020203" pitchFamily="34" charset="0"/>
               </a:rPr>
               <a:t> and </a:t>
             </a:r>
             <a:r>
-              <a:rPr lang="de-AT" dirty="0" err="1">
-                <a:solidFill>
-                  <a:schemeClr val="bg1"/>
-                </a:solidFill>
+              <a:rPr lang="de-AT" sz="2000" dirty="0" err="1">
+                <a:solidFill>
+                  <a:schemeClr val="bg1"/>
+                </a:solidFill>
+                <a:latin typeface="Corbel" panose="020B0503020204020204" pitchFamily="34" charset="0"/>
+                <a:cs typeface="Tunga" panose="020B0502040204020203" pitchFamily="34" charset="0"/>
               </a:rPr>
               <a:t>scripts</a:t>
             </a:r>
-            <a:endParaRPr lang="de-AT" dirty="0">
+            <a:endParaRPr lang="de-AT" sz="2000" dirty="0">
               <a:solidFill>
                 <a:schemeClr val="bg1"/>
               </a:solidFill>
+              <a:latin typeface="Corbel" panose="020B0503020204020204" pitchFamily="34" charset="0"/>
+              <a:cs typeface="Tunga" panose="020B0502040204020203" pitchFamily="34" charset="0"/>
             </a:endParaRPr>
           </a:p>
           <a:p>
-            <a:r>
-              <a:rPr lang="de-AT" dirty="0">
-                <a:solidFill>
-                  <a:schemeClr val="bg1"/>
-                </a:solidFill>
+            <a:pPr>
+              <a:lnSpc>
+                <a:spcPct val="150000"/>
+              </a:lnSpc>
+            </a:pPr>
+            <a:r>
+              <a:rPr lang="de-AT" sz="2000" dirty="0">
+                <a:solidFill>
+                  <a:schemeClr val="bg1"/>
+                </a:solidFill>
+                <a:latin typeface="Corbel" panose="020B0503020204020204" pitchFamily="34" charset="0"/>
+                <a:cs typeface="Tunga" panose="020B0502040204020203" pitchFamily="34" charset="0"/>
               </a:rPr>
               <a:t>different </a:t>
             </a:r>
             <a:r>
-              <a:rPr lang="de-AT" dirty="0" err="1">
-                <a:solidFill>
-                  <a:schemeClr val="bg1"/>
-                </a:solidFill>
+              <a:rPr lang="de-AT" sz="2000" dirty="0" err="1">
+                <a:solidFill>
+                  <a:schemeClr val="bg1"/>
+                </a:solidFill>
+                <a:latin typeface="Corbel" panose="020B0503020204020204" pitchFamily="34" charset="0"/>
+                <a:cs typeface="Tunga" panose="020B0502040204020203" pitchFamily="34" charset="0"/>
               </a:rPr>
               <a:t>background</a:t>
             </a:r>
             <a:r>
-              <a:rPr lang="de-AT" dirty="0">
-                <a:solidFill>
-                  <a:schemeClr val="bg1"/>
-                </a:solidFill>
+              <a:rPr lang="de-AT" sz="2000" dirty="0">
+                <a:solidFill>
+                  <a:schemeClr val="bg1"/>
+                </a:solidFill>
+                <a:latin typeface="Corbel" panose="020B0503020204020204" pitchFamily="34" charset="0"/>
+                <a:cs typeface="Tunga" panose="020B0502040204020203" pitchFamily="34" charset="0"/>
               </a:rPr>
               <a:t> </a:t>
             </a:r>
             <a:r>
-              <a:rPr lang="de-AT" dirty="0" err="1">
-                <a:solidFill>
-                  <a:schemeClr val="bg1"/>
-                </a:solidFill>
+              <a:rPr lang="de-AT" sz="2000" dirty="0" err="1">
+                <a:solidFill>
+                  <a:schemeClr val="bg1"/>
+                </a:solidFill>
+                <a:latin typeface="Corbel" panose="020B0503020204020204" pitchFamily="34" charset="0"/>
+                <a:cs typeface="Tunga" panose="020B0502040204020203" pitchFamily="34" charset="0"/>
               </a:rPr>
               <a:t>music</a:t>
             </a:r>
             <a:r>
-              <a:rPr lang="de-AT" dirty="0">
-                <a:solidFill>
-                  <a:schemeClr val="bg1"/>
-                </a:solidFill>
+              <a:rPr lang="de-AT" sz="2000" dirty="0">
+                <a:solidFill>
+                  <a:schemeClr val="bg1"/>
+                </a:solidFill>
+                <a:latin typeface="Corbel" panose="020B0503020204020204" pitchFamily="34" charset="0"/>
+                <a:cs typeface="Tunga" panose="020B0502040204020203" pitchFamily="34" charset="0"/>
               </a:rPr>
               <a:t> </a:t>
             </a:r>
             <a:r>
-              <a:rPr lang="de-AT" dirty="0" err="1">
-                <a:solidFill>
-                  <a:schemeClr val="bg1"/>
-                </a:solidFill>
+              <a:rPr lang="de-AT" sz="2000" dirty="0" err="1">
+                <a:solidFill>
+                  <a:schemeClr val="bg1"/>
+                </a:solidFill>
+                <a:latin typeface="Corbel" panose="020B0503020204020204" pitchFamily="34" charset="0"/>
+                <a:cs typeface="Tunga" panose="020B0502040204020203" pitchFamily="34" charset="0"/>
               </a:rPr>
               <a:t>for</a:t>
             </a:r>
             <a:r>
-              <a:rPr lang="de-AT" dirty="0">
-                <a:solidFill>
-                  <a:schemeClr val="bg1"/>
-                </a:solidFill>
+              <a:rPr lang="de-AT" sz="2000" dirty="0">
+                <a:solidFill>
+                  <a:schemeClr val="bg1"/>
+                </a:solidFill>
+                <a:latin typeface="Corbel" panose="020B0503020204020204" pitchFamily="34" charset="0"/>
+                <a:cs typeface="Tunga" panose="020B0502040204020203" pitchFamily="34" charset="0"/>
               </a:rPr>
               <a:t> </a:t>
             </a:r>
             <a:r>
-              <a:rPr lang="de-AT" dirty="0" err="1">
-                <a:solidFill>
-                  <a:schemeClr val="bg1"/>
-                </a:solidFill>
+              <a:rPr lang="de-AT" sz="2000" dirty="0" err="1">
+                <a:solidFill>
+                  <a:schemeClr val="bg1"/>
+                </a:solidFill>
+                <a:latin typeface="Corbel" panose="020B0503020204020204" pitchFamily="34" charset="0"/>
+                <a:cs typeface="Tunga" panose="020B0502040204020203" pitchFamily="34" charset="0"/>
               </a:rPr>
               <a:t>world</a:t>
             </a:r>
             <a:r>
-              <a:rPr lang="de-AT" dirty="0">
-                <a:solidFill>
-                  <a:schemeClr val="bg1"/>
-                </a:solidFill>
+              <a:rPr lang="de-AT" sz="2000" dirty="0">
+                <a:solidFill>
+                  <a:schemeClr val="bg1"/>
+                </a:solidFill>
+                <a:latin typeface="Corbel" panose="020B0503020204020204" pitchFamily="34" charset="0"/>
+                <a:cs typeface="Tunga" panose="020B0502040204020203" pitchFamily="34" charset="0"/>
               </a:rPr>
               <a:t> and battle</a:t>
             </a:r>
           </a:p>
           <a:p>
-            <a:r>
-              <a:rPr lang="de-AT" dirty="0">
-                <a:solidFill>
-                  <a:schemeClr val="bg1"/>
-                </a:solidFill>
+            <a:pPr>
+              <a:lnSpc>
+                <a:spcPct val="150000"/>
+              </a:lnSpc>
+            </a:pPr>
+            <a:r>
+              <a:rPr lang="de-AT" sz="2000" dirty="0">
+                <a:solidFill>
+                  <a:schemeClr val="bg1"/>
+                </a:solidFill>
+                <a:latin typeface="Corbel" panose="020B0503020204020204" pitchFamily="34" charset="0"/>
+                <a:cs typeface="Tunga" panose="020B0502040204020203" pitchFamily="34" charset="0"/>
               </a:rPr>
               <a:t>jump </a:t>
             </a:r>
             <a:r>
-              <a:rPr lang="de-AT" dirty="0" err="1">
-                <a:solidFill>
-                  <a:schemeClr val="bg1"/>
-                </a:solidFill>
+              <a:rPr lang="de-AT" sz="2000" dirty="0" err="1">
+                <a:solidFill>
+                  <a:schemeClr val="bg1"/>
+                </a:solidFill>
+                <a:latin typeface="Corbel" panose="020B0503020204020204" pitchFamily="34" charset="0"/>
+                <a:cs typeface="Tunga" panose="020B0502040204020203" pitchFamily="34" charset="0"/>
               </a:rPr>
               <a:t>sound</a:t>
             </a:r>
             <a:r>
-              <a:rPr lang="de-AT" dirty="0">
-                <a:solidFill>
-                  <a:schemeClr val="bg1"/>
-                </a:solidFill>
+              <a:rPr lang="de-AT" sz="2000" dirty="0">
+                <a:solidFill>
+                  <a:schemeClr val="bg1"/>
+                </a:solidFill>
+                <a:latin typeface="Corbel" panose="020B0503020204020204" pitchFamily="34" charset="0"/>
+                <a:cs typeface="Tunga" panose="020B0502040204020203" pitchFamily="34" charset="0"/>
               </a:rPr>
               <a:t> </a:t>
             </a:r>
             <a:r>
-              <a:rPr lang="de-AT" dirty="0" err="1">
-                <a:solidFill>
-                  <a:schemeClr val="bg1"/>
-                </a:solidFill>
+              <a:rPr lang="de-AT" sz="2000" dirty="0" err="1">
+                <a:solidFill>
+                  <a:schemeClr val="bg1"/>
+                </a:solidFill>
+                <a:latin typeface="Corbel" panose="020B0503020204020204" pitchFamily="34" charset="0"/>
+                <a:cs typeface="Tunga" panose="020B0502040204020203" pitchFamily="34" charset="0"/>
               </a:rPr>
               <a:t>during</a:t>
             </a:r>
             <a:r>
-              <a:rPr lang="de-AT" dirty="0">
-                <a:solidFill>
-                  <a:schemeClr val="bg1"/>
-                </a:solidFill>
+              <a:rPr lang="de-AT" sz="2000" dirty="0">
+                <a:solidFill>
+                  <a:schemeClr val="bg1"/>
+                </a:solidFill>
+                <a:latin typeface="Corbel" panose="020B0503020204020204" pitchFamily="34" charset="0"/>
+                <a:cs typeface="Tunga" panose="020B0502040204020203" pitchFamily="34" charset="0"/>
               </a:rPr>
               <a:t> </a:t>
             </a:r>
             <a:r>
-              <a:rPr lang="de-AT" dirty="0" err="1">
-                <a:solidFill>
-                  <a:schemeClr val="bg1"/>
-                </a:solidFill>
+              <a:rPr lang="de-AT" sz="2000" dirty="0" err="1">
+                <a:solidFill>
+                  <a:schemeClr val="bg1"/>
+                </a:solidFill>
+                <a:latin typeface="Corbel" panose="020B0503020204020204" pitchFamily="34" charset="0"/>
+                <a:cs typeface="Tunga" panose="020B0502040204020203" pitchFamily="34" charset="0"/>
               </a:rPr>
               <a:t>world</a:t>
             </a:r>
             <a:r>
-              <a:rPr lang="de-AT" dirty="0">
-                <a:solidFill>
-                  <a:schemeClr val="bg1"/>
-                </a:solidFill>
+              <a:rPr lang="de-AT" sz="2000" dirty="0">
+                <a:solidFill>
+                  <a:schemeClr val="bg1"/>
+                </a:solidFill>
+                <a:latin typeface="Corbel" panose="020B0503020204020204" pitchFamily="34" charset="0"/>
+                <a:cs typeface="Tunga" panose="020B0502040204020203" pitchFamily="34" charset="0"/>
               </a:rPr>
               <a:t> </a:t>
             </a:r>
             <a:r>
-              <a:rPr lang="de-AT" dirty="0" err="1">
-                <a:solidFill>
-                  <a:schemeClr val="bg1"/>
-                </a:solidFill>
+              <a:rPr lang="de-AT" sz="2000" dirty="0" err="1">
+                <a:solidFill>
+                  <a:schemeClr val="bg1"/>
+                </a:solidFill>
+                <a:latin typeface="Corbel" panose="020B0503020204020204" pitchFamily="34" charset="0"/>
+                <a:cs typeface="Tunga" panose="020B0502040204020203" pitchFamily="34" charset="0"/>
               </a:rPr>
               <a:t>exploration</a:t>
             </a:r>
-            <a:endParaRPr lang="de-AT" dirty="0">
+            <a:endParaRPr lang="de-AT" sz="2000" dirty="0">
               <a:solidFill>
                 <a:schemeClr val="bg1"/>
               </a:solidFill>
+              <a:latin typeface="Corbel" panose="020B0503020204020204" pitchFamily="34" charset="0"/>
+              <a:cs typeface="Tunga" panose="020B0502040204020203" pitchFamily="34" charset="0"/>
             </a:endParaRPr>
           </a:p>
         </p:txBody>
       </p:sp>
+      <p:sp>
+        <p:nvSpPr>
+          <p:cNvPr id="4" name="Slide Number Placeholder 3">
+            <a:extLst>
+              <a:ext uri="{FF2B5EF4-FFF2-40B4-BE49-F238E27FC236}">
+                <a16:creationId xmlns:a16="http://schemas.microsoft.com/office/drawing/2014/main" id="{B8AA64F6-5DC4-49CC-9F8D-F0D75CB6E4B5}"/>
+              </a:ext>
+            </a:extLst>
+          </p:cNvPr>
+          <p:cNvSpPr>
+            <a:spLocks noGrp="1"/>
+          </p:cNvSpPr>
+          <p:nvPr>
+            <p:ph type="sldNum" sz="quarter" idx="12"/>
+          </p:nvPr>
+        </p:nvSpPr>
+        <p:spPr/>
+        <p:txBody>
+          <a:bodyPr/>
+          <a:lstStyle/>
+          <a:p>
+            <a:fld id="{A3EC7209-76EB-4857-A8CE-28EA38668999}" type="slidenum">
+              <a:rPr lang="de-AT" smtClean="0"/>
+              <a:t>7</a:t>
+            </a:fld>
+            <a:endParaRPr lang="de-AT"/>
+          </a:p>
+        </p:txBody>
+      </p:sp>
+      <p:cxnSp>
+        <p:nvCxnSpPr>
+          <p:cNvPr id="5" name="Straight Connector 4">
+            <a:extLst>
+              <a:ext uri="{FF2B5EF4-FFF2-40B4-BE49-F238E27FC236}">
+                <a16:creationId xmlns:a16="http://schemas.microsoft.com/office/drawing/2014/main" id="{0C89E51D-417B-4931-BC93-AF6AEE16EF08}"/>
+              </a:ext>
+            </a:extLst>
+          </p:cNvPr>
+          <p:cNvCxnSpPr/>
+          <p:nvPr/>
+        </p:nvCxnSpPr>
+        <p:spPr>
+          <a:xfrm>
+            <a:off x="950741" y="1448972"/>
+            <a:ext cx="10022059" cy="0"/>
+          </a:xfrm>
+          <a:prstGeom prst="line">
+            <a:avLst/>
+          </a:prstGeom>
+          <a:ln w="28575">
+            <a:solidFill>
+              <a:schemeClr val="bg1"/>
+            </a:solidFill>
+          </a:ln>
+        </p:spPr>
+        <p:style>
+          <a:lnRef idx="1">
+            <a:schemeClr val="accent1"/>
+          </a:lnRef>
+          <a:fillRef idx="0">
+            <a:schemeClr val="accent1"/>
+          </a:fillRef>
+          <a:effectRef idx="0">
+            <a:schemeClr val="accent1"/>
+          </a:effectRef>
+          <a:fontRef idx="minor">
+            <a:schemeClr val="tx1"/>
+          </a:fontRef>
+        </p:style>
+      </p:cxnSp>
     </p:spTree>
     <p:extLst>
       <p:ext uri="{BB962C8B-B14F-4D97-AF65-F5344CB8AC3E}">
@@ -6044,14 +7379,6 @@
 <file path=ppt/slides/slide8.xml><?xml version="1.0" encoding="utf-8"?>
 <p:sld xmlns:a="http://schemas.openxmlformats.org/drawingml/2006/main" xmlns:r="http://schemas.openxmlformats.org/officeDocument/2006/relationships" xmlns:p="http://schemas.openxmlformats.org/presentationml/2006/main">
   <p:cSld>
-    <p:bg>
-      <p:bgPr>
-        <a:solidFill>
-          <a:srgbClr val="45657B"/>
-        </a:solidFill>
-        <a:effectLst/>
-      </p:bgPr>
-    </p:bg>
     <p:spTree>
       <p:nvGrpSpPr>
         <p:cNvPr id="1" name=""/>
@@ -6082,7 +7409,12 @@
             <p:ph type="title"/>
           </p:nvPr>
         </p:nvSpPr>
-        <p:spPr/>
+        <p:spPr>
+          <a:xfrm>
+            <a:off x="838200" y="249825"/>
+            <a:ext cx="10515600" cy="1325563"/>
+          </a:xfrm>
+        </p:spPr>
         <p:txBody>
           <a:bodyPr/>
           <a:lstStyle/>
@@ -6092,6 +7424,8 @@
                 <a:solidFill>
                   <a:schemeClr val="bg1"/>
                 </a:solidFill>
+                <a:latin typeface="Aharoni" panose="02010803020104030203" pitchFamily="2" charset="-79"/>
+                <a:cs typeface="Aharoni" panose="02010803020104030203" pitchFamily="2" charset="-79"/>
               </a:rPr>
               <a:t>Current</a:t>
             </a:r>
@@ -6100,6 +7434,8 @@
                 <a:solidFill>
                   <a:schemeClr val="bg1"/>
                 </a:solidFill>
+                <a:latin typeface="Aharoni" panose="02010803020104030203" pitchFamily="2" charset="-79"/>
+                <a:cs typeface="Aharoni" panose="02010803020104030203" pitchFamily="2" charset="-79"/>
               </a:rPr>
               <a:t> </a:t>
             </a:r>
@@ -6108,6 +7444,8 @@
                 <a:solidFill>
                   <a:schemeClr val="bg1"/>
                 </a:solidFill>
+                <a:latin typeface="Aharoni" panose="02010803020104030203" pitchFamily="2" charset="-79"/>
+                <a:cs typeface="Aharoni" panose="02010803020104030203" pitchFamily="2" charset="-79"/>
               </a:rPr>
               <a:t>status</a:t>
             </a:r>
@@ -6115,6 +7453,8 @@
               <a:solidFill>
                 <a:schemeClr val="bg1"/>
               </a:solidFill>
+              <a:latin typeface="Aharoni" panose="02010803020104030203" pitchFamily="2" charset="-79"/>
+              <a:cs typeface="Aharoni" panose="02010803020104030203" pitchFamily="2" charset="-79"/>
             </a:endParaRPr>
           </a:p>
         </p:txBody>
@@ -6135,242 +7475,234 @@
             <p:ph idx="1"/>
           </p:nvPr>
         </p:nvSpPr>
-        <p:spPr/>
+        <p:spPr>
+          <a:xfrm>
+            <a:off x="1398139" y="1406628"/>
+            <a:ext cx="10515600" cy="4683607"/>
+          </a:xfrm>
+        </p:spPr>
         <p:txBody>
           <a:bodyPr>
-            <a:normAutofit lnSpcReduction="10000"/>
+            <a:noAutofit/>
           </a:bodyPr>
           <a:lstStyle/>
           <a:p>
-            <a:r>
-              <a:rPr lang="en-US" sz="1800" dirty="0">
-                <a:solidFill>
-                  <a:schemeClr val="bg1"/>
-                </a:solidFill>
-                <a:effectLst/>
-                <a:latin typeface="Verdana" panose="020B0604030504040204" pitchFamily="34" charset="0"/>
-                <a:ea typeface="Times New Roman" panose="02020603050405020304" pitchFamily="18" charset="0"/>
-                <a:cs typeface="Times New Roman" panose="02020603050405020304" pitchFamily="18" charset="0"/>
+            <a:pPr marL="0" indent="0">
+              <a:lnSpc>
+                <a:spcPct val="100000"/>
+              </a:lnSpc>
+              <a:buNone/>
+            </a:pPr>
+            <a:r>
+              <a:rPr lang="en-US" sz="2000" dirty="0">
+                <a:solidFill>
+                  <a:schemeClr val="bg1"/>
+                </a:solidFill>
+                <a:latin typeface="Corbel" panose="020B0503020204020204" pitchFamily="34" charset="0"/>
+                <a:cs typeface="Tunga" panose="020B0502040204020203" pitchFamily="34" charset="0"/>
               </a:rPr>
               <a:t>single-player 2D RPG game with separate world exploration and battle modes</a:t>
             </a:r>
           </a:p>
           <a:p>
-            <a:r>
-              <a:rPr lang="en-US" sz="1800" dirty="0">
-                <a:solidFill>
-                  <a:schemeClr val="bg1"/>
-                </a:solidFill>
-                <a:latin typeface="Verdana" panose="020B0604030504040204" pitchFamily="34" charset="0"/>
-                <a:ea typeface="Times New Roman" panose="02020603050405020304" pitchFamily="18" charset="0"/>
-                <a:cs typeface="Times New Roman" panose="02020603050405020304" pitchFamily="18" charset="0"/>
-              </a:rPr>
-              <a:t>w</a:t>
-            </a:r>
-            <a:r>
-              <a:rPr lang="en-US" sz="1800" dirty="0">
-                <a:solidFill>
-                  <a:schemeClr val="bg1"/>
-                </a:solidFill>
-                <a:effectLst/>
-                <a:latin typeface="Verdana" panose="020B0604030504040204" pitchFamily="34" charset="0"/>
-                <a:ea typeface="Times New Roman" panose="02020603050405020304" pitchFamily="18" charset="0"/>
-                <a:cs typeface="Times New Roman" panose="02020603050405020304" pitchFamily="18" charset="0"/>
-              </a:rPr>
-              <a:t>orld exploration in the style of a 2D side-scroll adventure</a:t>
-            </a:r>
-          </a:p>
-          <a:p>
-            <a:r>
-              <a:rPr lang="en-US" sz="1800" dirty="0">
-                <a:solidFill>
-                  <a:schemeClr val="bg1"/>
-                </a:solidFill>
-                <a:effectLst/>
-                <a:latin typeface="Verdana" panose="020B0604030504040204" pitchFamily="34" charset="0"/>
-                <a:ea typeface="Times New Roman" panose="02020603050405020304" pitchFamily="18" charset="0"/>
-                <a:cs typeface="Times New Roman" panose="02020603050405020304" pitchFamily="18" charset="0"/>
+            <a:pPr marL="0" indent="0">
+              <a:lnSpc>
+                <a:spcPct val="100000"/>
+              </a:lnSpc>
+              <a:buNone/>
+            </a:pPr>
+            <a:r>
+              <a:rPr lang="en-US" sz="2000" dirty="0">
+                <a:solidFill>
+                  <a:schemeClr val="bg1"/>
+                </a:solidFill>
+                <a:latin typeface="Corbel" panose="020B0503020204020204" pitchFamily="34" charset="0"/>
+                <a:cs typeface="Tunga" panose="020B0502040204020203" pitchFamily="34" charset="0"/>
+              </a:rPr>
+              <a:t>world exploration in the style of a 2D side-scroll adventure</a:t>
+            </a:r>
+          </a:p>
+          <a:p>
+            <a:pPr marL="0" indent="0">
+              <a:lnSpc>
+                <a:spcPct val="100000"/>
+              </a:lnSpc>
+              <a:buNone/>
+            </a:pPr>
+            <a:r>
+              <a:rPr lang="en-US" sz="2000" dirty="0">
+                <a:solidFill>
+                  <a:schemeClr val="bg1"/>
+                </a:solidFill>
+                <a:latin typeface="Corbel" panose="020B0503020204020204" pitchFamily="34" charset="0"/>
+                <a:cs typeface="Tunga" panose="020B0502040204020203" pitchFamily="34" charset="0"/>
               </a:rPr>
               <a:t>turn-based battles, that can involve a party of several characters and one or multiple enemies</a:t>
             </a:r>
           </a:p>
           <a:p>
-            <a:r>
-              <a:rPr lang="en-US" sz="1800" dirty="0">
-                <a:solidFill>
-                  <a:schemeClr val="bg1"/>
-                </a:solidFill>
-                <a:latin typeface="Verdana" panose="020B0604030504040204" pitchFamily="34" charset="0"/>
-                <a:ea typeface="Times New Roman" panose="02020603050405020304" pitchFamily="18" charset="0"/>
-                <a:cs typeface="Times New Roman" panose="02020603050405020304" pitchFamily="18" charset="0"/>
-              </a:rPr>
-              <a:t>c</a:t>
-            </a:r>
-            <a:r>
-              <a:rPr lang="en-US" sz="1800" dirty="0">
-                <a:solidFill>
-                  <a:schemeClr val="bg1"/>
-                </a:solidFill>
-                <a:effectLst/>
-                <a:latin typeface="Verdana" panose="020B0604030504040204" pitchFamily="34" charset="0"/>
-                <a:ea typeface="Times New Roman" panose="02020603050405020304" pitchFamily="18" charset="0"/>
-                <a:cs typeface="Times New Roman" panose="02020603050405020304" pitchFamily="18" charset="0"/>
-              </a:rPr>
-              <a:t>haracters can be equipped with different items (weapons, armor, utility items) and have different base-properties that can be modified through character advancement</a:t>
-            </a:r>
-            <a:endParaRPr lang="de-AT" sz="1800" dirty="0">
+            <a:pPr marL="0" indent="0">
+              <a:lnSpc>
+                <a:spcPct val="100000"/>
+              </a:lnSpc>
+              <a:buNone/>
+            </a:pPr>
+            <a:r>
+              <a:rPr lang="en-US" sz="2000" dirty="0">
+                <a:solidFill>
+                  <a:schemeClr val="bg1"/>
+                </a:solidFill>
+                <a:latin typeface="Corbel" panose="020B0503020204020204" pitchFamily="34" charset="0"/>
+                <a:cs typeface="Tunga" panose="020B0502040204020203" pitchFamily="34" charset="0"/>
+              </a:rPr>
+              <a:t>characters can be equipped with different items (weapons, armor, utility items) and have different base-properties that can be modified through character advancement</a:t>
+            </a:r>
+            <a:endParaRPr lang="de-AT" sz="2000" dirty="0">
               <a:solidFill>
                 <a:schemeClr val="bg1"/>
               </a:solidFill>
-              <a:effectLst/>
-              <a:latin typeface="Verdana" panose="020B0604030504040204" pitchFamily="34" charset="0"/>
-              <a:ea typeface="Times New Roman" panose="02020603050405020304" pitchFamily="18" charset="0"/>
-              <a:cs typeface="Times New Roman" panose="02020603050405020304" pitchFamily="18" charset="0"/>
+              <a:latin typeface="Corbel" panose="020B0503020204020204" pitchFamily="34" charset="0"/>
+              <a:cs typeface="Tunga" panose="020B0502040204020203" pitchFamily="34" charset="0"/>
             </a:endParaRPr>
           </a:p>
           <a:p>
-            <a:r>
-              <a:rPr lang="en-US" sz="1800" dirty="0">
-                <a:solidFill>
-                  <a:schemeClr val="bg1"/>
-                </a:solidFill>
-                <a:latin typeface="Verdana" panose="020B0604030504040204" pitchFamily="34" charset="0"/>
-                <a:ea typeface="Times New Roman" panose="02020603050405020304" pitchFamily="18" charset="0"/>
-                <a:cs typeface="Times New Roman" panose="02020603050405020304" pitchFamily="18" charset="0"/>
-              </a:rPr>
-              <a:t>we </a:t>
-            </a:r>
-            <a:r>
-              <a:rPr lang="en-US" sz="1800" dirty="0">
-                <a:solidFill>
-                  <a:schemeClr val="bg1"/>
-                </a:solidFill>
-                <a:effectLst/>
-                <a:latin typeface="Verdana" panose="020B0604030504040204" pitchFamily="34" charset="0"/>
-                <a:ea typeface="Times New Roman" panose="02020603050405020304" pitchFamily="18" charset="0"/>
-                <a:cs typeface="Times New Roman" panose="02020603050405020304" pitchFamily="18" charset="0"/>
-              </a:rPr>
-              <a:t>create the game using the Unity engine</a:t>
-            </a:r>
-          </a:p>
-          <a:p>
-            <a:r>
-              <a:rPr lang="en-US" sz="1800" dirty="0">
-                <a:solidFill>
-                  <a:schemeClr val="bg1"/>
-                </a:solidFill>
-                <a:latin typeface="Verdana" panose="020B0604030504040204" pitchFamily="34" charset="0"/>
-                <a:ea typeface="Times New Roman" panose="02020603050405020304" pitchFamily="18" charset="0"/>
-                <a:cs typeface="Times New Roman" panose="02020603050405020304" pitchFamily="18" charset="0"/>
-              </a:rPr>
-              <a:t>w</a:t>
-            </a:r>
-            <a:r>
-              <a:rPr lang="en-US" sz="1800" dirty="0">
-                <a:solidFill>
-                  <a:schemeClr val="bg1"/>
-                </a:solidFill>
-                <a:effectLst/>
-                <a:latin typeface="Verdana" panose="020B0604030504040204" pitchFamily="34" charset="0"/>
-                <a:ea typeface="Times New Roman" panose="02020603050405020304" pitchFamily="18" charset="0"/>
-                <a:cs typeface="Times New Roman" panose="02020603050405020304" pitchFamily="18" charset="0"/>
-              </a:rPr>
-              <a:t>e design and implement a system for character and enemy attributes and their interactions in combat</a:t>
-            </a:r>
-          </a:p>
-          <a:p>
-            <a:r>
-              <a:rPr lang="en-US" sz="1800" dirty="0">
-                <a:solidFill>
-                  <a:schemeClr val="bg1"/>
-                </a:solidFill>
-                <a:effectLst/>
-                <a:latin typeface="Verdana" panose="020B0604030504040204" pitchFamily="34" charset="0"/>
-                <a:ea typeface="Times New Roman" panose="02020603050405020304" pitchFamily="18" charset="0"/>
-                <a:cs typeface="Times New Roman" panose="02020603050405020304" pitchFamily="18" charset="0"/>
+            <a:pPr marL="0" indent="0">
+              <a:lnSpc>
+                <a:spcPct val="100000"/>
+              </a:lnSpc>
+              <a:buNone/>
+            </a:pPr>
+            <a:r>
+              <a:rPr lang="en-US" sz="2000" dirty="0">
+                <a:solidFill>
+                  <a:schemeClr val="bg1"/>
+                </a:solidFill>
+                <a:latin typeface="Corbel" panose="020B0503020204020204" pitchFamily="34" charset="0"/>
+                <a:cs typeface="Tunga" panose="020B0502040204020203" pitchFamily="34" charset="0"/>
+              </a:rPr>
+              <a:t>we create the game using the Unity engine</a:t>
+            </a:r>
+          </a:p>
+          <a:p>
+            <a:pPr marL="0" indent="0">
+              <a:lnSpc>
+                <a:spcPct val="100000"/>
+              </a:lnSpc>
+              <a:buNone/>
+            </a:pPr>
+            <a:r>
+              <a:rPr lang="en-US" sz="2000" dirty="0">
+                <a:solidFill>
+                  <a:schemeClr val="bg1"/>
+                </a:solidFill>
+                <a:latin typeface="Corbel" panose="020B0503020204020204" pitchFamily="34" charset="0"/>
+                <a:cs typeface="Tunga" panose="020B0502040204020203" pitchFamily="34" charset="0"/>
+              </a:rPr>
+              <a:t>we design and implement a system for character and enemy attributes and their interactions in combat</a:t>
+            </a:r>
+          </a:p>
+          <a:p>
+            <a:pPr marL="0" indent="0">
+              <a:lnSpc>
+                <a:spcPct val="100000"/>
+              </a:lnSpc>
+              <a:buNone/>
+            </a:pPr>
+            <a:r>
+              <a:rPr lang="en-US" sz="2000" dirty="0">
+                <a:solidFill>
+                  <a:schemeClr val="bg1"/>
+                </a:solidFill>
+                <a:latin typeface="Corbel" panose="020B0503020204020204" pitchFamily="34" charset="0"/>
+                <a:cs typeface="Tunga" panose="020B0502040204020203" pitchFamily="34" charset="0"/>
               </a:rPr>
               <a:t>create a challenging decision-making system for enemy behavior</a:t>
             </a:r>
           </a:p>
           <a:p>
-            <a:r>
-              <a:rPr lang="en-US" sz="1800" dirty="0">
-                <a:solidFill>
-                  <a:schemeClr val="bg1"/>
-                </a:solidFill>
-                <a:effectLst/>
-                <a:latin typeface="Verdana" panose="020B0604030504040204" pitchFamily="34" charset="0"/>
-                <a:ea typeface="Times New Roman" panose="02020603050405020304" pitchFamily="18" charset="0"/>
-                <a:cs typeface="Times New Roman" panose="02020603050405020304" pitchFamily="18" charset="0"/>
+            <a:pPr marL="0" indent="0">
+              <a:lnSpc>
+                <a:spcPct val="100000"/>
+              </a:lnSpc>
+              <a:buNone/>
+            </a:pPr>
+            <a:r>
+              <a:rPr lang="en-US" sz="2000" dirty="0">
+                <a:solidFill>
+                  <a:schemeClr val="bg1"/>
+                </a:solidFill>
+                <a:latin typeface="Corbel" panose="020B0503020204020204" pitchFamily="34" charset="0"/>
+                <a:cs typeface="Tunga" panose="020B0502040204020203" pitchFamily="34" charset="0"/>
               </a:rPr>
               <a:t>create basic sprites and/or adapt existing ones</a:t>
             </a:r>
           </a:p>
           <a:p>
-            <a:r>
-              <a:rPr lang="en-US" sz="1800" dirty="0">
-                <a:solidFill>
-                  <a:schemeClr val="bg1"/>
-                </a:solidFill>
-                <a:effectLst/>
-                <a:latin typeface="Verdana" panose="020B0604030504040204" pitchFamily="34" charset="0"/>
-                <a:ea typeface="Times New Roman" panose="02020603050405020304" pitchFamily="18" charset="0"/>
-                <a:cs typeface="Times New Roman" panose="02020603050405020304" pitchFamily="18" charset="0"/>
+            <a:pPr marL="0" indent="0">
+              <a:lnSpc>
+                <a:spcPct val="100000"/>
+              </a:lnSpc>
+              <a:buNone/>
+            </a:pPr>
+            <a:r>
+              <a:rPr lang="en-US" sz="2000" dirty="0">
+                <a:solidFill>
+                  <a:schemeClr val="bg1"/>
+                </a:solidFill>
+                <a:latin typeface="Corbel" panose="020B0503020204020204" pitchFamily="34" charset="0"/>
+                <a:cs typeface="Tunga" panose="020B0502040204020203" pitchFamily="34" charset="0"/>
               </a:rPr>
               <a:t>basic physics will be implemented for world exploration</a:t>
             </a:r>
           </a:p>
           <a:p>
-            <a:r>
-              <a:rPr lang="en-US" sz="1800" dirty="0">
-                <a:solidFill>
-                  <a:schemeClr val="bg1"/>
-                </a:solidFill>
-                <a:latin typeface="Verdana" panose="020B0604030504040204" pitchFamily="34" charset="0"/>
-                <a:ea typeface="Times New Roman" panose="02020603050405020304" pitchFamily="18" charset="0"/>
-                <a:cs typeface="Times New Roman" panose="02020603050405020304" pitchFamily="18" charset="0"/>
-              </a:rPr>
-              <a:t>goal: </a:t>
-            </a:r>
-            <a:r>
-              <a:rPr lang="en-US" sz="1800" dirty="0">
-                <a:solidFill>
-                  <a:schemeClr val="bg1"/>
-                </a:solidFill>
-                <a:effectLst/>
-                <a:latin typeface="Verdana" panose="020B0604030504040204" pitchFamily="34" charset="0"/>
-                <a:ea typeface="Times New Roman" panose="02020603050405020304" pitchFamily="18" charset="0"/>
-                <a:cs typeface="Times New Roman" panose="02020603050405020304" pitchFamily="18" charset="0"/>
-              </a:rPr>
-              <a:t>playable Demo version that includes at least one map or dungeon to explore, with at least one boss fight and at least one step of character advancement.</a:t>
-            </a:r>
-          </a:p>
-          <a:p>
-            <a:endParaRPr lang="de-AT" sz="1800" dirty="0">
+            <a:pPr marL="0" indent="0">
+              <a:lnSpc>
+                <a:spcPct val="100000"/>
+              </a:lnSpc>
+              <a:buNone/>
+            </a:pPr>
+            <a:r>
+              <a:rPr lang="en-US" sz="2000" dirty="0">
+                <a:solidFill>
+                  <a:schemeClr val="bg1"/>
+                </a:solidFill>
+                <a:latin typeface="Corbel" panose="020B0503020204020204" pitchFamily="34" charset="0"/>
+                <a:cs typeface="Tunga" panose="020B0502040204020203" pitchFamily="34" charset="0"/>
+              </a:rPr>
+              <a:t>goal: playable Demo version that includes at least one map or dungeon to explore, with at least one boss fight and at least one step of character advancement.</a:t>
+            </a:r>
+            <a:endParaRPr lang="de-AT" sz="2000" dirty="0">
               <a:solidFill>
                 <a:schemeClr val="bg1"/>
               </a:solidFill>
-              <a:effectLst/>
-              <a:latin typeface="Verdana" panose="020B0604030504040204" pitchFamily="34" charset="0"/>
-              <a:ea typeface="Times New Roman" panose="02020603050405020304" pitchFamily="18" charset="0"/>
-              <a:cs typeface="Times New Roman" panose="02020603050405020304" pitchFamily="18" charset="0"/>
+              <a:latin typeface="Corbel" panose="020B0503020204020204" pitchFamily="34" charset="0"/>
+              <a:cs typeface="Tunga" panose="020B0502040204020203" pitchFamily="34" charset="0"/>
             </a:endParaRPr>
           </a:p>
           <a:p>
-            <a:endParaRPr lang="de-AT" dirty="0">
+            <a:pPr marL="0" indent="0">
+              <a:lnSpc>
+                <a:spcPct val="100000"/>
+              </a:lnSpc>
+              <a:buNone/>
+            </a:pPr>
+            <a:endParaRPr lang="de-AT" sz="2000" dirty="0">
               <a:solidFill>
                 <a:schemeClr val="bg1"/>
               </a:solidFill>
+              <a:latin typeface="Corbel" panose="020B0503020204020204" pitchFamily="34" charset="0"/>
+              <a:cs typeface="Tunga" panose="020B0502040204020203" pitchFamily="34" charset="0"/>
             </a:endParaRPr>
           </a:p>
         </p:txBody>
       </p:sp>
       <p:pic>
         <p:nvPicPr>
-          <p:cNvPr id="7" name="Grafik 6">
-            <a:extLst>
-              <a:ext uri="{FF2B5EF4-FFF2-40B4-BE49-F238E27FC236}">
-                <a16:creationId xmlns:a16="http://schemas.microsoft.com/office/drawing/2014/main" id="{636D4310-E61C-4AB0-B341-AA4B536F3672}"/>
+          <p:cNvPr id="8" name="Grafik 7">
+            <a:extLst>
+              <a:ext uri="{FF2B5EF4-FFF2-40B4-BE49-F238E27FC236}">
+                <a16:creationId xmlns:a16="http://schemas.microsoft.com/office/drawing/2014/main" id="{573748CA-63CE-41BF-BC72-A5DE7E10A3A8}"/>
               </a:ext>
             </a:extLst>
           </p:cNvPr>
@@ -6396,47 +7728,8 @@
         </p:blipFill>
         <p:spPr>
           <a:xfrm>
-            <a:off x="10277475" y="1690688"/>
-            <a:ext cx="506411" cy="506411"/>
-          </a:xfrm>
-          <a:prstGeom prst="rect">
-            <a:avLst/>
-          </a:prstGeom>
-        </p:spPr>
-      </p:pic>
-      <p:pic>
-        <p:nvPicPr>
-          <p:cNvPr id="8" name="Grafik 7">
-            <a:extLst>
-              <a:ext uri="{FF2B5EF4-FFF2-40B4-BE49-F238E27FC236}">
-                <a16:creationId xmlns:a16="http://schemas.microsoft.com/office/drawing/2014/main" id="{573748CA-63CE-41BF-BC72-A5DE7E10A3A8}"/>
-              </a:ext>
-            </a:extLst>
-          </p:cNvPr>
-          <p:cNvPicPr>
-            <a:picLocks noChangeAspect="1"/>
-          </p:cNvPicPr>
-          <p:nvPr/>
-        </p:nvPicPr>
-        <p:blipFill>
-          <a:blip r:embed="rId2">
-            <a:extLst>
-              <a:ext uri="{28A0092B-C50C-407E-A947-70E740481C1C}">
-                <a14:useLocalDpi xmlns:a14="http://schemas.microsoft.com/office/drawing/2010/main" val="0"/>
-              </a:ext>
-              <a:ext uri="{96DAC541-7B7A-43D3-8B79-37D633B846F1}">
-                <asvg:svgBlip xmlns:asvg="http://schemas.microsoft.com/office/drawing/2016/SVG/main" r:embed="rId3"/>
-              </a:ext>
-            </a:extLst>
-          </a:blip>
-          <a:stretch>
-            <a:fillRect/>
-          </a:stretch>
-        </p:blipFill>
-        <p:spPr>
-          <a:xfrm>
-            <a:off x="8039100" y="2052638"/>
-            <a:ext cx="506411" cy="506411"/>
+            <a:off x="1099930" y="1496840"/>
+            <a:ext cx="308184" cy="308184"/>
           </a:xfrm>
           <a:prstGeom prst="rect">
             <a:avLst/>
@@ -6474,8 +7767,8 @@
         </p:blipFill>
         <p:spPr>
           <a:xfrm>
-            <a:off x="10187780" y="2424112"/>
-            <a:ext cx="506411" cy="506411"/>
+            <a:off x="1099930" y="2918607"/>
+            <a:ext cx="308184" cy="308184"/>
           </a:xfrm>
           <a:prstGeom prst="rect">
             <a:avLst/>
@@ -6484,10 +7777,10 @@
       </p:pic>
       <p:pic>
         <p:nvPicPr>
-          <p:cNvPr id="11" name="Grafik 10">
-            <a:extLst>
-              <a:ext uri="{FF2B5EF4-FFF2-40B4-BE49-F238E27FC236}">
-                <a16:creationId xmlns:a16="http://schemas.microsoft.com/office/drawing/2014/main" id="{4F007046-9510-4ED3-A194-43453670DA99}"/>
+          <p:cNvPr id="17" name="Grafik 7">
+            <a:extLst>
+              <a:ext uri="{FF2B5EF4-FFF2-40B4-BE49-F238E27FC236}">
+                <a16:creationId xmlns:a16="http://schemas.microsoft.com/office/drawing/2014/main" id="{E9DD6102-B8B8-4EDD-AD3C-70FA18011E17}"/>
               </a:ext>
             </a:extLst>
           </p:cNvPr>
@@ -6513,8 +7806,8 @@
         </p:blipFill>
         <p:spPr>
           <a:xfrm>
-            <a:off x="9681369" y="2383281"/>
-            <a:ext cx="506411" cy="506411"/>
+            <a:off x="1099930" y="1888915"/>
+            <a:ext cx="308184" cy="308184"/>
           </a:xfrm>
           <a:prstGeom prst="rect">
             <a:avLst/>
@@ -6523,10 +7816,10 @@
       </p:pic>
       <p:pic>
         <p:nvPicPr>
-          <p:cNvPr id="12" name="Grafik 11">
-            <a:extLst>
-              <a:ext uri="{FF2B5EF4-FFF2-40B4-BE49-F238E27FC236}">
-                <a16:creationId xmlns:a16="http://schemas.microsoft.com/office/drawing/2014/main" id="{11713C42-B67E-446B-9B4B-DC7A99AC65FD}"/>
+          <p:cNvPr id="25" name="Grafik 7">
+            <a:extLst>
+              <a:ext uri="{FF2B5EF4-FFF2-40B4-BE49-F238E27FC236}">
+                <a16:creationId xmlns:a16="http://schemas.microsoft.com/office/drawing/2014/main" id="{3C798A12-EB8D-49CB-BA7F-8AF268550EBC}"/>
               </a:ext>
             </a:extLst>
           </p:cNvPr>
@@ -6536,13 +7829,13 @@
           <p:nvPr/>
         </p:nvPicPr>
         <p:blipFill>
-          <a:blip r:embed="rId4">
+          <a:blip r:embed="rId2">
             <a:extLst>
               <a:ext uri="{28A0092B-C50C-407E-A947-70E740481C1C}">
                 <a14:useLocalDpi xmlns:a14="http://schemas.microsoft.com/office/drawing/2010/main" val="0"/>
               </a:ext>
               <a:ext uri="{96DAC541-7B7A-43D3-8B79-37D633B846F1}">
-                <asvg:svgBlip xmlns:asvg="http://schemas.microsoft.com/office/drawing/2016/SVG/main" r:embed="rId5"/>
+                <asvg:svgBlip xmlns:asvg="http://schemas.microsoft.com/office/drawing/2016/SVG/main" r:embed="rId3"/>
               </a:ext>
             </a:extLst>
           </a:blip>
@@ -6552,8 +7845,8 @@
         </p:blipFill>
         <p:spPr>
           <a:xfrm>
-            <a:off x="10847388" y="2930523"/>
-            <a:ext cx="506411" cy="506411"/>
+            <a:off x="1099930" y="3508958"/>
+            <a:ext cx="308184" cy="308184"/>
           </a:xfrm>
           <a:prstGeom prst="rect">
             <a:avLst/>
@@ -6562,10 +7855,10 @@
       </p:pic>
       <p:pic>
         <p:nvPicPr>
-          <p:cNvPr id="15" name="Grafik 14">
-            <a:extLst>
-              <a:ext uri="{FF2B5EF4-FFF2-40B4-BE49-F238E27FC236}">
-                <a16:creationId xmlns:a16="http://schemas.microsoft.com/office/drawing/2014/main" id="{0642CF3F-A609-4E99-94BB-1CB06CE22942}"/>
+          <p:cNvPr id="26" name="Grafik 7">
+            <a:extLst>
+              <a:ext uri="{FF2B5EF4-FFF2-40B4-BE49-F238E27FC236}">
+                <a16:creationId xmlns:a16="http://schemas.microsoft.com/office/drawing/2014/main" id="{4A15ABD4-F320-4021-8D3D-0974323D23A4}"/>
               </a:ext>
             </a:extLst>
           </p:cNvPr>
@@ -6591,8 +7884,8 @@
         </p:blipFill>
         <p:spPr>
           <a:xfrm>
-            <a:off x="10847389" y="3310731"/>
-            <a:ext cx="506411" cy="506411"/>
+            <a:off x="1099930" y="4066967"/>
+            <a:ext cx="308184" cy="308184"/>
           </a:xfrm>
           <a:prstGeom prst="rect">
             <a:avLst/>
@@ -6601,10 +7894,10 @@
       </p:pic>
       <p:pic>
         <p:nvPicPr>
-          <p:cNvPr id="16" name="Grafik 15">
-            <a:extLst>
-              <a:ext uri="{FF2B5EF4-FFF2-40B4-BE49-F238E27FC236}">
-                <a16:creationId xmlns:a16="http://schemas.microsoft.com/office/drawing/2014/main" id="{88FADF26-8C16-4548-B738-83F4BB5BCF21}"/>
+          <p:cNvPr id="27" name="Grafik 9">
+            <a:extLst>
+              <a:ext uri="{FF2B5EF4-FFF2-40B4-BE49-F238E27FC236}">
+                <a16:creationId xmlns:a16="http://schemas.microsoft.com/office/drawing/2014/main" id="{68FB87CA-6A4B-499B-81D8-304A918198CA}"/>
               </a:ext>
             </a:extLst>
           </p:cNvPr>
@@ -6614,13 +7907,13 @@
           <p:nvPr/>
         </p:nvPicPr>
         <p:blipFill>
-          <a:blip r:embed="rId2">
+          <a:blip r:embed="rId4">
             <a:extLst>
               <a:ext uri="{28A0092B-C50C-407E-A947-70E740481C1C}">
                 <a14:useLocalDpi xmlns:a14="http://schemas.microsoft.com/office/drawing/2010/main" val="0"/>
               </a:ext>
               <a:ext uri="{96DAC541-7B7A-43D3-8B79-37D633B846F1}">
-                <asvg:svgBlip xmlns:asvg="http://schemas.microsoft.com/office/drawing/2016/SVG/main" r:embed="rId3"/>
+                <asvg:svgBlip xmlns:asvg="http://schemas.microsoft.com/office/drawing/2016/SVG/main" r:embed="rId5"/>
               </a:ext>
             </a:extLst>
           </a:blip>
@@ -6630,8 +7923,8 @@
         </p:blipFill>
         <p:spPr>
           <a:xfrm>
-            <a:off x="6199189" y="3494883"/>
-            <a:ext cx="506411" cy="506411"/>
+            <a:off x="1099930" y="4688678"/>
+            <a:ext cx="308184" cy="308184"/>
           </a:xfrm>
           <a:prstGeom prst="rect">
             <a:avLst/>
@@ -6640,10 +7933,10 @@
       </p:pic>
       <p:pic>
         <p:nvPicPr>
-          <p:cNvPr id="19" name="Grafik 18">
-            <a:extLst>
-              <a:ext uri="{FF2B5EF4-FFF2-40B4-BE49-F238E27FC236}">
-                <a16:creationId xmlns:a16="http://schemas.microsoft.com/office/drawing/2014/main" id="{12A74A77-A67F-4C36-ABF1-81D7D1B0D740}"/>
+          <p:cNvPr id="28" name="Grafik 7">
+            <a:extLst>
+              <a:ext uri="{FF2B5EF4-FFF2-40B4-BE49-F238E27FC236}">
+                <a16:creationId xmlns:a16="http://schemas.microsoft.com/office/drawing/2014/main" id="{8DB96AB3-4553-434C-B51C-C12387A1521A}"/>
               </a:ext>
             </a:extLst>
           </p:cNvPr>
@@ -6669,8 +7962,8 @@
         </p:blipFill>
         <p:spPr>
           <a:xfrm>
-            <a:off x="10530680" y="3857228"/>
-            <a:ext cx="506411" cy="506411"/>
+            <a:off x="1099930" y="5137511"/>
+            <a:ext cx="308184" cy="308184"/>
           </a:xfrm>
           <a:prstGeom prst="rect">
             <a:avLst/>
@@ -6679,10 +7972,10 @@
       </p:pic>
       <p:pic>
         <p:nvPicPr>
-          <p:cNvPr id="21" name="Grafik 20">
-            <a:extLst>
-              <a:ext uri="{FF2B5EF4-FFF2-40B4-BE49-F238E27FC236}">
-                <a16:creationId xmlns:a16="http://schemas.microsoft.com/office/drawing/2014/main" id="{272FEA64-99B0-41DC-8800-8B5CC9B54A49}"/>
+          <p:cNvPr id="29" name="Grafik 7">
+            <a:extLst>
+              <a:ext uri="{FF2B5EF4-FFF2-40B4-BE49-F238E27FC236}">
+                <a16:creationId xmlns:a16="http://schemas.microsoft.com/office/drawing/2014/main" id="{79640E68-2DC8-423D-A8AA-B3082BB03F83}"/>
               </a:ext>
             </a:extLst>
           </p:cNvPr>
@@ -6708,8 +8001,8 @@
         </p:blipFill>
         <p:spPr>
           <a:xfrm>
-            <a:off x="6605581" y="4762895"/>
-            <a:ext cx="506411" cy="506411"/>
+            <a:off x="1099930" y="5543205"/>
+            <a:ext cx="308184" cy="308184"/>
           </a:xfrm>
           <a:prstGeom prst="rect">
             <a:avLst/>
@@ -6718,10 +8011,10 @@
       </p:pic>
       <p:pic>
         <p:nvPicPr>
-          <p:cNvPr id="22" name="Grafik 21">
-            <a:extLst>
-              <a:ext uri="{FF2B5EF4-FFF2-40B4-BE49-F238E27FC236}">
-                <a16:creationId xmlns:a16="http://schemas.microsoft.com/office/drawing/2014/main" id="{2D7DC6FF-7934-4A60-AF21-9531772DDC27}"/>
+          <p:cNvPr id="30" name="Grafik 7">
+            <a:extLst>
+              <a:ext uri="{FF2B5EF4-FFF2-40B4-BE49-F238E27FC236}">
+                <a16:creationId xmlns:a16="http://schemas.microsoft.com/office/drawing/2014/main" id="{337CE0A1-9593-4C72-91FB-3970830C6FCA}"/>
               </a:ext>
             </a:extLst>
           </p:cNvPr>
@@ -6747,8 +8040,8 @@
         </p:blipFill>
         <p:spPr>
           <a:xfrm>
-            <a:off x="7648968" y="5143895"/>
-            <a:ext cx="506411" cy="506411"/>
+            <a:off x="1099930" y="6057280"/>
+            <a:ext cx="308184" cy="308184"/>
           </a:xfrm>
           <a:prstGeom prst="rect">
             <a:avLst/>
@@ -6757,10 +8050,10 @@
       </p:pic>
       <p:pic>
         <p:nvPicPr>
-          <p:cNvPr id="23" name="Grafik 22">
-            <a:extLst>
-              <a:ext uri="{FF2B5EF4-FFF2-40B4-BE49-F238E27FC236}">
-                <a16:creationId xmlns:a16="http://schemas.microsoft.com/office/drawing/2014/main" id="{960487C1-5797-4F8F-AD42-8D9D086125B3}"/>
+          <p:cNvPr id="31" name="Grafik 9">
+            <a:extLst>
+              <a:ext uri="{FF2B5EF4-FFF2-40B4-BE49-F238E27FC236}">
+                <a16:creationId xmlns:a16="http://schemas.microsoft.com/office/drawing/2014/main" id="{1798726E-EB6B-429C-A02D-61FC77BE77BB}"/>
               </a:ext>
             </a:extLst>
           </p:cNvPr>
@@ -6770,13 +8063,13 @@
           <p:nvPr/>
         </p:nvPicPr>
         <p:blipFill>
-          <a:blip r:embed="rId2">
+          <a:blip r:embed="rId4">
             <a:extLst>
               <a:ext uri="{28A0092B-C50C-407E-A947-70E740481C1C}">
                 <a14:useLocalDpi xmlns:a14="http://schemas.microsoft.com/office/drawing/2010/main" val="0"/>
               </a:ext>
               <a:ext uri="{96DAC541-7B7A-43D3-8B79-37D633B846F1}">
-                <asvg:svgBlip xmlns:asvg="http://schemas.microsoft.com/office/drawing/2016/SVG/main" r:embed="rId3"/>
+                <asvg:svgBlip xmlns:asvg="http://schemas.microsoft.com/office/drawing/2016/SVG/main" r:embed="rId5"/>
               </a:ext>
             </a:extLst>
           </a:blip>
@@ -6786,8 +8079,8 @@
         </p:blipFill>
         <p:spPr>
           <a:xfrm>
-            <a:off x="10783885" y="5607451"/>
-            <a:ext cx="506411" cy="506411"/>
+            <a:off x="1108248" y="2372440"/>
+            <a:ext cx="308184" cy="308184"/>
           </a:xfrm>
           <a:prstGeom prst="rect">
             <a:avLst/>
@@ -6796,10 +8089,10 @@
       </p:pic>
       <p:pic>
         <p:nvPicPr>
-          <p:cNvPr id="24" name="Grafik 23">
-            <a:extLst>
-              <a:ext uri="{FF2B5EF4-FFF2-40B4-BE49-F238E27FC236}">
-                <a16:creationId xmlns:a16="http://schemas.microsoft.com/office/drawing/2014/main" id="{D586C56A-5432-4F46-80D1-0E64D396144E}"/>
+          <p:cNvPr id="32" name="Grafik 7">
+            <a:extLst>
+              <a:ext uri="{FF2B5EF4-FFF2-40B4-BE49-F238E27FC236}">
+                <a16:creationId xmlns:a16="http://schemas.microsoft.com/office/drawing/2014/main" id="{C2575FF5-38F6-408B-A3AA-F6F3EE297DED}"/>
               </a:ext>
             </a:extLst>
           </p:cNvPr>
@@ -6809,13 +8102,13 @@
           <p:nvPr/>
         </p:nvPicPr>
         <p:blipFill>
-          <a:blip r:embed="rId4">
+          <a:blip r:embed="rId2">
             <a:extLst>
               <a:ext uri="{28A0092B-C50C-407E-A947-70E740481C1C}">
                 <a14:useLocalDpi xmlns:a14="http://schemas.microsoft.com/office/drawing/2010/main" val="0"/>
               </a:ext>
               <a:ext uri="{96DAC541-7B7A-43D3-8B79-37D633B846F1}">
-                <asvg:svgBlip xmlns:asvg="http://schemas.microsoft.com/office/drawing/2016/SVG/main" r:embed="rId5"/>
+                <asvg:svgBlip xmlns:asvg="http://schemas.microsoft.com/office/drawing/2016/SVG/main" r:embed="rId3"/>
               </a:ext>
             </a:extLst>
           </a:blip>
@@ -6825,14 +8118,43 @@
         </p:blipFill>
         <p:spPr>
           <a:xfrm>
-            <a:off x="8726484" y="4435473"/>
-            <a:ext cx="506411" cy="506411"/>
+            <a:off x="814973" y="2372440"/>
+            <a:ext cx="308184" cy="308184"/>
           </a:xfrm>
           <a:prstGeom prst="rect">
             <a:avLst/>
           </a:prstGeom>
         </p:spPr>
       </p:pic>
+      <p:sp>
+        <p:nvSpPr>
+          <p:cNvPr id="4" name="Slide Number Placeholder 3">
+            <a:extLst>
+              <a:ext uri="{FF2B5EF4-FFF2-40B4-BE49-F238E27FC236}">
+                <a16:creationId xmlns:a16="http://schemas.microsoft.com/office/drawing/2014/main" id="{295DDC90-63DA-4572-9FDA-2C447B6188DE}"/>
+              </a:ext>
+            </a:extLst>
+          </p:cNvPr>
+          <p:cNvSpPr>
+            <a:spLocks noGrp="1"/>
+          </p:cNvSpPr>
+          <p:nvPr>
+            <p:ph type="sldNum" sz="quarter" idx="12"/>
+          </p:nvPr>
+        </p:nvSpPr>
+        <p:spPr/>
+        <p:txBody>
+          <a:bodyPr/>
+          <a:lstStyle/>
+          <a:p>
+            <a:fld id="{A3EC7209-76EB-4857-A8CE-28EA38668999}" type="slidenum">
+              <a:rPr lang="de-AT" smtClean="0"/>
+              <a:t>8</a:t>
+            </a:fld>
+            <a:endParaRPr lang="de-AT"/>
+          </a:p>
+        </p:txBody>
+      </p:sp>
     </p:spTree>
     <p:extLst>
       <p:ext uri="{BB962C8B-B14F-4D97-AF65-F5344CB8AC3E}">
@@ -7139,4 +8461,299 @@
     </a:ext>
   </a:extLst>
 </a:theme>
+</file>
+
+<file path=ppt/theme/theme2.xml><?xml version="1.0" encoding="utf-8"?>
+<a:theme xmlns:a="http://schemas.openxmlformats.org/drawingml/2006/main" name="Office Theme">
+  <a:themeElements>
+    <a:clrScheme name="Office">
+      <a:dk1>
+        <a:sysClr val="windowText" lastClr="000000"/>
+      </a:dk1>
+      <a:lt1>
+        <a:sysClr val="window" lastClr="FFFFFF"/>
+      </a:lt1>
+      <a:dk2>
+        <a:srgbClr val="44546A"/>
+      </a:dk2>
+      <a:lt2>
+        <a:srgbClr val="E7E6E6"/>
+      </a:lt2>
+      <a:accent1>
+        <a:srgbClr val="4472C4"/>
+      </a:accent1>
+      <a:accent2>
+        <a:srgbClr val="ED7D31"/>
+      </a:accent2>
+      <a:accent3>
+        <a:srgbClr val="A5A5A5"/>
+      </a:accent3>
+      <a:accent4>
+        <a:srgbClr val="FFC000"/>
+      </a:accent4>
+      <a:accent5>
+        <a:srgbClr val="5B9BD5"/>
+      </a:accent5>
+      <a:accent6>
+        <a:srgbClr val="70AD47"/>
+      </a:accent6>
+      <a:hlink>
+        <a:srgbClr val="0563C1"/>
+      </a:hlink>
+      <a:folHlink>
+        <a:srgbClr val="954F72"/>
+      </a:folHlink>
+    </a:clrScheme>
+    <a:fontScheme name="Office">
+      <a:majorFont>
+        <a:latin typeface="Calibri Light" panose="020F0302020204030204"/>
+        <a:ea typeface=""/>
+        <a:cs typeface=""/>
+        <a:font script="Jpan" typeface="游ゴシック Light"/>
+        <a:font script="Hang" typeface="맑은 고딕"/>
+        <a:font script="Hans" typeface="等线 Light"/>
+        <a:font script="Hant" typeface="新細明體"/>
+        <a:font script="Arab" typeface="Times New Roman"/>
+        <a:font script="Hebr" typeface="Times New Roman"/>
+        <a:font script="Thai" typeface="Angsana New"/>
+        <a:font script="Ethi" typeface="Nyala"/>
+        <a:font script="Beng" typeface="Vrinda"/>
+        <a:font script="Gujr" typeface="Shruti"/>
+        <a:font script="Khmr" typeface="MoolBoran"/>
+        <a:font script="Knda" typeface="Tunga"/>
+        <a:font script="Guru" typeface="Raavi"/>
+        <a:font script="Cans" typeface="Euphemia"/>
+        <a:font script="Cher" typeface="Plantagenet Cherokee"/>
+        <a:font script="Yiii" typeface="Microsoft Yi Baiti"/>
+        <a:font script="Tibt" typeface="Microsoft Himalaya"/>
+        <a:font script="Thaa" typeface="MV Boli"/>
+        <a:font script="Deva" typeface="Mangal"/>
+        <a:font script="Telu" typeface="Gautami"/>
+        <a:font script="Taml" typeface="Latha"/>
+        <a:font script="Syrc" typeface="Estrangelo Edessa"/>
+        <a:font script="Orya" typeface="Kalinga"/>
+        <a:font script="Mlym" typeface="Kartika"/>
+        <a:font script="Laoo" typeface="DokChampa"/>
+        <a:font script="Sinh" typeface="Iskoola Pota"/>
+        <a:font script="Mong" typeface="Mongolian Baiti"/>
+        <a:font script="Viet" typeface="Times New Roman"/>
+        <a:font script="Uigh" typeface="Microsoft Uighur"/>
+        <a:font script="Geor" typeface="Sylfaen"/>
+        <a:font script="Armn" typeface="Arial"/>
+        <a:font script="Bugi" typeface="Leelawadee UI"/>
+        <a:font script="Bopo" typeface="Microsoft JhengHei"/>
+        <a:font script="Java" typeface="Javanese Text"/>
+        <a:font script="Lisu" typeface="Segoe UI"/>
+        <a:font script="Mymr" typeface="Myanmar Text"/>
+        <a:font script="Nkoo" typeface="Ebrima"/>
+        <a:font script="Olck" typeface="Nirmala UI"/>
+        <a:font script="Osma" typeface="Ebrima"/>
+        <a:font script="Phag" typeface="Phagspa"/>
+        <a:font script="Syrn" typeface="Estrangelo Edessa"/>
+        <a:font script="Syrj" typeface="Estrangelo Edessa"/>
+        <a:font script="Syre" typeface="Estrangelo Edessa"/>
+        <a:font script="Sora" typeface="Nirmala UI"/>
+        <a:font script="Tale" typeface="Microsoft Tai Le"/>
+        <a:font script="Talu" typeface="Microsoft New Tai Lue"/>
+        <a:font script="Tfng" typeface="Ebrima"/>
+      </a:majorFont>
+      <a:minorFont>
+        <a:latin typeface="Calibri" panose="020F0502020204030204"/>
+        <a:ea typeface=""/>
+        <a:cs typeface=""/>
+        <a:font script="Jpan" typeface="游ゴシック"/>
+        <a:font script="Hang" typeface="맑은 고딕"/>
+        <a:font script="Hans" typeface="等线"/>
+        <a:font script="Hant" typeface="新細明體"/>
+        <a:font script="Arab" typeface="Arial"/>
+        <a:font script="Hebr" typeface="Arial"/>
+        <a:font script="Thai" typeface="Cordia New"/>
+        <a:font script="Ethi" typeface="Nyala"/>
+        <a:font script="Beng" typeface="Vrinda"/>
+        <a:font script="Gujr" typeface="Shruti"/>
+        <a:font script="Khmr" typeface="DaunPenh"/>
+        <a:font script="Knda" typeface="Tunga"/>
+        <a:font script="Guru" typeface="Raavi"/>
+        <a:font script="Cans" typeface="Euphemia"/>
+        <a:font script="Cher" typeface="Plantagenet Cherokee"/>
+        <a:font script="Yiii" typeface="Microsoft Yi Baiti"/>
+        <a:font script="Tibt" typeface="Microsoft Himalaya"/>
+        <a:font script="Thaa" typeface="MV Boli"/>
+        <a:font script="Deva" typeface="Mangal"/>
+        <a:font script="Telu" typeface="Gautami"/>
+        <a:font script="Taml" typeface="Latha"/>
+        <a:font script="Syrc" typeface="Estrangelo Edessa"/>
+        <a:font script="Orya" typeface="Kalinga"/>
+        <a:font script="Mlym" typeface="Kartika"/>
+        <a:font script="Laoo" typeface="DokChampa"/>
+        <a:font script="Sinh" typeface="Iskoola Pota"/>
+        <a:font script="Mong" typeface="Mongolian Baiti"/>
+        <a:font script="Viet" typeface="Arial"/>
+        <a:font script="Uigh" typeface="Microsoft Uighur"/>
+        <a:font script="Geor" typeface="Sylfaen"/>
+        <a:font script="Armn" typeface="Arial"/>
+        <a:font script="Bugi" typeface="Leelawadee UI"/>
+        <a:font script="Bopo" typeface="Microsoft JhengHei"/>
+        <a:font script="Java" typeface="Javanese Text"/>
+        <a:font script="Lisu" typeface="Segoe UI"/>
+        <a:font script="Mymr" typeface="Myanmar Text"/>
+        <a:font script="Nkoo" typeface="Ebrima"/>
+        <a:font script="Olck" typeface="Nirmala UI"/>
+        <a:font script="Osma" typeface="Ebrima"/>
+        <a:font script="Phag" typeface="Phagspa"/>
+        <a:font script="Syrn" typeface="Estrangelo Edessa"/>
+        <a:font script="Syrj" typeface="Estrangelo Edessa"/>
+        <a:font script="Syre" typeface="Estrangelo Edessa"/>
+        <a:font script="Sora" typeface="Nirmala UI"/>
+        <a:font script="Tale" typeface="Microsoft Tai Le"/>
+        <a:font script="Talu" typeface="Microsoft New Tai Lue"/>
+        <a:font script="Tfng" typeface="Ebrima"/>
+      </a:minorFont>
+    </a:fontScheme>
+    <a:fmtScheme name="Office">
+      <a:fillStyleLst>
+        <a:solidFill>
+          <a:schemeClr val="phClr"/>
+        </a:solidFill>
+        <a:gradFill rotWithShape="1">
+          <a:gsLst>
+            <a:gs pos="0">
+              <a:schemeClr val="phClr">
+                <a:lumMod val="110000"/>
+                <a:satMod val="105000"/>
+                <a:tint val="67000"/>
+              </a:schemeClr>
+            </a:gs>
+            <a:gs pos="50000">
+              <a:schemeClr val="phClr">
+                <a:lumMod val="105000"/>
+                <a:satMod val="103000"/>
+                <a:tint val="73000"/>
+              </a:schemeClr>
+            </a:gs>
+            <a:gs pos="100000">
+              <a:schemeClr val="phClr">
+                <a:lumMod val="105000"/>
+                <a:satMod val="109000"/>
+                <a:tint val="81000"/>
+              </a:schemeClr>
+            </a:gs>
+          </a:gsLst>
+          <a:lin ang="5400000" scaled="0"/>
+        </a:gradFill>
+        <a:gradFill rotWithShape="1">
+          <a:gsLst>
+            <a:gs pos="0">
+              <a:schemeClr val="phClr">
+                <a:satMod val="103000"/>
+                <a:lumMod val="102000"/>
+                <a:tint val="94000"/>
+              </a:schemeClr>
+            </a:gs>
+            <a:gs pos="50000">
+              <a:schemeClr val="phClr">
+                <a:satMod val="110000"/>
+                <a:lumMod val="100000"/>
+                <a:shade val="100000"/>
+              </a:schemeClr>
+            </a:gs>
+            <a:gs pos="100000">
+              <a:schemeClr val="phClr">
+                <a:lumMod val="99000"/>
+                <a:satMod val="120000"/>
+                <a:shade val="78000"/>
+              </a:schemeClr>
+            </a:gs>
+          </a:gsLst>
+          <a:lin ang="5400000" scaled="0"/>
+        </a:gradFill>
+      </a:fillStyleLst>
+      <a:lnStyleLst>
+        <a:ln w="6350" cap="flat" cmpd="sng" algn="ctr">
+          <a:solidFill>
+            <a:schemeClr val="phClr"/>
+          </a:solidFill>
+          <a:prstDash val="solid"/>
+          <a:miter lim="800000"/>
+        </a:ln>
+        <a:ln w="12700" cap="flat" cmpd="sng" algn="ctr">
+          <a:solidFill>
+            <a:schemeClr val="phClr"/>
+          </a:solidFill>
+          <a:prstDash val="solid"/>
+          <a:miter lim="800000"/>
+        </a:ln>
+        <a:ln w="19050" cap="flat" cmpd="sng" algn="ctr">
+          <a:solidFill>
+            <a:schemeClr val="phClr"/>
+          </a:solidFill>
+          <a:prstDash val="solid"/>
+          <a:miter lim="800000"/>
+        </a:ln>
+      </a:lnStyleLst>
+      <a:effectStyleLst>
+        <a:effectStyle>
+          <a:effectLst/>
+        </a:effectStyle>
+        <a:effectStyle>
+          <a:effectLst/>
+        </a:effectStyle>
+        <a:effectStyle>
+          <a:effectLst>
+            <a:outerShdw blurRad="57150" dist="19050" dir="5400000" algn="ctr" rotWithShape="0">
+              <a:srgbClr val="000000">
+                <a:alpha val="63000"/>
+              </a:srgbClr>
+            </a:outerShdw>
+          </a:effectLst>
+        </a:effectStyle>
+      </a:effectStyleLst>
+      <a:bgFillStyleLst>
+        <a:solidFill>
+          <a:schemeClr val="phClr"/>
+        </a:solidFill>
+        <a:solidFill>
+          <a:schemeClr val="phClr">
+            <a:tint val="95000"/>
+            <a:satMod val="170000"/>
+          </a:schemeClr>
+        </a:solidFill>
+        <a:gradFill rotWithShape="1">
+          <a:gsLst>
+            <a:gs pos="0">
+              <a:schemeClr val="phClr">
+                <a:tint val="93000"/>
+                <a:satMod val="150000"/>
+                <a:shade val="98000"/>
+                <a:lumMod val="102000"/>
+              </a:schemeClr>
+            </a:gs>
+            <a:gs pos="50000">
+              <a:schemeClr val="phClr">
+                <a:tint val="98000"/>
+                <a:satMod val="130000"/>
+                <a:shade val="90000"/>
+                <a:lumMod val="103000"/>
+              </a:schemeClr>
+            </a:gs>
+            <a:gs pos="100000">
+              <a:schemeClr val="phClr">
+                <a:shade val="63000"/>
+                <a:satMod val="120000"/>
+              </a:schemeClr>
+            </a:gs>
+          </a:gsLst>
+          <a:lin ang="5400000" scaled="0"/>
+        </a:gradFill>
+      </a:bgFillStyleLst>
+    </a:fmtScheme>
+  </a:themeElements>
+  <a:objectDefaults/>
+  <a:extraClrSchemeLst/>
+  <a:extLst>
+    <a:ext uri="{05A4C25C-085E-4340-85A3-A5531E510DB2}">
+      <thm15:themeFamily xmlns:thm15="http://schemas.microsoft.com/office/thememl/2012/main" name="Office Theme" id="{62F939B6-93AF-4DB8-9C6B-D6C7DFDC589F}" vid="{4A3C46E8-61CC-4603-A589-7422A47A8E4A}"/>
+    </a:ext>
+  </a:extLst>
+</a:theme>
 </file>